--- a/07_TypeSystem.pptx
+++ b/07_TypeSystem.pptx
@@ -5,12 +5,30 @@
     <p:sldMasterId id="2147483648" r:id="rId1"/>
   </p:sldMasterIdLst>
   <p:notesMasterIdLst>
-    <p:notesMasterId r:id="rId5"/>
+    <p:notesMasterId r:id="rId23"/>
   </p:notesMasterIdLst>
   <p:sldIdLst>
     <p:sldId id="256" r:id="rId2"/>
     <p:sldId id="263" r:id="rId3"/>
-    <p:sldId id="259" r:id="rId4"/>
+    <p:sldId id="264" r:id="rId4"/>
+    <p:sldId id="265" r:id="rId5"/>
+    <p:sldId id="266" r:id="rId6"/>
+    <p:sldId id="268" r:id="rId7"/>
+    <p:sldId id="267" r:id="rId8"/>
+    <p:sldId id="269" r:id="rId9"/>
+    <p:sldId id="270" r:id="rId10"/>
+    <p:sldId id="271" r:id="rId11"/>
+    <p:sldId id="272" r:id="rId12"/>
+    <p:sldId id="273" r:id="rId13"/>
+    <p:sldId id="274" r:id="rId14"/>
+    <p:sldId id="275" r:id="rId15"/>
+    <p:sldId id="276" r:id="rId16"/>
+    <p:sldId id="277" r:id="rId17"/>
+    <p:sldId id="278" r:id="rId18"/>
+    <p:sldId id="279" r:id="rId19"/>
+    <p:sldId id="280" r:id="rId20"/>
+    <p:sldId id="281" r:id="rId21"/>
+    <p:sldId id="259" r:id="rId22"/>
   </p:sldIdLst>
   <p:sldSz cx="9144000" cy="6858000" type="screen4x3"/>
   <p:notesSz cx="6858000" cy="9144000"/>
@@ -211,7 +229,7 @@
             <a:fld id="{6837EDA8-41C8-4B24-A206-13C08A65A6D7}" type="datetimeFigureOut">
               <a:rPr lang="zh-TW" altLang="en-US" smtClean="0"/>
               <a:pPr/>
-              <a:t>2020/3/23</a:t>
+              <a:t>2020/10/6</a:t>
             </a:fld>
             <a:endParaRPr lang="zh-TW" altLang="en-US"/>
           </a:p>
@@ -664,7 +682,7 @@
             <a:fld id="{8B85509C-BD4F-47BF-9B1E-FC2E949B3621}" type="datetime1">
               <a:rPr lang="zh-TW" altLang="en-US" smtClean="0"/>
               <a:pPr/>
-              <a:t>2020/3/23</a:t>
+              <a:t>2020/10/6</a:t>
             </a:fld>
             <a:endParaRPr lang="zh-TW" altLang="en-US"/>
           </a:p>
@@ -837,7 +855,7 @@
             <a:fld id="{42251B24-F787-4C15-8A0F-7AEC20C70069}" type="datetime1">
               <a:rPr lang="zh-TW" altLang="en-US" smtClean="0"/>
               <a:pPr/>
-              <a:t>2020/3/23</a:t>
+              <a:t>2020/10/6</a:t>
             </a:fld>
             <a:endParaRPr lang="zh-TW" altLang="en-US"/>
           </a:p>
@@ -1012,7 +1030,7 @@
             <a:fld id="{9CA0D33C-CE2B-45F1-B8D4-FFD1F131F331}" type="datetime1">
               <a:rPr lang="zh-TW" altLang="en-US" smtClean="0"/>
               <a:pPr/>
-              <a:t>2020/3/23</a:t>
+              <a:t>2020/10/6</a:t>
             </a:fld>
             <a:endParaRPr lang="zh-TW" altLang="en-US"/>
           </a:p>
@@ -1177,7 +1195,7 @@
             <a:fld id="{50B99440-D9EF-40CC-9B52-F6428D9B2C76}" type="datetime1">
               <a:rPr lang="zh-TW" altLang="en-US" smtClean="0"/>
               <a:pPr/>
-              <a:t>2020/3/23</a:t>
+              <a:t>2020/10/6</a:t>
             </a:fld>
             <a:endParaRPr lang="zh-TW" altLang="en-US"/>
           </a:p>
@@ -1419,7 +1437,7 @@
             <a:fld id="{0871BF52-5C6C-4959-8E27-CECB68D39FE4}" type="datetime1">
               <a:rPr lang="zh-TW" altLang="en-US" smtClean="0"/>
               <a:pPr/>
-              <a:t>2020/3/23</a:t>
+              <a:t>2020/10/6</a:t>
             </a:fld>
             <a:endParaRPr lang="zh-TW" altLang="en-US"/>
           </a:p>
@@ -1701,7 +1719,7 @@
             <a:fld id="{DF863F05-2DD9-4EB1-A827-12FD992DE9DC}" type="datetime1">
               <a:rPr lang="zh-TW" altLang="en-US" smtClean="0"/>
               <a:pPr/>
-              <a:t>2020/3/23</a:t>
+              <a:t>2020/10/6</a:t>
             </a:fld>
             <a:endParaRPr lang="zh-TW" altLang="en-US"/>
           </a:p>
@@ -2117,7 +2135,7 @@
             <a:fld id="{6339AF51-4491-4873-A096-75DB6CE47516}" type="datetime1">
               <a:rPr lang="zh-TW" altLang="en-US" smtClean="0"/>
               <a:pPr/>
-              <a:t>2020/3/23</a:t>
+              <a:t>2020/10/6</a:t>
             </a:fld>
             <a:endParaRPr lang="zh-TW" altLang="en-US"/>
           </a:p>
@@ -2231,7 +2249,7 @@
             <a:fld id="{EE4AD9C8-8B9E-40FF-ABE2-858AC2057BBB}" type="datetime1">
               <a:rPr lang="zh-TW" altLang="en-US" smtClean="0"/>
               <a:pPr/>
-              <a:t>2020/3/23</a:t>
+              <a:t>2020/10/6</a:t>
             </a:fld>
             <a:endParaRPr lang="zh-TW" altLang="en-US"/>
           </a:p>
@@ -2323,7 +2341,7 @@
             <a:fld id="{B4784999-BBBE-4BE4-A8D0-877E7D1D66CC}" type="datetime1">
               <a:rPr lang="zh-TW" altLang="en-US" smtClean="0"/>
               <a:pPr/>
-              <a:t>2020/3/23</a:t>
+              <a:t>2020/10/6</a:t>
             </a:fld>
             <a:endParaRPr lang="zh-TW" altLang="en-US"/>
           </a:p>
@@ -2595,7 +2613,7 @@
             <a:fld id="{E88D17E6-02BD-4944-B9FE-7BFCCBF83D48}" type="datetime1">
               <a:rPr lang="zh-TW" altLang="en-US" smtClean="0"/>
               <a:pPr/>
-              <a:t>2020/3/23</a:t>
+              <a:t>2020/10/6</a:t>
             </a:fld>
             <a:endParaRPr lang="zh-TW" altLang="en-US"/>
           </a:p>
@@ -2844,7 +2862,7 @@
             <a:fld id="{3C13E23D-1FEF-4D78-A3A3-3D6F2BB31954}" type="datetime1">
               <a:rPr lang="zh-TW" altLang="en-US" smtClean="0"/>
               <a:pPr/>
-              <a:t>2020/3/23</a:t>
+              <a:t>2020/10/6</a:t>
             </a:fld>
             <a:endParaRPr lang="zh-TW" altLang="en-US"/>
           </a:p>
@@ -3052,7 +3070,7 @@
             <a:fld id="{06197F35-AD6F-4594-8B50-334492D2E7E8}" type="datetime1">
               <a:rPr lang="zh-TW" altLang="en-US" smtClean="0"/>
               <a:pPr/>
-              <a:t>2020/3/23</a:t>
+              <a:t>2020/10/6</a:t>
             </a:fld>
             <a:endParaRPr lang="zh-TW" altLang="en-US"/>
           </a:p>
@@ -3513,7 +3531,7 @@
             <a:fld id="{C389EDC9-19E3-47AC-9C57-C6A24DEA81AD}" type="datetime1">
               <a:rPr lang="zh-TW" altLang="en-US" smtClean="0"/>
               <a:pPr/>
-              <a:t>2020/3/23</a:t>
+              <a:t>2020/10/6</a:t>
             </a:fld>
             <a:endParaRPr lang="zh-TW" altLang="en-US"/>
           </a:p>
@@ -3581,7 +3599,7 @@
 </p:sld>
 </file>
 
-<file path=ppt/slides/slide2.xml><?xml version="1.0" encoding="utf-8"?>
+<file path=ppt/slides/slide10.xml><?xml version="1.0" encoding="utf-8"?>
 <p:sld xmlns:a="http://schemas.openxmlformats.org/drawingml/2006/main" xmlns:r="http://schemas.openxmlformats.org/officeDocument/2006/relationships" xmlns:p="http://schemas.openxmlformats.org/presentationml/2006/main">
   <p:cSld>
     <p:spTree>
@@ -3648,12 +3666,12 @@
           <a:p>
             <a:pPr algn="l"/>
             <a:r>
-              <a:rPr lang="en-US" altLang="zh-TW" b="1" dirty="0">
+              <a:rPr lang="en-US" altLang="zh-TW" sz="4400" b="1" dirty="0">
                 <a:solidFill>
                   <a:srgbClr val="FFFF00"/>
                 </a:solidFill>
               </a:rPr>
-              <a:t>7 Type System</a:t>
+              <a:t>7.3 Query Type</a:t>
             </a:r>
             <a:endParaRPr lang="zh-TW" altLang="en-US" b="1" dirty="0">
               <a:solidFill>
@@ -3676,7 +3694,7 @@
         <p:spPr>
           <a:xfrm>
             <a:off x="467544" y="1340768"/>
-            <a:ext cx="8352928" cy="1296144"/>
+            <a:ext cx="8352928" cy="2664296"/>
           </a:xfrm>
           <a:ln>
             <a:solidFill>
@@ -3699,58 +3717,12 @@
               <a:buChar char="u"/>
             </a:pPr>
             <a:r>
-              <a:rPr lang="en-US" altLang="zh-TW" sz="1800" b="1" dirty="0" err="1">
+              <a:rPr lang="en-US" altLang="zh-TW" sz="1800" b="1" dirty="0">
                 <a:solidFill>
                   <a:schemeClr val="tx1"/>
                 </a:solidFill>
-                <a:latin typeface="+mj-lt"/>
               </a:rPr>
-              <a:t>GraphQL</a:t>
-            </a:r>
-            <a:r>
-              <a:rPr lang="en-US" altLang="zh-TW" sz="1800" b="1" dirty="0">
-                <a:solidFill>
-                  <a:schemeClr val="tx1"/>
-                </a:solidFill>
-                <a:latin typeface="+mj-lt"/>
-              </a:rPr>
-              <a:t> is a strong typed </a:t>
-            </a:r>
-            <a:r>
-              <a:rPr lang="en-US" altLang="zh-TW" sz="1800" b="1" dirty="0" err="1">
-                <a:solidFill>
-                  <a:schemeClr val="tx1"/>
-                </a:solidFill>
-                <a:latin typeface="+mj-lt"/>
-              </a:rPr>
-              <a:t>languahe</a:t>
-            </a:r>
-            <a:r>
-              <a:rPr lang="en-US" altLang="zh-TW" sz="1800" b="1" dirty="0">
-                <a:solidFill>
-                  <a:schemeClr val="tx1"/>
-                </a:solidFill>
-                <a:latin typeface="+mj-lt"/>
-              </a:rPr>
-              <a:t>. Type System defined various data types that can be used in a </a:t>
-            </a:r>
-            <a:r>
-              <a:rPr lang="en-US" altLang="zh-TW" sz="1800" b="1" dirty="0" err="1">
-                <a:solidFill>
-                  <a:schemeClr val="tx1"/>
-                </a:solidFill>
-                <a:latin typeface="+mj-lt"/>
-              </a:rPr>
-              <a:t>GraphQL</a:t>
-            </a:r>
-            <a:r>
-              <a:rPr lang="en-US" altLang="zh-TW" sz="1800" b="1" dirty="0">
-                <a:solidFill>
-                  <a:schemeClr val="tx1"/>
-                </a:solidFill>
-                <a:latin typeface="+mj-lt"/>
-              </a:rPr>
-              <a:t> application. </a:t>
+              <a:t>Query Type</a:t>
             </a:r>
           </a:p>
           <a:p>
@@ -3763,86 +3735,17 @@
               <a:buChar char="u"/>
             </a:pPr>
             <a:r>
-              <a:rPr lang="en-US" altLang="zh-TW" sz="1800" b="1" dirty="0">
-                <a:solidFill>
-                  <a:schemeClr val="tx1"/>
-                </a:solidFill>
-                <a:latin typeface="+mj-lt"/>
+              <a:rPr lang="en-US" sz="1800" b="1" i="0" dirty="0">
+                <a:solidFill>
+                  <a:srgbClr val="000000"/>
+                </a:solidFill>
+                <a:effectLst/>
               </a:rPr>
-              <a:t>The </a:t>
-            </a:r>
-            <a:r>
-              <a:rPr lang="en-US" altLang="zh-TW" sz="1800" b="1" dirty="0" err="1">
-                <a:solidFill>
-                  <a:schemeClr val="tx1"/>
-                </a:solidFill>
-                <a:latin typeface="+mj-lt"/>
-              </a:rPr>
-              <a:t>graphQL</a:t>
-            </a:r>
-            <a:r>
-              <a:rPr lang="en-US" altLang="zh-TW" sz="1800" b="1" dirty="0">
-                <a:solidFill>
-                  <a:schemeClr val="tx1"/>
-                </a:solidFill>
-                <a:latin typeface="+mj-lt"/>
-              </a:rPr>
-              <a:t> data type includes Scalar (int, Float, String, </a:t>
-            </a:r>
-            <a:r>
-              <a:rPr lang="en-US" altLang="zh-TW" sz="1800" b="1" dirty="0" err="1">
-                <a:solidFill>
-                  <a:schemeClr val="tx1"/>
-                </a:solidFill>
-                <a:latin typeface="+mj-lt"/>
-              </a:rPr>
-              <a:t>Booelan</a:t>
-            </a:r>
-            <a:r>
-              <a:rPr lang="en-US" altLang="zh-TW" sz="1800" b="1" dirty="0">
-                <a:solidFill>
-                  <a:schemeClr val="tx1"/>
-                </a:solidFill>
-                <a:latin typeface="+mj-lt"/>
-              </a:rPr>
-              <a:t>, ID), Object, Query, Mutation, </a:t>
-            </a:r>
-            <a:r>
-              <a:rPr lang="en-US" altLang="zh-TW" sz="1800" b="1" dirty="0" err="1">
-                <a:solidFill>
-                  <a:schemeClr val="tx1"/>
-                </a:solidFill>
-                <a:latin typeface="+mj-lt"/>
-              </a:rPr>
-              <a:t>Enum</a:t>
-            </a:r>
-            <a:r>
-              <a:rPr lang="en-US" altLang="zh-TW" sz="1800" b="1" dirty="0">
-                <a:solidFill>
-                  <a:schemeClr val="tx1"/>
-                </a:solidFill>
-                <a:latin typeface="+mj-lt"/>
-              </a:rPr>
-              <a:t>, List</a:t>
-            </a:r>
-            <a:r>
-              <a:rPr lang="en-US" altLang="zh-TW" sz="1800" b="1">
-                <a:solidFill>
-                  <a:schemeClr val="tx1"/>
-                </a:solidFill>
-                <a:latin typeface="+mj-lt"/>
-              </a:rPr>
-              <a:t>, Non-Nullable Type.</a:t>
-            </a:r>
-            <a:endParaRPr lang="en-US" altLang="zh-TW" sz="1800" b="1" dirty="0">
-              <a:solidFill>
-                <a:schemeClr val="tx1"/>
-              </a:solidFill>
-              <a:latin typeface="+mj-lt"/>
-            </a:endParaRPr>
-          </a:p>
-          <a:p>
-            <a:pPr marL="800100" lvl="1" indent="-342900" algn="l">
+              <a:t>A GraphQL query is used to fetch data. </a:t>
+            </a:r>
+          </a:p>
+          <a:p>
+            <a:pPr marL="342900" indent="-342900" algn="l">
               <a:buClr>
                 <a:srgbClr val="0070C0"/>
               </a:buClr>
@@ -3850,12 +3753,91 @@
               <a:buFont typeface="Wingdings" pitchFamily="2" charset="2"/>
               <a:buChar char="u"/>
             </a:pPr>
-            <a:endParaRPr lang="en-US" altLang="zh-TW" sz="1800" b="1" dirty="0">
-              <a:solidFill>
-                <a:schemeClr val="tx1"/>
-              </a:solidFill>
-              <a:latin typeface="+mj-lt"/>
-            </a:endParaRPr>
+            <a:r>
+              <a:rPr lang="en-US" sz="1800" b="1" i="0" dirty="0">
+                <a:solidFill>
+                  <a:srgbClr val="000000"/>
+                </a:solidFill>
+                <a:effectLst/>
+              </a:rPr>
+              <a:t>It is like requesting a resource in REST-based APIs. </a:t>
+            </a:r>
+          </a:p>
+          <a:p>
+            <a:pPr marL="342900" indent="-342900" algn="l">
+              <a:buClr>
+                <a:srgbClr val="0070C0"/>
+              </a:buClr>
+              <a:buSzPct val="80000"/>
+              <a:buFont typeface="Wingdings" pitchFamily="2" charset="2"/>
+              <a:buChar char="u"/>
+            </a:pPr>
+            <a:r>
+              <a:rPr lang="en-US" sz="1800" b="1" i="0" dirty="0">
+                <a:solidFill>
+                  <a:srgbClr val="000000"/>
+                </a:solidFill>
+                <a:effectLst/>
+              </a:rPr>
+              <a:t>To keep it simple, the Query type is the request sent from a client application to the GraphQL server. </a:t>
+            </a:r>
+          </a:p>
+          <a:p>
+            <a:pPr marL="342900" indent="-342900" algn="l">
+              <a:buClr>
+                <a:srgbClr val="0070C0"/>
+              </a:buClr>
+              <a:buSzPct val="80000"/>
+              <a:buFont typeface="Wingdings" pitchFamily="2" charset="2"/>
+              <a:buChar char="u"/>
+            </a:pPr>
+            <a:r>
+              <a:rPr lang="en-US" sz="1800" b="1" i="0" dirty="0">
+                <a:solidFill>
+                  <a:srgbClr val="000000"/>
+                </a:solidFill>
+                <a:effectLst/>
+              </a:rPr>
+              <a:t>GraphQL uses the Schema Definition Language (SDL) to define a Query. </a:t>
+            </a:r>
+          </a:p>
+          <a:p>
+            <a:pPr marL="342900" indent="-342900" algn="l">
+              <a:buClr>
+                <a:srgbClr val="0070C0"/>
+              </a:buClr>
+              <a:buSzPct val="80000"/>
+              <a:buFont typeface="Wingdings" pitchFamily="2" charset="2"/>
+              <a:buChar char="u"/>
+            </a:pPr>
+            <a:r>
+              <a:rPr lang="en-US" sz="1800" b="1" i="0" dirty="0">
+                <a:solidFill>
+                  <a:srgbClr val="000000"/>
+                </a:solidFill>
+                <a:effectLst/>
+              </a:rPr>
+              <a:t>Query type is one of the many root-level types in GraphQL.</a:t>
+            </a:r>
+          </a:p>
+          <a:p>
+            <a:pPr marL="342900" indent="-342900" algn="l">
+              <a:buClr>
+                <a:srgbClr val="0070C0"/>
+              </a:buClr>
+              <a:buSzPct val="80000"/>
+              <a:buFont typeface="Wingdings" pitchFamily="2" charset="2"/>
+              <a:buChar char="u"/>
+            </a:pPr>
+            <a:r>
+              <a:rPr lang="en-US" sz="1800" b="1" i="0" dirty="0">
+                <a:solidFill>
+                  <a:srgbClr val="000000"/>
+                </a:solidFill>
+                <a:effectLst/>
+              </a:rPr>
+              <a:t>The syntax for defining a Query is as given below −</a:t>
+            </a:r>
           </a:p>
         </p:txBody>
       </p:sp>
@@ -3941,7 +3923,7 @@
             <a:fld id="{A4F910E6-8D00-4BAF-8C48-9688E0B449D3}" type="datetime1">
               <a:rPr lang="zh-TW" altLang="en-US" smtClean="0"/>
               <a:pPr/>
-              <a:t>2020/3/23</a:t>
+              <a:t>2020/10/6</a:t>
             </a:fld>
             <a:endParaRPr lang="zh-TW" altLang="en-US"/>
           </a:p>
@@ -3970,13 +3952,53 @@
             <a:fld id="{E4D7E63D-91F2-4366-A2C4-1B00C9E2590E}" type="slidenum">
               <a:rPr lang="zh-TW" altLang="en-US" smtClean="0"/>
               <a:pPr/>
-              <a:t>2</a:t>
+              <a:t>10</a:t>
             </a:fld>
             <a:endParaRPr lang="zh-TW" altLang="en-US"/>
           </a:p>
         </p:txBody>
       </p:sp>
+      <p:pic>
+        <p:nvPicPr>
+          <p:cNvPr id="7" name="Picture 6">
+            <a:extLst>
+              <a:ext uri="{FF2B5EF4-FFF2-40B4-BE49-F238E27FC236}">
+                <a16:creationId xmlns:a16="http://schemas.microsoft.com/office/drawing/2014/main" id="{E2475A41-01DC-4369-AB89-4BE3256FDD3B}"/>
+              </a:ext>
+            </a:extLst>
+          </p:cNvPr>
+          <p:cNvPicPr>
+            <a:picLocks noChangeAspect="1"/>
+          </p:cNvPicPr>
+          <p:nvPr/>
+        </p:nvPicPr>
+        <p:blipFill>
+          <a:blip r:embed="rId3"/>
+          <a:stretch>
+            <a:fillRect/>
+          </a:stretch>
+        </p:blipFill>
+        <p:spPr>
+          <a:xfrm>
+            <a:off x="1115616" y="4219726"/>
+            <a:ext cx="5934075" cy="1085850"/>
+          </a:xfrm>
+          <a:prstGeom prst="rect">
+            <a:avLst/>
+          </a:prstGeom>
+          <a:ln>
+            <a:solidFill>
+              <a:srgbClr val="C00000"/>
+            </a:solidFill>
+          </a:ln>
+        </p:spPr>
+      </p:pic>
     </p:spTree>
+    <p:extLst>
+      <p:ext uri="{BB962C8B-B14F-4D97-AF65-F5344CB8AC3E}">
+        <p14:creationId xmlns:p14="http://schemas.microsoft.com/office/powerpoint/2010/main" val="844103975"/>
+      </p:ext>
+    </p:extLst>
   </p:cSld>
   <p:clrMapOvr>
     <a:masterClrMapping/>
@@ -3984,7 +4006,7 @@
 </p:sld>
 </file>
 
-<file path=ppt/slides/slide3.xml><?xml version="1.0" encoding="utf-8"?>
+<file path=ppt/slides/slide11.xml><?xml version="1.0" encoding="utf-8"?>
 <p:sld xmlns:a="http://schemas.openxmlformats.org/drawingml/2006/main" xmlns:r="http://schemas.openxmlformats.org/officeDocument/2006/relationships" xmlns:p="http://schemas.openxmlformats.org/presentationml/2006/main">
   <p:cSld>
     <p:spTree>
@@ -4013,9 +4035,140 @@
         </p:nvSpPr>
         <p:spPr>
           <a:xfrm>
-            <a:off x="0" y="2130425"/>
-            <a:ext cx="9144000" cy="1470025"/>
-          </a:xfrm>
+            <a:off x="0" y="1"/>
+            <a:ext cx="9144000" cy="764704"/>
+          </a:xfrm>
+          <a:gradFill flip="none" rotWithShape="1">
+            <a:gsLst>
+              <a:gs pos="0">
+                <a:srgbClr val="C00000">
+                  <a:shade val="30000"/>
+                  <a:satMod val="115000"/>
+                </a:srgbClr>
+              </a:gs>
+              <a:gs pos="50000">
+                <a:srgbClr val="C00000">
+                  <a:shade val="67500"/>
+                  <a:satMod val="115000"/>
+                </a:srgbClr>
+              </a:gs>
+              <a:gs pos="100000">
+                <a:srgbClr val="C00000">
+                  <a:shade val="100000"/>
+                  <a:satMod val="115000"/>
+                </a:srgbClr>
+              </a:gs>
+            </a:gsLst>
+            <a:path path="circle">
+              <a:fillToRect t="100000" r="100000"/>
+            </a:path>
+            <a:tileRect l="-100000" b="-100000"/>
+          </a:gradFill>
+        </p:spPr>
+        <p:txBody>
+          <a:bodyPr>
+            <a:normAutofit/>
+          </a:bodyPr>
+          <a:lstStyle/>
+          <a:p>
+            <a:pPr algn="l"/>
+            <a:r>
+              <a:rPr lang="en-US" altLang="zh-TW" sz="4400" b="1" dirty="0">
+                <a:solidFill>
+                  <a:srgbClr val="FFFF00"/>
+                </a:solidFill>
+              </a:rPr>
+              <a:t>7.3 Query Type</a:t>
+            </a:r>
+            <a:endParaRPr lang="zh-TW" altLang="en-US" b="1" dirty="0">
+              <a:solidFill>
+                <a:srgbClr val="FFFF00"/>
+              </a:solidFill>
+            </a:endParaRPr>
+          </a:p>
+        </p:txBody>
+      </p:sp>
+      <p:sp>
+        <p:nvSpPr>
+          <p:cNvPr id="3" name="副標題 2"/>
+          <p:cNvSpPr>
+            <a:spLocks noGrp="1"/>
+          </p:cNvSpPr>
+          <p:nvPr>
+            <p:ph type="subTitle" idx="1"/>
+          </p:nvPr>
+        </p:nvSpPr>
+        <p:spPr>
+          <a:xfrm>
+            <a:off x="467544" y="1340768"/>
+            <a:ext cx="8352928" cy="720080"/>
+          </a:xfrm>
+          <a:ln>
+            <a:solidFill>
+              <a:srgbClr val="C00000"/>
+            </a:solidFill>
+          </a:ln>
+        </p:spPr>
+        <p:txBody>
+          <a:bodyPr>
+            <a:noAutofit/>
+          </a:bodyPr>
+          <a:lstStyle/>
+          <a:p>
+            <a:pPr marL="342900" indent="-342900" algn="l">
+              <a:buClr>
+                <a:srgbClr val="0070C0"/>
+              </a:buClr>
+              <a:buSzPct val="80000"/>
+              <a:buFont typeface="Wingdings" pitchFamily="2" charset="2"/>
+              <a:buChar char="u"/>
+            </a:pPr>
+            <a:r>
+              <a:rPr lang="en-US" altLang="zh-TW" sz="1800" b="1" dirty="0">
+                <a:solidFill>
+                  <a:schemeClr val="tx1"/>
+                </a:solidFill>
+              </a:rPr>
+              <a:t>Query Type</a:t>
+            </a:r>
+          </a:p>
+          <a:p>
+            <a:pPr marL="342900" indent="-342900" algn="l">
+              <a:buClr>
+                <a:srgbClr val="0070C0"/>
+              </a:buClr>
+              <a:buSzPct val="80000"/>
+              <a:buFont typeface="Wingdings" pitchFamily="2" charset="2"/>
+              <a:buChar char="u"/>
+            </a:pPr>
+            <a:r>
+              <a:rPr lang="en-US" sz="1800" b="1" i="0" dirty="0">
+                <a:solidFill>
+                  <a:srgbClr val="000000"/>
+                </a:solidFill>
+                <a:effectLst/>
+              </a:rPr>
+              <a:t>An example of defining a Query</a:t>
+            </a:r>
+          </a:p>
+        </p:txBody>
+      </p:sp>
+      <p:sp>
+        <p:nvSpPr>
+          <p:cNvPr id="4" name="標題 1"/>
+          <p:cNvSpPr txBox="1">
+            <a:spLocks/>
+          </p:cNvSpPr>
+          <p:nvPr/>
+        </p:nvSpPr>
+        <p:spPr>
+          <a:xfrm>
+            <a:off x="0" y="764704"/>
+            <a:ext cx="9144000" cy="398616"/>
+          </a:xfrm>
+          <a:prstGeom prst="rect">
+            <a:avLst/>
+          </a:prstGeom>
           <a:gradFill flip="none" rotWithShape="1">
             <a:gsLst>
               <a:gs pos="0">
@@ -4044,6 +4197,3378 @@
           </a:gradFill>
         </p:spPr>
         <p:txBody>
+          <a:bodyPr vert="horz" lIns="91440" tIns="45720" rIns="91440" bIns="45720" rtlCol="0" anchor="ctr">
+            <a:normAutofit/>
+          </a:bodyPr>
+          <a:lstStyle/>
+          <a:p>
+            <a:r>
+              <a:rPr lang="en-US" sz="1600" dirty="0">
+                <a:hlinkClick r:id="rId2"/>
+              </a:rPr>
+              <a:t>https://www.tutorialspoint.com/graphql/graphql_type_system.htm</a:t>
+            </a:r>
+            <a:endParaRPr lang="en-US" altLang="zh-TW" sz="1600" b="1" i="1" dirty="0"/>
+          </a:p>
+        </p:txBody>
+      </p:sp>
+      <p:sp>
+        <p:nvSpPr>
+          <p:cNvPr id="5" name="日期版面配置區 4"/>
+          <p:cNvSpPr>
+            <a:spLocks noGrp="1"/>
+          </p:cNvSpPr>
+          <p:nvPr>
+            <p:ph type="dt" sz="half" idx="10"/>
+          </p:nvPr>
+        </p:nvSpPr>
+        <p:spPr>
+          <a:xfrm>
+            <a:off x="457200" y="6356350"/>
+            <a:ext cx="2133600" cy="404246"/>
+          </a:xfrm>
+        </p:spPr>
+        <p:txBody>
+          <a:bodyPr/>
+          <a:lstStyle/>
+          <a:p>
+            <a:fld id="{A4F910E6-8D00-4BAF-8C48-9688E0B449D3}" type="datetime1">
+              <a:rPr lang="zh-TW" altLang="en-US" smtClean="0"/>
+              <a:pPr/>
+              <a:t>2020/10/6</a:t>
+            </a:fld>
+            <a:endParaRPr lang="zh-TW" altLang="en-US"/>
+          </a:p>
+        </p:txBody>
+      </p:sp>
+      <p:sp>
+        <p:nvSpPr>
+          <p:cNvPr id="6" name="投影片編號版面配置區 5"/>
+          <p:cNvSpPr>
+            <a:spLocks noGrp="1"/>
+          </p:cNvSpPr>
+          <p:nvPr>
+            <p:ph type="sldNum" sz="quarter" idx="12"/>
+          </p:nvPr>
+        </p:nvSpPr>
+        <p:spPr>
+          <a:xfrm>
+            <a:off x="6553200" y="6356350"/>
+            <a:ext cx="2133600" cy="404246"/>
+          </a:xfrm>
+        </p:spPr>
+        <p:txBody>
+          <a:bodyPr/>
+          <a:lstStyle/>
+          <a:p>
+            <a:fld id="{E4D7E63D-91F2-4366-A2C4-1B00C9E2590E}" type="slidenum">
+              <a:rPr lang="zh-TW" altLang="en-US" smtClean="0"/>
+              <a:pPr/>
+              <a:t>11</a:t>
+            </a:fld>
+            <a:endParaRPr lang="zh-TW" altLang="en-US"/>
+          </a:p>
+        </p:txBody>
+      </p:sp>
+      <p:pic>
+        <p:nvPicPr>
+          <p:cNvPr id="8" name="Picture 7">
+            <a:extLst>
+              <a:ext uri="{FF2B5EF4-FFF2-40B4-BE49-F238E27FC236}">
+                <a16:creationId xmlns:a16="http://schemas.microsoft.com/office/drawing/2014/main" id="{B7934848-4291-46F9-98C0-88EA7D1BA178}"/>
+              </a:ext>
+            </a:extLst>
+          </p:cNvPr>
+          <p:cNvPicPr>
+            <a:picLocks noChangeAspect="1"/>
+          </p:cNvPicPr>
+          <p:nvPr/>
+        </p:nvPicPr>
+        <p:blipFill>
+          <a:blip r:embed="rId3"/>
+          <a:stretch>
+            <a:fillRect/>
+          </a:stretch>
+        </p:blipFill>
+        <p:spPr>
+          <a:xfrm>
+            <a:off x="2195736" y="2302856"/>
+            <a:ext cx="1628775" cy="609600"/>
+          </a:xfrm>
+          <a:prstGeom prst="rect">
+            <a:avLst/>
+          </a:prstGeom>
+          <a:ln>
+            <a:solidFill>
+              <a:srgbClr val="C00000"/>
+            </a:solidFill>
+          </a:ln>
+        </p:spPr>
+      </p:pic>
+    </p:spTree>
+    <p:extLst>
+      <p:ext uri="{BB962C8B-B14F-4D97-AF65-F5344CB8AC3E}">
+        <p14:creationId xmlns:p14="http://schemas.microsoft.com/office/powerpoint/2010/main" val="3246742054"/>
+      </p:ext>
+    </p:extLst>
+  </p:cSld>
+  <p:clrMapOvr>
+    <a:masterClrMapping/>
+  </p:clrMapOvr>
+</p:sld>
+</file>
+
+<file path=ppt/slides/slide12.xml><?xml version="1.0" encoding="utf-8"?>
+<p:sld xmlns:a="http://schemas.openxmlformats.org/drawingml/2006/main" xmlns:r="http://schemas.openxmlformats.org/officeDocument/2006/relationships" xmlns:p="http://schemas.openxmlformats.org/presentationml/2006/main">
+  <p:cSld>
+    <p:spTree>
+      <p:nvGrpSpPr>
+        <p:cNvPr id="1" name=""/>
+        <p:cNvGrpSpPr/>
+        <p:nvPr/>
+      </p:nvGrpSpPr>
+      <p:grpSpPr>
+        <a:xfrm>
+          <a:off x="0" y="0"/>
+          <a:ext cx="0" cy="0"/>
+          <a:chOff x="0" y="0"/>
+          <a:chExt cx="0" cy="0"/>
+        </a:xfrm>
+      </p:grpSpPr>
+      <p:sp>
+        <p:nvSpPr>
+          <p:cNvPr id="2" name="標題 1"/>
+          <p:cNvSpPr>
+            <a:spLocks noGrp="1"/>
+          </p:cNvSpPr>
+          <p:nvPr>
+            <p:ph type="ctrTitle"/>
+          </p:nvPr>
+        </p:nvSpPr>
+        <p:spPr>
+          <a:xfrm>
+            <a:off x="0" y="2130425"/>
+            <a:ext cx="9144000" cy="1470025"/>
+          </a:xfrm>
+          <a:solidFill>
+            <a:srgbClr val="00B0F0"/>
+          </a:solidFill>
+        </p:spPr>
+        <p:txBody>
+          <a:bodyPr>
+            <a:normAutofit/>
+          </a:bodyPr>
+          <a:lstStyle/>
+          <a:p>
+            <a:r>
+              <a:rPr lang="en-US" altLang="zh-TW" sz="4800" b="1" dirty="0">
+                <a:solidFill>
+                  <a:srgbClr val="FFFF00"/>
+                </a:solidFill>
+              </a:rPr>
+              <a:t>7.4 Mutation Type</a:t>
+            </a:r>
+            <a:endParaRPr lang="zh-TW" altLang="en-US" sz="4800" b="1" dirty="0">
+              <a:solidFill>
+                <a:srgbClr val="FFFF00"/>
+              </a:solidFill>
+            </a:endParaRPr>
+          </a:p>
+        </p:txBody>
+      </p:sp>
+      <p:sp>
+        <p:nvSpPr>
+          <p:cNvPr id="5" name="日期版面配置區 4"/>
+          <p:cNvSpPr>
+            <a:spLocks noGrp="1"/>
+          </p:cNvSpPr>
+          <p:nvPr>
+            <p:ph type="dt" sz="half" idx="10"/>
+          </p:nvPr>
+        </p:nvSpPr>
+        <p:spPr/>
+        <p:txBody>
+          <a:bodyPr/>
+          <a:lstStyle/>
+          <a:p>
+            <a:fld id="{C389EDC9-19E3-47AC-9C57-C6A24DEA81AD}" type="datetime1">
+              <a:rPr lang="zh-TW" altLang="en-US" smtClean="0"/>
+              <a:pPr/>
+              <a:t>2020/10/6</a:t>
+            </a:fld>
+            <a:endParaRPr lang="zh-TW" altLang="en-US"/>
+          </a:p>
+        </p:txBody>
+      </p:sp>
+      <p:sp>
+        <p:nvSpPr>
+          <p:cNvPr id="6" name="投影片編號版面配置區 5"/>
+          <p:cNvSpPr>
+            <a:spLocks noGrp="1"/>
+          </p:cNvSpPr>
+          <p:nvPr>
+            <p:ph type="sldNum" sz="quarter" idx="12"/>
+          </p:nvPr>
+        </p:nvSpPr>
+        <p:spPr/>
+        <p:txBody>
+          <a:bodyPr/>
+          <a:lstStyle/>
+          <a:p>
+            <a:fld id="{E4D7E63D-91F2-4366-A2C4-1B00C9E2590E}" type="slidenum">
+              <a:rPr lang="zh-TW" altLang="en-US" smtClean="0"/>
+              <a:pPr/>
+              <a:t>12</a:t>
+            </a:fld>
+            <a:endParaRPr lang="zh-TW" altLang="en-US"/>
+          </a:p>
+        </p:txBody>
+      </p:sp>
+      <p:pic>
+        <p:nvPicPr>
+          <p:cNvPr id="4" name="Picture 3">
+            <a:extLst>
+              <a:ext uri="{FF2B5EF4-FFF2-40B4-BE49-F238E27FC236}">
+                <a16:creationId xmlns:a16="http://schemas.microsoft.com/office/drawing/2014/main" id="{1DAA86DC-1C5B-4F2C-B64A-CA9753905B48}"/>
+              </a:ext>
+            </a:extLst>
+          </p:cNvPr>
+          <p:cNvPicPr>
+            <a:picLocks noChangeAspect="1"/>
+          </p:cNvPicPr>
+          <p:nvPr/>
+        </p:nvPicPr>
+        <p:blipFill>
+          <a:blip r:embed="rId2"/>
+          <a:stretch>
+            <a:fillRect/>
+          </a:stretch>
+        </p:blipFill>
+        <p:spPr>
+          <a:xfrm>
+            <a:off x="4211961" y="3766415"/>
+            <a:ext cx="648072" cy="718771"/>
+          </a:xfrm>
+          <a:prstGeom prst="rect">
+            <a:avLst/>
+          </a:prstGeom>
+        </p:spPr>
+      </p:pic>
+    </p:spTree>
+    <p:extLst>
+      <p:ext uri="{BB962C8B-B14F-4D97-AF65-F5344CB8AC3E}">
+        <p14:creationId xmlns:p14="http://schemas.microsoft.com/office/powerpoint/2010/main" val="2735326134"/>
+      </p:ext>
+    </p:extLst>
+  </p:cSld>
+  <p:clrMapOvr>
+    <a:masterClrMapping/>
+  </p:clrMapOvr>
+</p:sld>
+</file>
+
+<file path=ppt/slides/slide13.xml><?xml version="1.0" encoding="utf-8"?>
+<p:sld xmlns:a="http://schemas.openxmlformats.org/drawingml/2006/main" xmlns:r="http://schemas.openxmlformats.org/officeDocument/2006/relationships" xmlns:p="http://schemas.openxmlformats.org/presentationml/2006/main">
+  <p:cSld>
+    <p:spTree>
+      <p:nvGrpSpPr>
+        <p:cNvPr id="1" name=""/>
+        <p:cNvGrpSpPr/>
+        <p:nvPr/>
+      </p:nvGrpSpPr>
+      <p:grpSpPr>
+        <a:xfrm>
+          <a:off x="0" y="0"/>
+          <a:ext cx="0" cy="0"/>
+          <a:chOff x="0" y="0"/>
+          <a:chExt cx="0" cy="0"/>
+        </a:xfrm>
+      </p:grpSpPr>
+      <p:sp>
+        <p:nvSpPr>
+          <p:cNvPr id="2" name="標題 1"/>
+          <p:cNvSpPr>
+            <a:spLocks noGrp="1"/>
+          </p:cNvSpPr>
+          <p:nvPr>
+            <p:ph type="ctrTitle"/>
+          </p:nvPr>
+        </p:nvSpPr>
+        <p:spPr>
+          <a:xfrm>
+            <a:off x="0" y="1"/>
+            <a:ext cx="9144000" cy="764704"/>
+          </a:xfrm>
+          <a:gradFill flip="none" rotWithShape="1">
+            <a:gsLst>
+              <a:gs pos="0">
+                <a:srgbClr val="C00000">
+                  <a:shade val="30000"/>
+                  <a:satMod val="115000"/>
+                </a:srgbClr>
+              </a:gs>
+              <a:gs pos="50000">
+                <a:srgbClr val="C00000">
+                  <a:shade val="67500"/>
+                  <a:satMod val="115000"/>
+                </a:srgbClr>
+              </a:gs>
+              <a:gs pos="100000">
+                <a:srgbClr val="C00000">
+                  <a:shade val="100000"/>
+                  <a:satMod val="115000"/>
+                </a:srgbClr>
+              </a:gs>
+            </a:gsLst>
+            <a:path path="circle">
+              <a:fillToRect t="100000" r="100000"/>
+            </a:path>
+            <a:tileRect l="-100000" b="-100000"/>
+          </a:gradFill>
+        </p:spPr>
+        <p:txBody>
+          <a:bodyPr>
+            <a:normAutofit/>
+          </a:bodyPr>
+          <a:lstStyle/>
+          <a:p>
+            <a:pPr algn="l"/>
+            <a:r>
+              <a:rPr lang="en-US" altLang="zh-TW" sz="4400" b="1" dirty="0">
+                <a:solidFill>
+                  <a:srgbClr val="FFFF00"/>
+                </a:solidFill>
+              </a:rPr>
+              <a:t>7.4 Mutation Type</a:t>
+            </a:r>
+            <a:endParaRPr lang="zh-TW" altLang="en-US" b="1" dirty="0">
+              <a:solidFill>
+                <a:srgbClr val="FFFF00"/>
+              </a:solidFill>
+            </a:endParaRPr>
+          </a:p>
+        </p:txBody>
+      </p:sp>
+      <p:sp>
+        <p:nvSpPr>
+          <p:cNvPr id="3" name="副標題 2"/>
+          <p:cNvSpPr>
+            <a:spLocks noGrp="1"/>
+          </p:cNvSpPr>
+          <p:nvPr>
+            <p:ph type="subTitle" idx="1"/>
+          </p:nvPr>
+        </p:nvSpPr>
+        <p:spPr>
+          <a:xfrm>
+            <a:off x="467544" y="1340768"/>
+            <a:ext cx="8352928" cy="2664296"/>
+          </a:xfrm>
+          <a:ln>
+            <a:solidFill>
+              <a:srgbClr val="C00000"/>
+            </a:solidFill>
+          </a:ln>
+        </p:spPr>
+        <p:txBody>
+          <a:bodyPr>
+            <a:noAutofit/>
+          </a:bodyPr>
+          <a:lstStyle/>
+          <a:p>
+            <a:pPr marL="342900" indent="-342900" algn="l">
+              <a:buClr>
+                <a:srgbClr val="0070C0"/>
+              </a:buClr>
+              <a:buSzPct val="80000"/>
+              <a:buFont typeface="Wingdings" pitchFamily="2" charset="2"/>
+              <a:buChar char="u"/>
+            </a:pPr>
+            <a:r>
+              <a:rPr lang="en-US" altLang="zh-TW" sz="1800" b="1" dirty="0">
+                <a:solidFill>
+                  <a:schemeClr val="tx1"/>
+                </a:solidFill>
+              </a:rPr>
+              <a:t>Mutation Type</a:t>
+            </a:r>
+          </a:p>
+          <a:p>
+            <a:pPr marL="342900" indent="-342900" algn="l">
+              <a:buClr>
+                <a:srgbClr val="0070C0"/>
+              </a:buClr>
+              <a:buSzPct val="80000"/>
+              <a:buFont typeface="Wingdings" pitchFamily="2" charset="2"/>
+              <a:buChar char="u"/>
+            </a:pPr>
+            <a:r>
+              <a:rPr lang="en-US" sz="1800" b="1" i="0" dirty="0">
+                <a:solidFill>
+                  <a:srgbClr val="000000"/>
+                </a:solidFill>
+                <a:effectLst/>
+              </a:rPr>
+              <a:t>Mutations are operations sent to the server to create, update or delete data.</a:t>
+            </a:r>
+          </a:p>
+          <a:p>
+            <a:pPr marL="342900" indent="-342900" algn="l">
+              <a:buClr>
+                <a:srgbClr val="0070C0"/>
+              </a:buClr>
+              <a:buSzPct val="80000"/>
+              <a:buFont typeface="Wingdings" pitchFamily="2" charset="2"/>
+              <a:buChar char="u"/>
+            </a:pPr>
+            <a:r>
+              <a:rPr lang="en-US" sz="1800" b="1" i="0" dirty="0">
+                <a:solidFill>
+                  <a:srgbClr val="000000"/>
+                </a:solidFill>
+                <a:effectLst/>
+              </a:rPr>
+              <a:t>These are analogous to the PUT, POST, PATCH and DELETE verbs to call REST-based APIs.</a:t>
+            </a:r>
+          </a:p>
+          <a:p>
+            <a:pPr marL="342900" indent="-342900" algn="l">
+              <a:buClr>
+                <a:srgbClr val="0070C0"/>
+              </a:buClr>
+              <a:buSzPct val="80000"/>
+              <a:buFont typeface="Wingdings" pitchFamily="2" charset="2"/>
+              <a:buChar char="u"/>
+            </a:pPr>
+            <a:r>
+              <a:rPr lang="en-US" sz="1800" b="1" i="0" dirty="0">
+                <a:solidFill>
+                  <a:srgbClr val="000000"/>
+                </a:solidFill>
+                <a:effectLst/>
+              </a:rPr>
+              <a:t>Mutation is one of the root-level data-types in GraphQL. </a:t>
+            </a:r>
+          </a:p>
+          <a:p>
+            <a:pPr marL="342900" indent="-342900" algn="l">
+              <a:buClr>
+                <a:srgbClr val="0070C0"/>
+              </a:buClr>
+              <a:buSzPct val="80000"/>
+              <a:buFont typeface="Wingdings" pitchFamily="2" charset="2"/>
+              <a:buChar char="u"/>
+            </a:pPr>
+            <a:r>
+              <a:rPr lang="en-US" sz="1800" b="1" i="0" dirty="0">
+                <a:solidFill>
+                  <a:srgbClr val="000000"/>
+                </a:solidFill>
+                <a:effectLst/>
+              </a:rPr>
+              <a:t>The Query type defines the entry-points for data-fetching operations whereas the Mutation type specifies the entry points for data-manipulation operations.</a:t>
+            </a:r>
+          </a:p>
+          <a:p>
+            <a:pPr marL="342900" indent="-342900" algn="l">
+              <a:buClr>
+                <a:srgbClr val="0070C0"/>
+              </a:buClr>
+              <a:buSzPct val="80000"/>
+              <a:buFont typeface="Wingdings" pitchFamily="2" charset="2"/>
+              <a:buChar char="u"/>
+            </a:pPr>
+            <a:r>
+              <a:rPr lang="en-US" sz="1800" b="1" i="0" dirty="0">
+                <a:solidFill>
+                  <a:srgbClr val="000000"/>
+                </a:solidFill>
+                <a:effectLst/>
+              </a:rPr>
+              <a:t>The syntax for defining a Mutation type is given below </a:t>
+            </a:r>
+          </a:p>
+        </p:txBody>
+      </p:sp>
+      <p:sp>
+        <p:nvSpPr>
+          <p:cNvPr id="4" name="標題 1"/>
+          <p:cNvSpPr txBox="1">
+            <a:spLocks/>
+          </p:cNvSpPr>
+          <p:nvPr/>
+        </p:nvSpPr>
+        <p:spPr>
+          <a:xfrm>
+            <a:off x="0" y="764704"/>
+            <a:ext cx="9144000" cy="398616"/>
+          </a:xfrm>
+          <a:prstGeom prst="rect">
+            <a:avLst/>
+          </a:prstGeom>
+          <a:gradFill flip="none" rotWithShape="1">
+            <a:gsLst>
+              <a:gs pos="0">
+                <a:srgbClr val="00B0F0">
+                  <a:shade val="30000"/>
+                  <a:satMod val="115000"/>
+                </a:srgbClr>
+              </a:gs>
+              <a:gs pos="50000">
+                <a:srgbClr val="00B0F0">
+                  <a:shade val="67500"/>
+                  <a:satMod val="115000"/>
+                </a:srgbClr>
+              </a:gs>
+              <a:gs pos="100000">
+                <a:srgbClr val="00B0F0">
+                  <a:shade val="100000"/>
+                  <a:satMod val="115000"/>
+                </a:srgbClr>
+              </a:gs>
+            </a:gsLst>
+            <a:path path="circle">
+              <a:fillToRect t="100000" r="100000"/>
+            </a:path>
+            <a:tileRect l="-100000" b="-100000"/>
+          </a:gradFill>
+        </p:spPr>
+        <p:txBody>
+          <a:bodyPr vert="horz" lIns="91440" tIns="45720" rIns="91440" bIns="45720" rtlCol="0" anchor="ctr">
+            <a:normAutofit/>
+          </a:bodyPr>
+          <a:lstStyle/>
+          <a:p>
+            <a:r>
+              <a:rPr lang="en-US" sz="1600" dirty="0">
+                <a:hlinkClick r:id="rId2"/>
+              </a:rPr>
+              <a:t>https://www.tutorialspoint.com/graphql/graphql_type_system.htm</a:t>
+            </a:r>
+            <a:endParaRPr lang="en-US" altLang="zh-TW" sz="1600" b="1" i="1" dirty="0"/>
+          </a:p>
+        </p:txBody>
+      </p:sp>
+      <p:sp>
+        <p:nvSpPr>
+          <p:cNvPr id="5" name="日期版面配置區 4"/>
+          <p:cNvSpPr>
+            <a:spLocks noGrp="1"/>
+          </p:cNvSpPr>
+          <p:nvPr>
+            <p:ph type="dt" sz="half" idx="10"/>
+          </p:nvPr>
+        </p:nvSpPr>
+        <p:spPr>
+          <a:xfrm>
+            <a:off x="457200" y="6356350"/>
+            <a:ext cx="2133600" cy="404246"/>
+          </a:xfrm>
+        </p:spPr>
+        <p:txBody>
+          <a:bodyPr/>
+          <a:lstStyle/>
+          <a:p>
+            <a:fld id="{A4F910E6-8D00-4BAF-8C48-9688E0B449D3}" type="datetime1">
+              <a:rPr lang="zh-TW" altLang="en-US" smtClean="0"/>
+              <a:pPr/>
+              <a:t>2020/10/6</a:t>
+            </a:fld>
+            <a:endParaRPr lang="zh-TW" altLang="en-US"/>
+          </a:p>
+        </p:txBody>
+      </p:sp>
+      <p:sp>
+        <p:nvSpPr>
+          <p:cNvPr id="6" name="投影片編號版面配置區 5"/>
+          <p:cNvSpPr>
+            <a:spLocks noGrp="1"/>
+          </p:cNvSpPr>
+          <p:nvPr>
+            <p:ph type="sldNum" sz="quarter" idx="12"/>
+          </p:nvPr>
+        </p:nvSpPr>
+        <p:spPr>
+          <a:xfrm>
+            <a:off x="6553200" y="6356350"/>
+            <a:ext cx="2133600" cy="404246"/>
+          </a:xfrm>
+        </p:spPr>
+        <p:txBody>
+          <a:bodyPr/>
+          <a:lstStyle/>
+          <a:p>
+            <a:fld id="{E4D7E63D-91F2-4366-A2C4-1B00C9E2590E}" type="slidenum">
+              <a:rPr lang="zh-TW" altLang="en-US" smtClean="0"/>
+              <a:pPr/>
+              <a:t>13</a:t>
+            </a:fld>
+            <a:endParaRPr lang="zh-TW" altLang="en-US"/>
+          </a:p>
+        </p:txBody>
+      </p:sp>
+      <p:pic>
+        <p:nvPicPr>
+          <p:cNvPr id="8" name="Picture 7">
+            <a:extLst>
+              <a:ext uri="{FF2B5EF4-FFF2-40B4-BE49-F238E27FC236}">
+                <a16:creationId xmlns:a16="http://schemas.microsoft.com/office/drawing/2014/main" id="{60B307DF-D01F-4597-9A5C-350BE017C50B}"/>
+              </a:ext>
+            </a:extLst>
+          </p:cNvPr>
+          <p:cNvPicPr>
+            <a:picLocks noChangeAspect="1"/>
+          </p:cNvPicPr>
+          <p:nvPr/>
+        </p:nvPicPr>
+        <p:blipFill>
+          <a:blip r:embed="rId3"/>
+          <a:stretch>
+            <a:fillRect/>
+          </a:stretch>
+        </p:blipFill>
+        <p:spPr>
+          <a:xfrm>
+            <a:off x="1259632" y="4184455"/>
+            <a:ext cx="5953125" cy="857250"/>
+          </a:xfrm>
+          <a:prstGeom prst="rect">
+            <a:avLst/>
+          </a:prstGeom>
+          <a:ln>
+            <a:solidFill>
+              <a:srgbClr val="C00000"/>
+            </a:solidFill>
+          </a:ln>
+        </p:spPr>
+      </p:pic>
+    </p:spTree>
+    <p:extLst>
+      <p:ext uri="{BB962C8B-B14F-4D97-AF65-F5344CB8AC3E}">
+        <p14:creationId xmlns:p14="http://schemas.microsoft.com/office/powerpoint/2010/main" val="3439602769"/>
+      </p:ext>
+    </p:extLst>
+  </p:cSld>
+  <p:clrMapOvr>
+    <a:masterClrMapping/>
+  </p:clrMapOvr>
+</p:sld>
+</file>
+
+<file path=ppt/slides/slide14.xml><?xml version="1.0" encoding="utf-8"?>
+<p:sld xmlns:a="http://schemas.openxmlformats.org/drawingml/2006/main" xmlns:r="http://schemas.openxmlformats.org/officeDocument/2006/relationships" xmlns:p="http://schemas.openxmlformats.org/presentationml/2006/main">
+  <p:cSld>
+    <p:spTree>
+      <p:nvGrpSpPr>
+        <p:cNvPr id="1" name=""/>
+        <p:cNvGrpSpPr/>
+        <p:nvPr/>
+      </p:nvGrpSpPr>
+      <p:grpSpPr>
+        <a:xfrm>
+          <a:off x="0" y="0"/>
+          <a:ext cx="0" cy="0"/>
+          <a:chOff x="0" y="0"/>
+          <a:chExt cx="0" cy="0"/>
+        </a:xfrm>
+      </p:grpSpPr>
+      <p:sp>
+        <p:nvSpPr>
+          <p:cNvPr id="2" name="標題 1"/>
+          <p:cNvSpPr>
+            <a:spLocks noGrp="1"/>
+          </p:cNvSpPr>
+          <p:nvPr>
+            <p:ph type="ctrTitle"/>
+          </p:nvPr>
+        </p:nvSpPr>
+        <p:spPr>
+          <a:xfrm>
+            <a:off x="0" y="2130425"/>
+            <a:ext cx="9144000" cy="1470025"/>
+          </a:xfrm>
+          <a:solidFill>
+            <a:srgbClr val="00B0F0"/>
+          </a:solidFill>
+        </p:spPr>
+        <p:txBody>
+          <a:bodyPr>
+            <a:normAutofit/>
+          </a:bodyPr>
+          <a:lstStyle/>
+          <a:p>
+            <a:r>
+              <a:rPr lang="en-US" altLang="zh-TW" sz="4800" b="1" dirty="0">
+                <a:solidFill>
+                  <a:srgbClr val="FFFF00"/>
+                </a:solidFill>
+              </a:rPr>
+              <a:t>7.5 Enum Type</a:t>
+            </a:r>
+            <a:endParaRPr lang="zh-TW" altLang="en-US" sz="4800" b="1" dirty="0">
+              <a:solidFill>
+                <a:srgbClr val="FFFF00"/>
+              </a:solidFill>
+            </a:endParaRPr>
+          </a:p>
+        </p:txBody>
+      </p:sp>
+      <p:sp>
+        <p:nvSpPr>
+          <p:cNvPr id="5" name="日期版面配置區 4"/>
+          <p:cNvSpPr>
+            <a:spLocks noGrp="1"/>
+          </p:cNvSpPr>
+          <p:nvPr>
+            <p:ph type="dt" sz="half" idx="10"/>
+          </p:nvPr>
+        </p:nvSpPr>
+        <p:spPr/>
+        <p:txBody>
+          <a:bodyPr/>
+          <a:lstStyle/>
+          <a:p>
+            <a:fld id="{C389EDC9-19E3-47AC-9C57-C6A24DEA81AD}" type="datetime1">
+              <a:rPr lang="zh-TW" altLang="en-US" smtClean="0"/>
+              <a:pPr/>
+              <a:t>2020/10/6</a:t>
+            </a:fld>
+            <a:endParaRPr lang="zh-TW" altLang="en-US"/>
+          </a:p>
+        </p:txBody>
+      </p:sp>
+      <p:sp>
+        <p:nvSpPr>
+          <p:cNvPr id="6" name="投影片編號版面配置區 5"/>
+          <p:cNvSpPr>
+            <a:spLocks noGrp="1"/>
+          </p:cNvSpPr>
+          <p:nvPr>
+            <p:ph type="sldNum" sz="quarter" idx="12"/>
+          </p:nvPr>
+        </p:nvSpPr>
+        <p:spPr/>
+        <p:txBody>
+          <a:bodyPr/>
+          <a:lstStyle/>
+          <a:p>
+            <a:fld id="{E4D7E63D-91F2-4366-A2C4-1B00C9E2590E}" type="slidenum">
+              <a:rPr lang="zh-TW" altLang="en-US" smtClean="0"/>
+              <a:pPr/>
+              <a:t>14</a:t>
+            </a:fld>
+            <a:endParaRPr lang="zh-TW" altLang="en-US"/>
+          </a:p>
+        </p:txBody>
+      </p:sp>
+      <p:pic>
+        <p:nvPicPr>
+          <p:cNvPr id="4" name="Picture 3">
+            <a:extLst>
+              <a:ext uri="{FF2B5EF4-FFF2-40B4-BE49-F238E27FC236}">
+                <a16:creationId xmlns:a16="http://schemas.microsoft.com/office/drawing/2014/main" id="{1DAA86DC-1C5B-4F2C-B64A-CA9753905B48}"/>
+              </a:ext>
+            </a:extLst>
+          </p:cNvPr>
+          <p:cNvPicPr>
+            <a:picLocks noChangeAspect="1"/>
+          </p:cNvPicPr>
+          <p:nvPr/>
+        </p:nvPicPr>
+        <p:blipFill>
+          <a:blip r:embed="rId2"/>
+          <a:stretch>
+            <a:fillRect/>
+          </a:stretch>
+        </p:blipFill>
+        <p:spPr>
+          <a:xfrm>
+            <a:off x="4211961" y="3766415"/>
+            <a:ext cx="648072" cy="718771"/>
+          </a:xfrm>
+          <a:prstGeom prst="rect">
+            <a:avLst/>
+          </a:prstGeom>
+        </p:spPr>
+      </p:pic>
+    </p:spTree>
+    <p:extLst>
+      <p:ext uri="{BB962C8B-B14F-4D97-AF65-F5344CB8AC3E}">
+        <p14:creationId xmlns:p14="http://schemas.microsoft.com/office/powerpoint/2010/main" val="4018887947"/>
+      </p:ext>
+    </p:extLst>
+  </p:cSld>
+  <p:clrMapOvr>
+    <a:masterClrMapping/>
+  </p:clrMapOvr>
+</p:sld>
+</file>
+
+<file path=ppt/slides/slide15.xml><?xml version="1.0" encoding="utf-8"?>
+<p:sld xmlns:a="http://schemas.openxmlformats.org/drawingml/2006/main" xmlns:r="http://schemas.openxmlformats.org/officeDocument/2006/relationships" xmlns:p="http://schemas.openxmlformats.org/presentationml/2006/main">
+  <p:cSld>
+    <p:spTree>
+      <p:nvGrpSpPr>
+        <p:cNvPr id="1" name=""/>
+        <p:cNvGrpSpPr/>
+        <p:nvPr/>
+      </p:nvGrpSpPr>
+      <p:grpSpPr>
+        <a:xfrm>
+          <a:off x="0" y="0"/>
+          <a:ext cx="0" cy="0"/>
+          <a:chOff x="0" y="0"/>
+          <a:chExt cx="0" cy="0"/>
+        </a:xfrm>
+      </p:grpSpPr>
+      <p:sp>
+        <p:nvSpPr>
+          <p:cNvPr id="2" name="標題 1"/>
+          <p:cNvSpPr>
+            <a:spLocks noGrp="1"/>
+          </p:cNvSpPr>
+          <p:nvPr>
+            <p:ph type="ctrTitle"/>
+          </p:nvPr>
+        </p:nvSpPr>
+        <p:spPr>
+          <a:xfrm>
+            <a:off x="0" y="1"/>
+            <a:ext cx="9144000" cy="764704"/>
+          </a:xfrm>
+          <a:gradFill flip="none" rotWithShape="1">
+            <a:gsLst>
+              <a:gs pos="0">
+                <a:srgbClr val="C00000">
+                  <a:shade val="30000"/>
+                  <a:satMod val="115000"/>
+                </a:srgbClr>
+              </a:gs>
+              <a:gs pos="50000">
+                <a:srgbClr val="C00000">
+                  <a:shade val="67500"/>
+                  <a:satMod val="115000"/>
+                </a:srgbClr>
+              </a:gs>
+              <a:gs pos="100000">
+                <a:srgbClr val="C00000">
+                  <a:shade val="100000"/>
+                  <a:satMod val="115000"/>
+                </a:srgbClr>
+              </a:gs>
+            </a:gsLst>
+            <a:path path="circle">
+              <a:fillToRect t="100000" r="100000"/>
+            </a:path>
+            <a:tileRect l="-100000" b="-100000"/>
+          </a:gradFill>
+        </p:spPr>
+        <p:txBody>
+          <a:bodyPr>
+            <a:normAutofit/>
+          </a:bodyPr>
+          <a:lstStyle/>
+          <a:p>
+            <a:pPr algn="l"/>
+            <a:r>
+              <a:rPr lang="en-US" altLang="zh-TW" sz="4400" b="1" dirty="0">
+                <a:solidFill>
+                  <a:srgbClr val="FFFF00"/>
+                </a:solidFill>
+              </a:rPr>
+              <a:t>7.5 Enum Type</a:t>
+            </a:r>
+            <a:endParaRPr lang="zh-TW" altLang="en-US" b="1" dirty="0">
+              <a:solidFill>
+                <a:srgbClr val="FFFF00"/>
+              </a:solidFill>
+            </a:endParaRPr>
+          </a:p>
+        </p:txBody>
+      </p:sp>
+      <p:sp>
+        <p:nvSpPr>
+          <p:cNvPr id="3" name="副標題 2"/>
+          <p:cNvSpPr>
+            <a:spLocks noGrp="1"/>
+          </p:cNvSpPr>
+          <p:nvPr>
+            <p:ph type="subTitle" idx="1"/>
+          </p:nvPr>
+        </p:nvSpPr>
+        <p:spPr>
+          <a:xfrm>
+            <a:off x="467544" y="1340768"/>
+            <a:ext cx="8352928" cy="720080"/>
+          </a:xfrm>
+          <a:ln>
+            <a:solidFill>
+              <a:srgbClr val="C00000"/>
+            </a:solidFill>
+          </a:ln>
+        </p:spPr>
+        <p:txBody>
+          <a:bodyPr>
+            <a:noAutofit/>
+          </a:bodyPr>
+          <a:lstStyle/>
+          <a:p>
+            <a:pPr marL="342900" indent="-342900" algn="l">
+              <a:buClr>
+                <a:srgbClr val="0070C0"/>
+              </a:buClr>
+              <a:buSzPct val="80000"/>
+              <a:buFont typeface="Wingdings" pitchFamily="2" charset="2"/>
+              <a:buChar char="u"/>
+            </a:pPr>
+            <a:r>
+              <a:rPr lang="en-US" altLang="zh-TW" sz="1800" b="1" dirty="0">
+                <a:solidFill>
+                  <a:schemeClr val="tx1"/>
+                </a:solidFill>
+              </a:rPr>
+              <a:t>Enum Type</a:t>
+            </a:r>
+          </a:p>
+          <a:p>
+            <a:pPr marL="342900" indent="-342900" algn="l">
+              <a:buClr>
+                <a:srgbClr val="0070C0"/>
+              </a:buClr>
+              <a:buSzPct val="80000"/>
+              <a:buFont typeface="Wingdings" pitchFamily="2" charset="2"/>
+              <a:buChar char="u"/>
+            </a:pPr>
+            <a:r>
+              <a:rPr lang="en-US" sz="1800" b="1" i="0" dirty="0">
+                <a:solidFill>
+                  <a:schemeClr val="tx1"/>
+                </a:solidFill>
+                <a:effectLst/>
+              </a:rPr>
+              <a:t>Following snippet illustrates how an enum type can be defined:</a:t>
+            </a:r>
+          </a:p>
+        </p:txBody>
+      </p:sp>
+      <p:sp>
+        <p:nvSpPr>
+          <p:cNvPr id="4" name="標題 1"/>
+          <p:cNvSpPr txBox="1">
+            <a:spLocks/>
+          </p:cNvSpPr>
+          <p:nvPr/>
+        </p:nvSpPr>
+        <p:spPr>
+          <a:xfrm>
+            <a:off x="0" y="764704"/>
+            <a:ext cx="9144000" cy="398616"/>
+          </a:xfrm>
+          <a:prstGeom prst="rect">
+            <a:avLst/>
+          </a:prstGeom>
+          <a:gradFill flip="none" rotWithShape="1">
+            <a:gsLst>
+              <a:gs pos="0">
+                <a:srgbClr val="00B0F0">
+                  <a:shade val="30000"/>
+                  <a:satMod val="115000"/>
+                </a:srgbClr>
+              </a:gs>
+              <a:gs pos="50000">
+                <a:srgbClr val="00B0F0">
+                  <a:shade val="67500"/>
+                  <a:satMod val="115000"/>
+                </a:srgbClr>
+              </a:gs>
+              <a:gs pos="100000">
+                <a:srgbClr val="00B0F0">
+                  <a:shade val="100000"/>
+                  <a:satMod val="115000"/>
+                </a:srgbClr>
+              </a:gs>
+            </a:gsLst>
+            <a:path path="circle">
+              <a:fillToRect t="100000" r="100000"/>
+            </a:path>
+            <a:tileRect l="-100000" b="-100000"/>
+          </a:gradFill>
+        </p:spPr>
+        <p:txBody>
+          <a:bodyPr vert="horz" lIns="91440" tIns="45720" rIns="91440" bIns="45720" rtlCol="0" anchor="ctr">
+            <a:normAutofit/>
+          </a:bodyPr>
+          <a:lstStyle/>
+          <a:p>
+            <a:r>
+              <a:rPr lang="en-US" sz="1600" dirty="0">
+                <a:hlinkClick r:id="rId2"/>
+              </a:rPr>
+              <a:t>https://www.tutorialspoint.com/graphql/graphql_type_system.htm</a:t>
+            </a:r>
+            <a:endParaRPr lang="en-US" altLang="zh-TW" sz="1600" b="1" i="1" dirty="0"/>
+          </a:p>
+        </p:txBody>
+      </p:sp>
+      <p:sp>
+        <p:nvSpPr>
+          <p:cNvPr id="5" name="日期版面配置區 4"/>
+          <p:cNvSpPr>
+            <a:spLocks noGrp="1"/>
+          </p:cNvSpPr>
+          <p:nvPr>
+            <p:ph type="dt" sz="half" idx="10"/>
+          </p:nvPr>
+        </p:nvSpPr>
+        <p:spPr>
+          <a:xfrm>
+            <a:off x="457200" y="6356350"/>
+            <a:ext cx="2133600" cy="404246"/>
+          </a:xfrm>
+        </p:spPr>
+        <p:txBody>
+          <a:bodyPr/>
+          <a:lstStyle/>
+          <a:p>
+            <a:fld id="{A4F910E6-8D00-4BAF-8C48-9688E0B449D3}" type="datetime1">
+              <a:rPr lang="zh-TW" altLang="en-US" smtClean="0"/>
+              <a:pPr/>
+              <a:t>2020/10/6</a:t>
+            </a:fld>
+            <a:endParaRPr lang="zh-TW" altLang="en-US"/>
+          </a:p>
+        </p:txBody>
+      </p:sp>
+      <p:sp>
+        <p:nvSpPr>
+          <p:cNvPr id="6" name="投影片編號版面配置區 5"/>
+          <p:cNvSpPr>
+            <a:spLocks noGrp="1"/>
+          </p:cNvSpPr>
+          <p:nvPr>
+            <p:ph type="sldNum" sz="quarter" idx="12"/>
+          </p:nvPr>
+        </p:nvSpPr>
+        <p:spPr>
+          <a:xfrm>
+            <a:off x="6553200" y="6356350"/>
+            <a:ext cx="2133600" cy="404246"/>
+          </a:xfrm>
+        </p:spPr>
+        <p:txBody>
+          <a:bodyPr/>
+          <a:lstStyle/>
+          <a:p>
+            <a:fld id="{E4D7E63D-91F2-4366-A2C4-1B00C9E2590E}" type="slidenum">
+              <a:rPr lang="zh-TW" altLang="en-US" smtClean="0"/>
+              <a:pPr/>
+              <a:t>15</a:t>
+            </a:fld>
+            <a:endParaRPr lang="zh-TW" altLang="en-US"/>
+          </a:p>
+        </p:txBody>
+      </p:sp>
+      <p:pic>
+        <p:nvPicPr>
+          <p:cNvPr id="9" name="Picture 8">
+            <a:extLst>
+              <a:ext uri="{FF2B5EF4-FFF2-40B4-BE49-F238E27FC236}">
+                <a16:creationId xmlns:a16="http://schemas.microsoft.com/office/drawing/2014/main" id="{7C5CE9A4-6DDE-4D8A-8F8D-4ADEB8F04B54}"/>
+              </a:ext>
+            </a:extLst>
+          </p:cNvPr>
+          <p:cNvPicPr>
+            <a:picLocks noChangeAspect="1"/>
+          </p:cNvPicPr>
+          <p:nvPr/>
+        </p:nvPicPr>
+        <p:blipFill>
+          <a:blip r:embed="rId3"/>
+          <a:stretch>
+            <a:fillRect/>
+          </a:stretch>
+        </p:blipFill>
+        <p:spPr>
+          <a:xfrm>
+            <a:off x="3057525" y="2204016"/>
+            <a:ext cx="1514475" cy="1790700"/>
+          </a:xfrm>
+          <a:prstGeom prst="rect">
+            <a:avLst/>
+          </a:prstGeom>
+          <a:ln>
+            <a:solidFill>
+              <a:srgbClr val="C00000"/>
+            </a:solidFill>
+          </a:ln>
+        </p:spPr>
+      </p:pic>
+    </p:spTree>
+    <p:extLst>
+      <p:ext uri="{BB962C8B-B14F-4D97-AF65-F5344CB8AC3E}">
+        <p14:creationId xmlns:p14="http://schemas.microsoft.com/office/powerpoint/2010/main" val="2051712750"/>
+      </p:ext>
+    </p:extLst>
+  </p:cSld>
+  <p:clrMapOvr>
+    <a:masterClrMapping/>
+  </p:clrMapOvr>
+</p:sld>
+</file>
+
+<file path=ppt/slides/slide16.xml><?xml version="1.0" encoding="utf-8"?>
+<p:sld xmlns:a="http://schemas.openxmlformats.org/drawingml/2006/main" xmlns:r="http://schemas.openxmlformats.org/officeDocument/2006/relationships" xmlns:p="http://schemas.openxmlformats.org/presentationml/2006/main">
+  <p:cSld>
+    <p:spTree>
+      <p:nvGrpSpPr>
+        <p:cNvPr id="1" name=""/>
+        <p:cNvGrpSpPr/>
+        <p:nvPr/>
+      </p:nvGrpSpPr>
+      <p:grpSpPr>
+        <a:xfrm>
+          <a:off x="0" y="0"/>
+          <a:ext cx="0" cy="0"/>
+          <a:chOff x="0" y="0"/>
+          <a:chExt cx="0" cy="0"/>
+        </a:xfrm>
+      </p:grpSpPr>
+      <p:sp>
+        <p:nvSpPr>
+          <p:cNvPr id="2" name="標題 1"/>
+          <p:cNvSpPr>
+            <a:spLocks noGrp="1"/>
+          </p:cNvSpPr>
+          <p:nvPr>
+            <p:ph type="ctrTitle"/>
+          </p:nvPr>
+        </p:nvSpPr>
+        <p:spPr>
+          <a:xfrm>
+            <a:off x="0" y="1"/>
+            <a:ext cx="9144000" cy="764704"/>
+          </a:xfrm>
+          <a:gradFill flip="none" rotWithShape="1">
+            <a:gsLst>
+              <a:gs pos="0">
+                <a:srgbClr val="C00000">
+                  <a:shade val="30000"/>
+                  <a:satMod val="115000"/>
+                </a:srgbClr>
+              </a:gs>
+              <a:gs pos="50000">
+                <a:srgbClr val="C00000">
+                  <a:shade val="67500"/>
+                  <a:satMod val="115000"/>
+                </a:srgbClr>
+              </a:gs>
+              <a:gs pos="100000">
+                <a:srgbClr val="C00000">
+                  <a:shade val="100000"/>
+                  <a:satMod val="115000"/>
+                </a:srgbClr>
+              </a:gs>
+            </a:gsLst>
+            <a:path path="circle">
+              <a:fillToRect t="100000" r="100000"/>
+            </a:path>
+            <a:tileRect l="-100000" b="-100000"/>
+          </a:gradFill>
+        </p:spPr>
+        <p:txBody>
+          <a:bodyPr>
+            <a:normAutofit/>
+          </a:bodyPr>
+          <a:lstStyle/>
+          <a:p>
+            <a:pPr algn="l"/>
+            <a:r>
+              <a:rPr lang="en-US" altLang="zh-TW" sz="4400" b="1" dirty="0">
+                <a:solidFill>
+                  <a:srgbClr val="FFFF00"/>
+                </a:solidFill>
+              </a:rPr>
+              <a:t>7.5 Enum Type</a:t>
+            </a:r>
+            <a:endParaRPr lang="zh-TW" altLang="en-US" b="1" dirty="0">
+              <a:solidFill>
+                <a:srgbClr val="FFFF00"/>
+              </a:solidFill>
+            </a:endParaRPr>
+          </a:p>
+        </p:txBody>
+      </p:sp>
+      <p:sp>
+        <p:nvSpPr>
+          <p:cNvPr id="3" name="副標題 2"/>
+          <p:cNvSpPr>
+            <a:spLocks noGrp="1"/>
+          </p:cNvSpPr>
+          <p:nvPr>
+            <p:ph type="subTitle" idx="1"/>
+          </p:nvPr>
+        </p:nvSpPr>
+        <p:spPr>
+          <a:xfrm>
+            <a:off x="467544" y="1340768"/>
+            <a:ext cx="8352928" cy="1728192"/>
+          </a:xfrm>
+          <a:ln>
+            <a:solidFill>
+              <a:srgbClr val="C00000"/>
+            </a:solidFill>
+          </a:ln>
+        </p:spPr>
+        <p:txBody>
+          <a:bodyPr>
+            <a:noAutofit/>
+          </a:bodyPr>
+          <a:lstStyle/>
+          <a:p>
+            <a:pPr marL="342900" indent="-342900" algn="l">
+              <a:buClr>
+                <a:srgbClr val="0070C0"/>
+              </a:buClr>
+              <a:buSzPct val="80000"/>
+              <a:buFont typeface="Wingdings" pitchFamily="2" charset="2"/>
+              <a:buChar char="u"/>
+            </a:pPr>
+            <a:r>
+              <a:rPr lang="en-US" altLang="zh-TW" sz="1800" b="1" dirty="0">
+                <a:solidFill>
+                  <a:schemeClr val="tx1"/>
+                </a:solidFill>
+              </a:rPr>
+              <a:t>Enum Type</a:t>
+            </a:r>
+          </a:p>
+          <a:p>
+            <a:pPr marL="342900" indent="-342900" algn="l">
+              <a:buClr>
+                <a:srgbClr val="0070C0"/>
+              </a:buClr>
+              <a:buSzPct val="80000"/>
+              <a:buFont typeface="Wingdings" pitchFamily="2" charset="2"/>
+              <a:buChar char="u"/>
+            </a:pPr>
+            <a:r>
+              <a:rPr lang="en-US" sz="1800" b="1" i="0" dirty="0">
+                <a:solidFill>
+                  <a:srgbClr val="000000"/>
+                </a:solidFill>
+                <a:effectLst/>
+              </a:rPr>
+              <a:t>An Enum is similar to a scalar type. </a:t>
+            </a:r>
+          </a:p>
+          <a:p>
+            <a:pPr marL="342900" indent="-342900" algn="l">
+              <a:buClr>
+                <a:srgbClr val="0070C0"/>
+              </a:buClr>
+              <a:buSzPct val="80000"/>
+              <a:buFont typeface="Wingdings" pitchFamily="2" charset="2"/>
+              <a:buChar char="u"/>
+            </a:pPr>
+            <a:r>
+              <a:rPr lang="en-US" sz="1800" b="1" i="0" dirty="0">
+                <a:solidFill>
+                  <a:srgbClr val="000000"/>
+                </a:solidFill>
+                <a:effectLst/>
+              </a:rPr>
+              <a:t>Enums are useful in a situation where the value for a field must be from a prescribed list of options.</a:t>
+            </a:r>
+          </a:p>
+          <a:p>
+            <a:pPr marL="342900" indent="-342900" algn="l">
+              <a:buClr>
+                <a:srgbClr val="0070C0"/>
+              </a:buClr>
+              <a:buSzPct val="80000"/>
+              <a:buFont typeface="Wingdings" pitchFamily="2" charset="2"/>
+              <a:buChar char="u"/>
+            </a:pPr>
+            <a:r>
+              <a:rPr lang="en-US" sz="1800" b="1" i="0" dirty="0">
+                <a:solidFill>
+                  <a:srgbClr val="000000"/>
+                </a:solidFill>
+                <a:effectLst/>
+              </a:rPr>
+              <a:t>The syntax for defining an Enum type is:</a:t>
+            </a:r>
+          </a:p>
+        </p:txBody>
+      </p:sp>
+      <p:sp>
+        <p:nvSpPr>
+          <p:cNvPr id="4" name="標題 1"/>
+          <p:cNvSpPr txBox="1">
+            <a:spLocks/>
+          </p:cNvSpPr>
+          <p:nvPr/>
+        </p:nvSpPr>
+        <p:spPr>
+          <a:xfrm>
+            <a:off x="0" y="764704"/>
+            <a:ext cx="9144000" cy="398616"/>
+          </a:xfrm>
+          <a:prstGeom prst="rect">
+            <a:avLst/>
+          </a:prstGeom>
+          <a:gradFill flip="none" rotWithShape="1">
+            <a:gsLst>
+              <a:gs pos="0">
+                <a:srgbClr val="00B0F0">
+                  <a:shade val="30000"/>
+                  <a:satMod val="115000"/>
+                </a:srgbClr>
+              </a:gs>
+              <a:gs pos="50000">
+                <a:srgbClr val="00B0F0">
+                  <a:shade val="67500"/>
+                  <a:satMod val="115000"/>
+                </a:srgbClr>
+              </a:gs>
+              <a:gs pos="100000">
+                <a:srgbClr val="00B0F0">
+                  <a:shade val="100000"/>
+                  <a:satMod val="115000"/>
+                </a:srgbClr>
+              </a:gs>
+            </a:gsLst>
+            <a:path path="circle">
+              <a:fillToRect t="100000" r="100000"/>
+            </a:path>
+            <a:tileRect l="-100000" b="-100000"/>
+          </a:gradFill>
+        </p:spPr>
+        <p:txBody>
+          <a:bodyPr vert="horz" lIns="91440" tIns="45720" rIns="91440" bIns="45720" rtlCol="0" anchor="ctr">
+            <a:normAutofit/>
+          </a:bodyPr>
+          <a:lstStyle/>
+          <a:p>
+            <a:r>
+              <a:rPr lang="en-US" sz="1600" dirty="0">
+                <a:hlinkClick r:id="rId2"/>
+              </a:rPr>
+              <a:t>https://www.tutorialspoint.com/graphql/graphql_type_system.htm</a:t>
+            </a:r>
+            <a:endParaRPr lang="en-US" altLang="zh-TW" sz="1600" b="1" i="1" dirty="0"/>
+          </a:p>
+        </p:txBody>
+      </p:sp>
+      <p:sp>
+        <p:nvSpPr>
+          <p:cNvPr id="5" name="日期版面配置區 4"/>
+          <p:cNvSpPr>
+            <a:spLocks noGrp="1"/>
+          </p:cNvSpPr>
+          <p:nvPr>
+            <p:ph type="dt" sz="half" idx="10"/>
+          </p:nvPr>
+        </p:nvSpPr>
+        <p:spPr>
+          <a:xfrm>
+            <a:off x="457200" y="6356350"/>
+            <a:ext cx="2133600" cy="404246"/>
+          </a:xfrm>
+        </p:spPr>
+        <p:txBody>
+          <a:bodyPr/>
+          <a:lstStyle/>
+          <a:p>
+            <a:fld id="{A4F910E6-8D00-4BAF-8C48-9688E0B449D3}" type="datetime1">
+              <a:rPr lang="zh-TW" altLang="en-US" smtClean="0"/>
+              <a:pPr/>
+              <a:t>2020/10/6</a:t>
+            </a:fld>
+            <a:endParaRPr lang="zh-TW" altLang="en-US"/>
+          </a:p>
+        </p:txBody>
+      </p:sp>
+      <p:sp>
+        <p:nvSpPr>
+          <p:cNvPr id="6" name="投影片編號版面配置區 5"/>
+          <p:cNvSpPr>
+            <a:spLocks noGrp="1"/>
+          </p:cNvSpPr>
+          <p:nvPr>
+            <p:ph type="sldNum" sz="quarter" idx="12"/>
+          </p:nvPr>
+        </p:nvSpPr>
+        <p:spPr>
+          <a:xfrm>
+            <a:off x="6553200" y="6356350"/>
+            <a:ext cx="2133600" cy="404246"/>
+          </a:xfrm>
+        </p:spPr>
+        <p:txBody>
+          <a:bodyPr/>
+          <a:lstStyle/>
+          <a:p>
+            <a:fld id="{E4D7E63D-91F2-4366-A2C4-1B00C9E2590E}" type="slidenum">
+              <a:rPr lang="zh-TW" altLang="en-US" smtClean="0"/>
+              <a:pPr/>
+              <a:t>16</a:t>
+            </a:fld>
+            <a:endParaRPr lang="zh-TW" altLang="en-US"/>
+          </a:p>
+        </p:txBody>
+      </p:sp>
+      <p:pic>
+        <p:nvPicPr>
+          <p:cNvPr id="7" name="Picture 6">
+            <a:extLst>
+              <a:ext uri="{FF2B5EF4-FFF2-40B4-BE49-F238E27FC236}">
+                <a16:creationId xmlns:a16="http://schemas.microsoft.com/office/drawing/2014/main" id="{5E9EB07A-C333-4918-9A5F-D3073AB06C24}"/>
+              </a:ext>
+            </a:extLst>
+          </p:cNvPr>
+          <p:cNvPicPr>
+            <a:picLocks noChangeAspect="1"/>
+          </p:cNvPicPr>
+          <p:nvPr/>
+        </p:nvPicPr>
+        <p:blipFill>
+          <a:blip r:embed="rId3"/>
+          <a:stretch>
+            <a:fillRect/>
+          </a:stretch>
+        </p:blipFill>
+        <p:spPr>
+          <a:xfrm>
+            <a:off x="2987824" y="3350891"/>
+            <a:ext cx="1352550" cy="876300"/>
+          </a:xfrm>
+          <a:prstGeom prst="rect">
+            <a:avLst/>
+          </a:prstGeom>
+          <a:ln>
+            <a:solidFill>
+              <a:srgbClr val="C00000"/>
+            </a:solidFill>
+          </a:ln>
+        </p:spPr>
+      </p:pic>
+    </p:spTree>
+    <p:extLst>
+      <p:ext uri="{BB962C8B-B14F-4D97-AF65-F5344CB8AC3E}">
+        <p14:creationId xmlns:p14="http://schemas.microsoft.com/office/powerpoint/2010/main" val="854052211"/>
+      </p:ext>
+    </p:extLst>
+  </p:cSld>
+  <p:clrMapOvr>
+    <a:masterClrMapping/>
+  </p:clrMapOvr>
+</p:sld>
+</file>
+
+<file path=ppt/slides/slide17.xml><?xml version="1.0" encoding="utf-8"?>
+<p:sld xmlns:a="http://schemas.openxmlformats.org/drawingml/2006/main" xmlns:r="http://schemas.openxmlformats.org/officeDocument/2006/relationships" xmlns:p="http://schemas.openxmlformats.org/presentationml/2006/main">
+  <p:cSld>
+    <p:spTree>
+      <p:nvGrpSpPr>
+        <p:cNvPr id="1" name=""/>
+        <p:cNvGrpSpPr/>
+        <p:nvPr/>
+      </p:nvGrpSpPr>
+      <p:grpSpPr>
+        <a:xfrm>
+          <a:off x="0" y="0"/>
+          <a:ext cx="0" cy="0"/>
+          <a:chOff x="0" y="0"/>
+          <a:chExt cx="0" cy="0"/>
+        </a:xfrm>
+      </p:grpSpPr>
+      <p:sp>
+        <p:nvSpPr>
+          <p:cNvPr id="2" name="標題 1"/>
+          <p:cNvSpPr>
+            <a:spLocks noGrp="1"/>
+          </p:cNvSpPr>
+          <p:nvPr>
+            <p:ph type="ctrTitle"/>
+          </p:nvPr>
+        </p:nvSpPr>
+        <p:spPr>
+          <a:xfrm>
+            <a:off x="0" y="2130425"/>
+            <a:ext cx="9144000" cy="1470025"/>
+          </a:xfrm>
+          <a:solidFill>
+            <a:srgbClr val="00B0F0"/>
+          </a:solidFill>
+        </p:spPr>
+        <p:txBody>
+          <a:bodyPr>
+            <a:normAutofit/>
+          </a:bodyPr>
+          <a:lstStyle/>
+          <a:p>
+            <a:r>
+              <a:rPr lang="en-US" altLang="zh-TW" sz="4800" b="1" dirty="0">
+                <a:solidFill>
+                  <a:srgbClr val="FFFF00"/>
+                </a:solidFill>
+              </a:rPr>
+              <a:t>7.6 List Type</a:t>
+            </a:r>
+            <a:endParaRPr lang="zh-TW" altLang="en-US" sz="4800" b="1" dirty="0">
+              <a:solidFill>
+                <a:srgbClr val="FFFF00"/>
+              </a:solidFill>
+            </a:endParaRPr>
+          </a:p>
+        </p:txBody>
+      </p:sp>
+      <p:sp>
+        <p:nvSpPr>
+          <p:cNvPr id="5" name="日期版面配置區 4"/>
+          <p:cNvSpPr>
+            <a:spLocks noGrp="1"/>
+          </p:cNvSpPr>
+          <p:nvPr>
+            <p:ph type="dt" sz="half" idx="10"/>
+          </p:nvPr>
+        </p:nvSpPr>
+        <p:spPr/>
+        <p:txBody>
+          <a:bodyPr/>
+          <a:lstStyle/>
+          <a:p>
+            <a:fld id="{C389EDC9-19E3-47AC-9C57-C6A24DEA81AD}" type="datetime1">
+              <a:rPr lang="zh-TW" altLang="en-US" smtClean="0"/>
+              <a:pPr/>
+              <a:t>2020/10/6</a:t>
+            </a:fld>
+            <a:endParaRPr lang="zh-TW" altLang="en-US"/>
+          </a:p>
+        </p:txBody>
+      </p:sp>
+      <p:sp>
+        <p:nvSpPr>
+          <p:cNvPr id="6" name="投影片編號版面配置區 5"/>
+          <p:cNvSpPr>
+            <a:spLocks noGrp="1"/>
+          </p:cNvSpPr>
+          <p:nvPr>
+            <p:ph type="sldNum" sz="quarter" idx="12"/>
+          </p:nvPr>
+        </p:nvSpPr>
+        <p:spPr/>
+        <p:txBody>
+          <a:bodyPr/>
+          <a:lstStyle/>
+          <a:p>
+            <a:fld id="{E4D7E63D-91F2-4366-A2C4-1B00C9E2590E}" type="slidenum">
+              <a:rPr lang="zh-TW" altLang="en-US" smtClean="0"/>
+              <a:pPr/>
+              <a:t>17</a:t>
+            </a:fld>
+            <a:endParaRPr lang="zh-TW" altLang="en-US"/>
+          </a:p>
+        </p:txBody>
+      </p:sp>
+      <p:pic>
+        <p:nvPicPr>
+          <p:cNvPr id="4" name="Picture 3">
+            <a:extLst>
+              <a:ext uri="{FF2B5EF4-FFF2-40B4-BE49-F238E27FC236}">
+                <a16:creationId xmlns:a16="http://schemas.microsoft.com/office/drawing/2014/main" id="{1DAA86DC-1C5B-4F2C-B64A-CA9753905B48}"/>
+              </a:ext>
+            </a:extLst>
+          </p:cNvPr>
+          <p:cNvPicPr>
+            <a:picLocks noChangeAspect="1"/>
+          </p:cNvPicPr>
+          <p:nvPr/>
+        </p:nvPicPr>
+        <p:blipFill>
+          <a:blip r:embed="rId2"/>
+          <a:stretch>
+            <a:fillRect/>
+          </a:stretch>
+        </p:blipFill>
+        <p:spPr>
+          <a:xfrm>
+            <a:off x="4211961" y="3766415"/>
+            <a:ext cx="648072" cy="718771"/>
+          </a:xfrm>
+          <a:prstGeom prst="rect">
+            <a:avLst/>
+          </a:prstGeom>
+        </p:spPr>
+      </p:pic>
+    </p:spTree>
+    <p:extLst>
+      <p:ext uri="{BB962C8B-B14F-4D97-AF65-F5344CB8AC3E}">
+        <p14:creationId xmlns:p14="http://schemas.microsoft.com/office/powerpoint/2010/main" val="3777975323"/>
+      </p:ext>
+    </p:extLst>
+  </p:cSld>
+  <p:clrMapOvr>
+    <a:masterClrMapping/>
+  </p:clrMapOvr>
+</p:sld>
+</file>
+
+<file path=ppt/slides/slide18.xml><?xml version="1.0" encoding="utf-8"?>
+<p:sld xmlns:a="http://schemas.openxmlformats.org/drawingml/2006/main" xmlns:r="http://schemas.openxmlformats.org/officeDocument/2006/relationships" xmlns:p="http://schemas.openxmlformats.org/presentationml/2006/main">
+  <p:cSld>
+    <p:spTree>
+      <p:nvGrpSpPr>
+        <p:cNvPr id="1" name=""/>
+        <p:cNvGrpSpPr/>
+        <p:nvPr/>
+      </p:nvGrpSpPr>
+      <p:grpSpPr>
+        <a:xfrm>
+          <a:off x="0" y="0"/>
+          <a:ext cx="0" cy="0"/>
+          <a:chOff x="0" y="0"/>
+          <a:chExt cx="0" cy="0"/>
+        </a:xfrm>
+      </p:grpSpPr>
+      <p:sp>
+        <p:nvSpPr>
+          <p:cNvPr id="2" name="標題 1"/>
+          <p:cNvSpPr>
+            <a:spLocks noGrp="1"/>
+          </p:cNvSpPr>
+          <p:nvPr>
+            <p:ph type="ctrTitle"/>
+          </p:nvPr>
+        </p:nvSpPr>
+        <p:spPr>
+          <a:xfrm>
+            <a:off x="0" y="1"/>
+            <a:ext cx="9144000" cy="764704"/>
+          </a:xfrm>
+          <a:gradFill flip="none" rotWithShape="1">
+            <a:gsLst>
+              <a:gs pos="0">
+                <a:srgbClr val="C00000">
+                  <a:shade val="30000"/>
+                  <a:satMod val="115000"/>
+                </a:srgbClr>
+              </a:gs>
+              <a:gs pos="50000">
+                <a:srgbClr val="C00000">
+                  <a:shade val="67500"/>
+                  <a:satMod val="115000"/>
+                </a:srgbClr>
+              </a:gs>
+              <a:gs pos="100000">
+                <a:srgbClr val="C00000">
+                  <a:shade val="100000"/>
+                  <a:satMod val="115000"/>
+                </a:srgbClr>
+              </a:gs>
+            </a:gsLst>
+            <a:path path="circle">
+              <a:fillToRect t="100000" r="100000"/>
+            </a:path>
+            <a:tileRect l="-100000" b="-100000"/>
+          </a:gradFill>
+        </p:spPr>
+        <p:txBody>
+          <a:bodyPr>
+            <a:normAutofit/>
+          </a:bodyPr>
+          <a:lstStyle/>
+          <a:p>
+            <a:pPr algn="l"/>
+            <a:r>
+              <a:rPr lang="en-US" altLang="zh-TW" sz="4400" b="1" dirty="0">
+                <a:solidFill>
+                  <a:srgbClr val="FFFF00"/>
+                </a:solidFill>
+              </a:rPr>
+              <a:t>7.6 List Type</a:t>
+            </a:r>
+            <a:endParaRPr lang="zh-TW" altLang="en-US" b="1" dirty="0">
+              <a:solidFill>
+                <a:srgbClr val="FFFF00"/>
+              </a:solidFill>
+            </a:endParaRPr>
+          </a:p>
+        </p:txBody>
+      </p:sp>
+      <p:sp>
+        <p:nvSpPr>
+          <p:cNvPr id="3" name="副標題 2"/>
+          <p:cNvSpPr>
+            <a:spLocks noGrp="1"/>
+          </p:cNvSpPr>
+          <p:nvPr>
+            <p:ph type="subTitle" idx="1"/>
+          </p:nvPr>
+        </p:nvSpPr>
+        <p:spPr>
+          <a:xfrm>
+            <a:off x="467544" y="1340768"/>
+            <a:ext cx="8352928" cy="1656184"/>
+          </a:xfrm>
+          <a:ln>
+            <a:solidFill>
+              <a:srgbClr val="C00000"/>
+            </a:solidFill>
+          </a:ln>
+        </p:spPr>
+        <p:txBody>
+          <a:bodyPr>
+            <a:noAutofit/>
+          </a:bodyPr>
+          <a:lstStyle/>
+          <a:p>
+            <a:pPr marL="342900" indent="-342900" algn="l">
+              <a:buClr>
+                <a:srgbClr val="0070C0"/>
+              </a:buClr>
+              <a:buSzPct val="80000"/>
+              <a:buFont typeface="Wingdings" pitchFamily="2" charset="2"/>
+              <a:buChar char="u"/>
+            </a:pPr>
+            <a:r>
+              <a:rPr lang="en-US" altLang="zh-TW" sz="1800" b="1" dirty="0">
+                <a:solidFill>
+                  <a:schemeClr val="tx1"/>
+                </a:solidFill>
+              </a:rPr>
+              <a:t>List Type</a:t>
+            </a:r>
+          </a:p>
+          <a:p>
+            <a:pPr marL="342900" indent="-342900" algn="l">
+              <a:buClr>
+                <a:srgbClr val="0070C0"/>
+              </a:buClr>
+              <a:buSzPct val="80000"/>
+              <a:buFont typeface="Wingdings" pitchFamily="2" charset="2"/>
+              <a:buChar char="u"/>
+            </a:pPr>
+            <a:r>
+              <a:rPr lang="en-US" sz="1800" b="1" i="0" dirty="0">
+                <a:solidFill>
+                  <a:srgbClr val="000000"/>
+                </a:solidFill>
+                <a:effectLst/>
+              </a:rPr>
+              <a:t>Lists can be used to represent an array of values of specific type. </a:t>
+            </a:r>
+          </a:p>
+          <a:p>
+            <a:pPr marL="342900" indent="-342900" algn="l">
+              <a:buClr>
+                <a:srgbClr val="0070C0"/>
+              </a:buClr>
+              <a:buSzPct val="80000"/>
+              <a:buFont typeface="Wingdings" pitchFamily="2" charset="2"/>
+              <a:buChar char="u"/>
+            </a:pPr>
+            <a:r>
+              <a:rPr lang="en-US" sz="1800" b="1" i="0" dirty="0">
+                <a:solidFill>
+                  <a:srgbClr val="000000"/>
+                </a:solidFill>
+                <a:effectLst/>
+              </a:rPr>
+              <a:t>Lists are defined with a type modifier [] that wraps object types, scalars, and enums.</a:t>
+            </a:r>
+          </a:p>
+          <a:p>
+            <a:pPr marL="342900" indent="-342900" algn="l">
+              <a:buClr>
+                <a:srgbClr val="0070C0"/>
+              </a:buClr>
+              <a:buSzPct val="80000"/>
+              <a:buFont typeface="Wingdings" pitchFamily="2" charset="2"/>
+              <a:buChar char="u"/>
+            </a:pPr>
+            <a:r>
+              <a:rPr lang="en-US" sz="1800" b="1" i="0" dirty="0">
+                <a:solidFill>
+                  <a:srgbClr val="000000"/>
+                </a:solidFill>
+                <a:effectLst/>
+              </a:rPr>
+              <a:t>The following syntax can be used to define a list type</a:t>
+            </a:r>
+          </a:p>
+        </p:txBody>
+      </p:sp>
+      <p:sp>
+        <p:nvSpPr>
+          <p:cNvPr id="4" name="標題 1"/>
+          <p:cNvSpPr txBox="1">
+            <a:spLocks/>
+          </p:cNvSpPr>
+          <p:nvPr/>
+        </p:nvSpPr>
+        <p:spPr>
+          <a:xfrm>
+            <a:off x="0" y="764704"/>
+            <a:ext cx="9144000" cy="398616"/>
+          </a:xfrm>
+          <a:prstGeom prst="rect">
+            <a:avLst/>
+          </a:prstGeom>
+          <a:gradFill flip="none" rotWithShape="1">
+            <a:gsLst>
+              <a:gs pos="0">
+                <a:srgbClr val="00B0F0">
+                  <a:shade val="30000"/>
+                  <a:satMod val="115000"/>
+                </a:srgbClr>
+              </a:gs>
+              <a:gs pos="50000">
+                <a:srgbClr val="00B0F0">
+                  <a:shade val="67500"/>
+                  <a:satMod val="115000"/>
+                </a:srgbClr>
+              </a:gs>
+              <a:gs pos="100000">
+                <a:srgbClr val="00B0F0">
+                  <a:shade val="100000"/>
+                  <a:satMod val="115000"/>
+                </a:srgbClr>
+              </a:gs>
+            </a:gsLst>
+            <a:path path="circle">
+              <a:fillToRect t="100000" r="100000"/>
+            </a:path>
+            <a:tileRect l="-100000" b="-100000"/>
+          </a:gradFill>
+        </p:spPr>
+        <p:txBody>
+          <a:bodyPr vert="horz" lIns="91440" tIns="45720" rIns="91440" bIns="45720" rtlCol="0" anchor="ctr">
+            <a:normAutofit/>
+          </a:bodyPr>
+          <a:lstStyle/>
+          <a:p>
+            <a:r>
+              <a:rPr lang="en-US" sz="1600" dirty="0">
+                <a:hlinkClick r:id="rId2"/>
+              </a:rPr>
+              <a:t>https://www.tutorialspoint.com/graphql/graphql_type_system.htm</a:t>
+            </a:r>
+            <a:endParaRPr lang="en-US" altLang="zh-TW" sz="1600" b="1" i="1" dirty="0"/>
+          </a:p>
+        </p:txBody>
+      </p:sp>
+      <p:sp>
+        <p:nvSpPr>
+          <p:cNvPr id="5" name="日期版面配置區 4"/>
+          <p:cNvSpPr>
+            <a:spLocks noGrp="1"/>
+          </p:cNvSpPr>
+          <p:nvPr>
+            <p:ph type="dt" sz="half" idx="10"/>
+          </p:nvPr>
+        </p:nvSpPr>
+        <p:spPr>
+          <a:xfrm>
+            <a:off x="457200" y="6356350"/>
+            <a:ext cx="2133600" cy="404246"/>
+          </a:xfrm>
+        </p:spPr>
+        <p:txBody>
+          <a:bodyPr/>
+          <a:lstStyle/>
+          <a:p>
+            <a:fld id="{A4F910E6-8D00-4BAF-8C48-9688E0B449D3}" type="datetime1">
+              <a:rPr lang="zh-TW" altLang="en-US" smtClean="0"/>
+              <a:pPr/>
+              <a:t>2020/10/6</a:t>
+            </a:fld>
+            <a:endParaRPr lang="zh-TW" altLang="en-US"/>
+          </a:p>
+        </p:txBody>
+      </p:sp>
+      <p:sp>
+        <p:nvSpPr>
+          <p:cNvPr id="6" name="投影片編號版面配置區 5"/>
+          <p:cNvSpPr>
+            <a:spLocks noGrp="1"/>
+          </p:cNvSpPr>
+          <p:nvPr>
+            <p:ph type="sldNum" sz="quarter" idx="12"/>
+          </p:nvPr>
+        </p:nvSpPr>
+        <p:spPr>
+          <a:xfrm>
+            <a:off x="6553200" y="6356350"/>
+            <a:ext cx="2133600" cy="404246"/>
+          </a:xfrm>
+        </p:spPr>
+        <p:txBody>
+          <a:bodyPr/>
+          <a:lstStyle/>
+          <a:p>
+            <a:fld id="{E4D7E63D-91F2-4366-A2C4-1B00C9E2590E}" type="slidenum">
+              <a:rPr lang="zh-TW" altLang="en-US" smtClean="0"/>
+              <a:pPr/>
+              <a:t>18</a:t>
+            </a:fld>
+            <a:endParaRPr lang="zh-TW" altLang="en-US"/>
+          </a:p>
+        </p:txBody>
+      </p:sp>
+      <p:pic>
+        <p:nvPicPr>
+          <p:cNvPr id="7" name="Picture 6">
+            <a:extLst>
+              <a:ext uri="{FF2B5EF4-FFF2-40B4-BE49-F238E27FC236}">
+                <a16:creationId xmlns:a16="http://schemas.microsoft.com/office/drawing/2014/main" id="{91A7C836-4478-44EA-AF6C-CC6D4A85F468}"/>
+              </a:ext>
+            </a:extLst>
+          </p:cNvPr>
+          <p:cNvPicPr>
+            <a:picLocks noChangeAspect="1"/>
+          </p:cNvPicPr>
+          <p:nvPr/>
+        </p:nvPicPr>
+        <p:blipFill>
+          <a:blip r:embed="rId3"/>
+          <a:stretch>
+            <a:fillRect/>
+          </a:stretch>
+        </p:blipFill>
+        <p:spPr>
+          <a:xfrm>
+            <a:off x="1331640" y="3174400"/>
+            <a:ext cx="1476375" cy="333375"/>
+          </a:xfrm>
+          <a:prstGeom prst="rect">
+            <a:avLst/>
+          </a:prstGeom>
+          <a:ln>
+            <a:solidFill>
+              <a:srgbClr val="C00000"/>
+            </a:solidFill>
+          </a:ln>
+        </p:spPr>
+      </p:pic>
+      <p:sp>
+        <p:nvSpPr>
+          <p:cNvPr id="10" name="副標題 2">
+            <a:extLst>
+              <a:ext uri="{FF2B5EF4-FFF2-40B4-BE49-F238E27FC236}">
+                <a16:creationId xmlns:a16="http://schemas.microsoft.com/office/drawing/2014/main" id="{7831F1AF-2AA9-4682-88FE-3334FA99EF43}"/>
+              </a:ext>
+            </a:extLst>
+          </p:cNvPr>
+          <p:cNvSpPr txBox="1">
+            <a:spLocks/>
+          </p:cNvSpPr>
+          <p:nvPr/>
+        </p:nvSpPr>
+        <p:spPr>
+          <a:xfrm>
+            <a:off x="467544" y="3613280"/>
+            <a:ext cx="8352928" cy="404246"/>
+          </a:xfrm>
+          <a:prstGeom prst="rect">
+            <a:avLst/>
+          </a:prstGeom>
+          <a:ln>
+            <a:solidFill>
+              <a:srgbClr val="C00000"/>
+            </a:solidFill>
+          </a:ln>
+        </p:spPr>
+        <p:txBody>
+          <a:bodyPr vert="horz" lIns="91440" tIns="45720" rIns="91440" bIns="45720" rtlCol="0">
+            <a:noAutofit/>
+          </a:bodyPr>
+          <a:lstStyle>
+            <a:lvl1pPr marL="0" indent="0" algn="ctr" defTabSz="914400" rtl="0" eaLnBrk="1" latinLnBrk="0" hangingPunct="1">
+              <a:spcBef>
+                <a:spcPct val="20000"/>
+              </a:spcBef>
+              <a:buFont typeface="Arial" pitchFamily="34" charset="0"/>
+              <a:buNone/>
+              <a:defRPr sz="3200" kern="1200">
+                <a:solidFill>
+                  <a:schemeClr val="tx1">
+                    <a:tint val="75000"/>
+                  </a:schemeClr>
+                </a:solidFill>
+                <a:latin typeface="+mn-lt"/>
+                <a:ea typeface="+mn-ea"/>
+                <a:cs typeface="+mn-cs"/>
+              </a:defRPr>
+            </a:lvl1pPr>
+            <a:lvl2pPr marL="457200" indent="0" algn="ctr" defTabSz="914400" rtl="0" eaLnBrk="1" latinLnBrk="0" hangingPunct="1">
+              <a:spcBef>
+                <a:spcPct val="20000"/>
+              </a:spcBef>
+              <a:buFont typeface="Arial" pitchFamily="34" charset="0"/>
+              <a:buNone/>
+              <a:defRPr sz="2800" kern="1200">
+                <a:solidFill>
+                  <a:schemeClr val="tx1">
+                    <a:tint val="75000"/>
+                  </a:schemeClr>
+                </a:solidFill>
+                <a:latin typeface="+mn-lt"/>
+                <a:ea typeface="+mn-ea"/>
+                <a:cs typeface="+mn-cs"/>
+              </a:defRPr>
+            </a:lvl2pPr>
+            <a:lvl3pPr marL="914400" indent="0" algn="ctr" defTabSz="914400" rtl="0" eaLnBrk="1" latinLnBrk="0" hangingPunct="1">
+              <a:spcBef>
+                <a:spcPct val="20000"/>
+              </a:spcBef>
+              <a:buFont typeface="Arial" pitchFamily="34" charset="0"/>
+              <a:buNone/>
+              <a:defRPr sz="2400" kern="1200">
+                <a:solidFill>
+                  <a:schemeClr val="tx1">
+                    <a:tint val="75000"/>
+                  </a:schemeClr>
+                </a:solidFill>
+                <a:latin typeface="+mn-lt"/>
+                <a:ea typeface="+mn-ea"/>
+                <a:cs typeface="+mn-cs"/>
+              </a:defRPr>
+            </a:lvl3pPr>
+            <a:lvl4pPr marL="1371600" indent="0" algn="ctr" defTabSz="914400" rtl="0" eaLnBrk="1" latinLnBrk="0" hangingPunct="1">
+              <a:spcBef>
+                <a:spcPct val="20000"/>
+              </a:spcBef>
+              <a:buFont typeface="Arial" pitchFamily="34" charset="0"/>
+              <a:buNone/>
+              <a:defRPr sz="2000" kern="1200">
+                <a:solidFill>
+                  <a:schemeClr val="tx1">
+                    <a:tint val="75000"/>
+                  </a:schemeClr>
+                </a:solidFill>
+                <a:latin typeface="+mn-lt"/>
+                <a:ea typeface="+mn-ea"/>
+                <a:cs typeface="+mn-cs"/>
+              </a:defRPr>
+            </a:lvl4pPr>
+            <a:lvl5pPr marL="1828800" indent="0" algn="ctr" defTabSz="914400" rtl="0" eaLnBrk="1" latinLnBrk="0" hangingPunct="1">
+              <a:spcBef>
+                <a:spcPct val="20000"/>
+              </a:spcBef>
+              <a:buFont typeface="Arial" pitchFamily="34" charset="0"/>
+              <a:buNone/>
+              <a:defRPr sz="2000" kern="1200">
+                <a:solidFill>
+                  <a:schemeClr val="tx1">
+                    <a:tint val="75000"/>
+                  </a:schemeClr>
+                </a:solidFill>
+                <a:latin typeface="+mn-lt"/>
+                <a:ea typeface="+mn-ea"/>
+                <a:cs typeface="+mn-cs"/>
+              </a:defRPr>
+            </a:lvl5pPr>
+            <a:lvl6pPr marL="2286000" indent="0" algn="ctr" defTabSz="914400" rtl="0" eaLnBrk="1" latinLnBrk="0" hangingPunct="1">
+              <a:spcBef>
+                <a:spcPct val="20000"/>
+              </a:spcBef>
+              <a:buFont typeface="Arial" pitchFamily="34" charset="0"/>
+              <a:buNone/>
+              <a:defRPr sz="2000" kern="1200">
+                <a:solidFill>
+                  <a:schemeClr val="tx1">
+                    <a:tint val="75000"/>
+                  </a:schemeClr>
+                </a:solidFill>
+                <a:latin typeface="+mn-lt"/>
+                <a:ea typeface="+mn-ea"/>
+                <a:cs typeface="+mn-cs"/>
+              </a:defRPr>
+            </a:lvl6pPr>
+            <a:lvl7pPr marL="2743200" indent="0" algn="ctr" defTabSz="914400" rtl="0" eaLnBrk="1" latinLnBrk="0" hangingPunct="1">
+              <a:spcBef>
+                <a:spcPct val="20000"/>
+              </a:spcBef>
+              <a:buFont typeface="Arial" pitchFamily="34" charset="0"/>
+              <a:buNone/>
+              <a:defRPr sz="2000" kern="1200">
+                <a:solidFill>
+                  <a:schemeClr val="tx1">
+                    <a:tint val="75000"/>
+                  </a:schemeClr>
+                </a:solidFill>
+                <a:latin typeface="+mn-lt"/>
+                <a:ea typeface="+mn-ea"/>
+                <a:cs typeface="+mn-cs"/>
+              </a:defRPr>
+            </a:lvl7pPr>
+            <a:lvl8pPr marL="3200400" indent="0" algn="ctr" defTabSz="914400" rtl="0" eaLnBrk="1" latinLnBrk="0" hangingPunct="1">
+              <a:spcBef>
+                <a:spcPct val="20000"/>
+              </a:spcBef>
+              <a:buFont typeface="Arial" pitchFamily="34" charset="0"/>
+              <a:buNone/>
+              <a:defRPr sz="2000" kern="1200">
+                <a:solidFill>
+                  <a:schemeClr val="tx1">
+                    <a:tint val="75000"/>
+                  </a:schemeClr>
+                </a:solidFill>
+                <a:latin typeface="+mn-lt"/>
+                <a:ea typeface="+mn-ea"/>
+                <a:cs typeface="+mn-cs"/>
+              </a:defRPr>
+            </a:lvl8pPr>
+            <a:lvl9pPr marL="3657600" indent="0" algn="ctr" defTabSz="914400" rtl="0" eaLnBrk="1" latinLnBrk="0" hangingPunct="1">
+              <a:spcBef>
+                <a:spcPct val="20000"/>
+              </a:spcBef>
+              <a:buFont typeface="Arial" pitchFamily="34" charset="0"/>
+              <a:buNone/>
+              <a:defRPr sz="2000" kern="1200">
+                <a:solidFill>
+                  <a:schemeClr val="tx1">
+                    <a:tint val="75000"/>
+                  </a:schemeClr>
+                </a:solidFill>
+                <a:latin typeface="+mn-lt"/>
+                <a:ea typeface="+mn-ea"/>
+                <a:cs typeface="+mn-cs"/>
+              </a:defRPr>
+            </a:lvl9pPr>
+          </a:lstStyle>
+          <a:p>
+            <a:pPr marL="342900" indent="-342900" algn="l">
+              <a:buClr>
+                <a:srgbClr val="0070C0"/>
+              </a:buClr>
+              <a:buSzPct val="80000"/>
+              <a:buFont typeface="Wingdings" pitchFamily="2" charset="2"/>
+              <a:buChar char="u"/>
+            </a:pPr>
+            <a:r>
+              <a:rPr lang="en-US" sz="1800" b="1" i="0" dirty="0">
+                <a:solidFill>
+                  <a:srgbClr val="000000"/>
+                </a:solidFill>
+                <a:effectLst/>
+              </a:rPr>
+              <a:t>The below example defines a list type todos.</a:t>
+            </a:r>
+            <a:endParaRPr lang="en-US" sz="1800" b="1" dirty="0">
+              <a:solidFill>
+                <a:srgbClr val="000000"/>
+              </a:solidFill>
+            </a:endParaRPr>
+          </a:p>
+        </p:txBody>
+      </p:sp>
+      <p:pic>
+        <p:nvPicPr>
+          <p:cNvPr id="8" name="Picture 7">
+            <a:extLst>
+              <a:ext uri="{FF2B5EF4-FFF2-40B4-BE49-F238E27FC236}">
+                <a16:creationId xmlns:a16="http://schemas.microsoft.com/office/drawing/2014/main" id="{EBEA945E-00A5-4059-AEF4-C223F1109B68}"/>
+              </a:ext>
+            </a:extLst>
+          </p:cNvPr>
+          <p:cNvPicPr>
+            <a:picLocks noChangeAspect="1"/>
+          </p:cNvPicPr>
+          <p:nvPr/>
+        </p:nvPicPr>
+        <p:blipFill>
+          <a:blip r:embed="rId4"/>
+          <a:stretch>
+            <a:fillRect/>
+          </a:stretch>
+        </p:blipFill>
+        <p:spPr>
+          <a:xfrm>
+            <a:off x="1347112" y="4140052"/>
+            <a:ext cx="1514475" cy="600075"/>
+          </a:xfrm>
+          <a:prstGeom prst="rect">
+            <a:avLst/>
+          </a:prstGeom>
+          <a:ln>
+            <a:solidFill>
+              <a:srgbClr val="C00000"/>
+            </a:solidFill>
+          </a:ln>
+        </p:spPr>
+      </p:pic>
+    </p:spTree>
+    <p:extLst>
+      <p:ext uri="{BB962C8B-B14F-4D97-AF65-F5344CB8AC3E}">
+        <p14:creationId xmlns:p14="http://schemas.microsoft.com/office/powerpoint/2010/main" val="1939876792"/>
+      </p:ext>
+    </p:extLst>
+  </p:cSld>
+  <p:clrMapOvr>
+    <a:masterClrMapping/>
+  </p:clrMapOvr>
+</p:sld>
+</file>
+
+<file path=ppt/slides/slide19.xml><?xml version="1.0" encoding="utf-8"?>
+<p:sld xmlns:a="http://schemas.openxmlformats.org/drawingml/2006/main" xmlns:r="http://schemas.openxmlformats.org/officeDocument/2006/relationships" xmlns:p="http://schemas.openxmlformats.org/presentationml/2006/main">
+  <p:cSld>
+    <p:spTree>
+      <p:nvGrpSpPr>
+        <p:cNvPr id="1" name=""/>
+        <p:cNvGrpSpPr/>
+        <p:nvPr/>
+      </p:nvGrpSpPr>
+      <p:grpSpPr>
+        <a:xfrm>
+          <a:off x="0" y="0"/>
+          <a:ext cx="0" cy="0"/>
+          <a:chOff x="0" y="0"/>
+          <a:chExt cx="0" cy="0"/>
+        </a:xfrm>
+      </p:grpSpPr>
+      <p:sp>
+        <p:nvSpPr>
+          <p:cNvPr id="2" name="標題 1"/>
+          <p:cNvSpPr>
+            <a:spLocks noGrp="1"/>
+          </p:cNvSpPr>
+          <p:nvPr>
+            <p:ph type="ctrTitle"/>
+          </p:nvPr>
+        </p:nvSpPr>
+        <p:spPr>
+          <a:xfrm>
+            <a:off x="0" y="2130425"/>
+            <a:ext cx="9144000" cy="1470025"/>
+          </a:xfrm>
+          <a:solidFill>
+            <a:srgbClr val="00B0F0"/>
+          </a:solidFill>
+        </p:spPr>
+        <p:txBody>
+          <a:bodyPr>
+            <a:normAutofit/>
+          </a:bodyPr>
+          <a:lstStyle/>
+          <a:p>
+            <a:r>
+              <a:rPr lang="en-US" altLang="zh-TW" sz="4800" b="1" dirty="0">
+                <a:solidFill>
+                  <a:srgbClr val="FFFF00"/>
+                </a:solidFill>
+              </a:rPr>
+              <a:t>7.7 Non-Nullable Type</a:t>
+            </a:r>
+            <a:endParaRPr lang="zh-TW" altLang="en-US" sz="4800" b="1" dirty="0">
+              <a:solidFill>
+                <a:srgbClr val="FFFF00"/>
+              </a:solidFill>
+            </a:endParaRPr>
+          </a:p>
+        </p:txBody>
+      </p:sp>
+      <p:sp>
+        <p:nvSpPr>
+          <p:cNvPr id="5" name="日期版面配置區 4"/>
+          <p:cNvSpPr>
+            <a:spLocks noGrp="1"/>
+          </p:cNvSpPr>
+          <p:nvPr>
+            <p:ph type="dt" sz="half" idx="10"/>
+          </p:nvPr>
+        </p:nvSpPr>
+        <p:spPr/>
+        <p:txBody>
+          <a:bodyPr/>
+          <a:lstStyle/>
+          <a:p>
+            <a:fld id="{C389EDC9-19E3-47AC-9C57-C6A24DEA81AD}" type="datetime1">
+              <a:rPr lang="zh-TW" altLang="en-US" smtClean="0"/>
+              <a:pPr/>
+              <a:t>2020/10/6</a:t>
+            </a:fld>
+            <a:endParaRPr lang="zh-TW" altLang="en-US"/>
+          </a:p>
+        </p:txBody>
+      </p:sp>
+      <p:sp>
+        <p:nvSpPr>
+          <p:cNvPr id="6" name="投影片編號版面配置區 5"/>
+          <p:cNvSpPr>
+            <a:spLocks noGrp="1"/>
+          </p:cNvSpPr>
+          <p:nvPr>
+            <p:ph type="sldNum" sz="quarter" idx="12"/>
+          </p:nvPr>
+        </p:nvSpPr>
+        <p:spPr/>
+        <p:txBody>
+          <a:bodyPr/>
+          <a:lstStyle/>
+          <a:p>
+            <a:fld id="{E4D7E63D-91F2-4366-A2C4-1B00C9E2590E}" type="slidenum">
+              <a:rPr lang="zh-TW" altLang="en-US" smtClean="0"/>
+              <a:pPr/>
+              <a:t>19</a:t>
+            </a:fld>
+            <a:endParaRPr lang="zh-TW" altLang="en-US"/>
+          </a:p>
+        </p:txBody>
+      </p:sp>
+      <p:pic>
+        <p:nvPicPr>
+          <p:cNvPr id="4" name="Picture 3">
+            <a:extLst>
+              <a:ext uri="{FF2B5EF4-FFF2-40B4-BE49-F238E27FC236}">
+                <a16:creationId xmlns:a16="http://schemas.microsoft.com/office/drawing/2014/main" id="{1DAA86DC-1C5B-4F2C-B64A-CA9753905B48}"/>
+              </a:ext>
+            </a:extLst>
+          </p:cNvPr>
+          <p:cNvPicPr>
+            <a:picLocks noChangeAspect="1"/>
+          </p:cNvPicPr>
+          <p:nvPr/>
+        </p:nvPicPr>
+        <p:blipFill>
+          <a:blip r:embed="rId2"/>
+          <a:stretch>
+            <a:fillRect/>
+          </a:stretch>
+        </p:blipFill>
+        <p:spPr>
+          <a:xfrm>
+            <a:off x="4211961" y="3766415"/>
+            <a:ext cx="648072" cy="718771"/>
+          </a:xfrm>
+          <a:prstGeom prst="rect">
+            <a:avLst/>
+          </a:prstGeom>
+        </p:spPr>
+      </p:pic>
+    </p:spTree>
+    <p:extLst>
+      <p:ext uri="{BB962C8B-B14F-4D97-AF65-F5344CB8AC3E}">
+        <p14:creationId xmlns:p14="http://schemas.microsoft.com/office/powerpoint/2010/main" val="3941856764"/>
+      </p:ext>
+    </p:extLst>
+  </p:cSld>
+  <p:clrMapOvr>
+    <a:masterClrMapping/>
+  </p:clrMapOvr>
+</p:sld>
+</file>
+
+<file path=ppt/slides/slide2.xml><?xml version="1.0" encoding="utf-8"?>
+<p:sld xmlns:a="http://schemas.openxmlformats.org/drawingml/2006/main" xmlns:r="http://schemas.openxmlformats.org/officeDocument/2006/relationships" xmlns:p="http://schemas.openxmlformats.org/presentationml/2006/main">
+  <p:cSld>
+    <p:spTree>
+      <p:nvGrpSpPr>
+        <p:cNvPr id="1" name=""/>
+        <p:cNvGrpSpPr/>
+        <p:nvPr/>
+      </p:nvGrpSpPr>
+      <p:grpSpPr>
+        <a:xfrm>
+          <a:off x="0" y="0"/>
+          <a:ext cx="0" cy="0"/>
+          <a:chOff x="0" y="0"/>
+          <a:chExt cx="0" cy="0"/>
+        </a:xfrm>
+      </p:grpSpPr>
+      <p:sp>
+        <p:nvSpPr>
+          <p:cNvPr id="2" name="標題 1"/>
+          <p:cNvSpPr>
+            <a:spLocks noGrp="1"/>
+          </p:cNvSpPr>
+          <p:nvPr>
+            <p:ph type="ctrTitle"/>
+          </p:nvPr>
+        </p:nvSpPr>
+        <p:spPr>
+          <a:xfrm>
+            <a:off x="0" y="1"/>
+            <a:ext cx="9144000" cy="764704"/>
+          </a:xfrm>
+          <a:gradFill flip="none" rotWithShape="1">
+            <a:gsLst>
+              <a:gs pos="0">
+                <a:srgbClr val="C00000">
+                  <a:shade val="30000"/>
+                  <a:satMod val="115000"/>
+                </a:srgbClr>
+              </a:gs>
+              <a:gs pos="50000">
+                <a:srgbClr val="C00000">
+                  <a:shade val="67500"/>
+                  <a:satMod val="115000"/>
+                </a:srgbClr>
+              </a:gs>
+              <a:gs pos="100000">
+                <a:srgbClr val="C00000">
+                  <a:shade val="100000"/>
+                  <a:satMod val="115000"/>
+                </a:srgbClr>
+              </a:gs>
+            </a:gsLst>
+            <a:path path="circle">
+              <a:fillToRect t="100000" r="100000"/>
+            </a:path>
+            <a:tileRect l="-100000" b="-100000"/>
+          </a:gradFill>
+        </p:spPr>
+        <p:txBody>
+          <a:bodyPr>
+            <a:normAutofit/>
+          </a:bodyPr>
+          <a:lstStyle/>
+          <a:p>
+            <a:pPr algn="l"/>
+            <a:r>
+              <a:rPr lang="en-US" altLang="zh-TW" b="1" dirty="0">
+                <a:solidFill>
+                  <a:srgbClr val="FFFF00"/>
+                </a:solidFill>
+              </a:rPr>
+              <a:t>7 Type System</a:t>
+            </a:r>
+            <a:endParaRPr lang="zh-TW" altLang="en-US" b="1" dirty="0">
+              <a:solidFill>
+                <a:srgbClr val="FFFF00"/>
+              </a:solidFill>
+            </a:endParaRPr>
+          </a:p>
+        </p:txBody>
+      </p:sp>
+      <p:sp>
+        <p:nvSpPr>
+          <p:cNvPr id="3" name="副標題 2"/>
+          <p:cNvSpPr>
+            <a:spLocks noGrp="1"/>
+          </p:cNvSpPr>
+          <p:nvPr>
+            <p:ph type="subTitle" idx="1"/>
+          </p:nvPr>
+        </p:nvSpPr>
+        <p:spPr>
+          <a:xfrm>
+            <a:off x="467544" y="1340768"/>
+            <a:ext cx="8352928" cy="1440160"/>
+          </a:xfrm>
+          <a:ln>
+            <a:solidFill>
+              <a:srgbClr val="C00000"/>
+            </a:solidFill>
+          </a:ln>
+        </p:spPr>
+        <p:txBody>
+          <a:bodyPr>
+            <a:noAutofit/>
+          </a:bodyPr>
+          <a:lstStyle/>
+          <a:p>
+            <a:pPr marL="342900" indent="-342900" algn="l">
+              <a:buClr>
+                <a:srgbClr val="0070C0"/>
+              </a:buClr>
+              <a:buSzPct val="80000"/>
+              <a:buFont typeface="Wingdings" pitchFamily="2" charset="2"/>
+              <a:buChar char="u"/>
+            </a:pPr>
+            <a:r>
+              <a:rPr lang="en-US" altLang="zh-TW" sz="1800" b="1" dirty="0">
+                <a:solidFill>
+                  <a:schemeClr val="tx1"/>
+                </a:solidFill>
+                <a:latin typeface="+mj-lt"/>
+              </a:rPr>
+              <a:t>GraphQL is a strong typed language. </a:t>
+            </a:r>
+          </a:p>
+          <a:p>
+            <a:pPr marL="342900" indent="-342900" algn="l">
+              <a:buClr>
+                <a:srgbClr val="0070C0"/>
+              </a:buClr>
+              <a:buSzPct val="80000"/>
+              <a:buFont typeface="Wingdings" pitchFamily="2" charset="2"/>
+              <a:buChar char="u"/>
+            </a:pPr>
+            <a:r>
+              <a:rPr lang="en-US" altLang="zh-TW" sz="1800" b="1" dirty="0">
+                <a:solidFill>
+                  <a:schemeClr val="tx1"/>
+                </a:solidFill>
+                <a:latin typeface="+mj-lt"/>
+              </a:rPr>
+              <a:t>Type System defined various data types that can be used in a GraphQL application. </a:t>
+            </a:r>
+          </a:p>
+          <a:p>
+            <a:pPr marL="342900" indent="-342900" algn="l">
+              <a:buClr>
+                <a:srgbClr val="0070C0"/>
+              </a:buClr>
+              <a:buSzPct val="80000"/>
+              <a:buFont typeface="Wingdings" pitchFamily="2" charset="2"/>
+              <a:buChar char="u"/>
+            </a:pPr>
+            <a:r>
+              <a:rPr lang="en-US" sz="1800" b="1" i="0" dirty="0">
+                <a:solidFill>
+                  <a:srgbClr val="000000"/>
+                </a:solidFill>
+                <a:effectLst/>
+                <a:latin typeface="+mj-lt"/>
+              </a:rPr>
+              <a:t>The type system helps to define the schema, which is a contract between client and server. </a:t>
+            </a:r>
+          </a:p>
+        </p:txBody>
+      </p:sp>
+      <p:sp>
+        <p:nvSpPr>
+          <p:cNvPr id="4" name="標題 1"/>
+          <p:cNvSpPr txBox="1">
+            <a:spLocks/>
+          </p:cNvSpPr>
+          <p:nvPr/>
+        </p:nvSpPr>
+        <p:spPr>
+          <a:xfrm>
+            <a:off x="0" y="764704"/>
+            <a:ext cx="9144000" cy="398616"/>
+          </a:xfrm>
+          <a:prstGeom prst="rect">
+            <a:avLst/>
+          </a:prstGeom>
+          <a:gradFill flip="none" rotWithShape="1">
+            <a:gsLst>
+              <a:gs pos="0">
+                <a:srgbClr val="00B0F0">
+                  <a:shade val="30000"/>
+                  <a:satMod val="115000"/>
+                </a:srgbClr>
+              </a:gs>
+              <a:gs pos="50000">
+                <a:srgbClr val="00B0F0">
+                  <a:shade val="67500"/>
+                  <a:satMod val="115000"/>
+                </a:srgbClr>
+              </a:gs>
+              <a:gs pos="100000">
+                <a:srgbClr val="00B0F0">
+                  <a:shade val="100000"/>
+                  <a:satMod val="115000"/>
+                </a:srgbClr>
+              </a:gs>
+            </a:gsLst>
+            <a:path path="circle">
+              <a:fillToRect t="100000" r="100000"/>
+            </a:path>
+            <a:tileRect l="-100000" b="-100000"/>
+          </a:gradFill>
+        </p:spPr>
+        <p:txBody>
+          <a:bodyPr vert="horz" lIns="91440" tIns="45720" rIns="91440" bIns="45720" rtlCol="0" anchor="ctr">
+            <a:normAutofit/>
+          </a:bodyPr>
+          <a:lstStyle/>
+          <a:p>
+            <a:r>
+              <a:rPr lang="en-US" sz="1600" dirty="0">
+                <a:hlinkClick r:id="rId2"/>
+              </a:rPr>
+              <a:t>https://www.tutorialspoint.com/graphql/graphql_type_system.htm</a:t>
+            </a:r>
+            <a:endParaRPr lang="en-US" altLang="zh-TW" sz="1600" b="1" i="1" dirty="0"/>
+          </a:p>
+        </p:txBody>
+      </p:sp>
+      <p:sp>
+        <p:nvSpPr>
+          <p:cNvPr id="5" name="日期版面配置區 4"/>
+          <p:cNvSpPr>
+            <a:spLocks noGrp="1"/>
+          </p:cNvSpPr>
+          <p:nvPr>
+            <p:ph type="dt" sz="half" idx="10"/>
+          </p:nvPr>
+        </p:nvSpPr>
+        <p:spPr>
+          <a:xfrm>
+            <a:off x="457200" y="6356350"/>
+            <a:ext cx="2133600" cy="404246"/>
+          </a:xfrm>
+        </p:spPr>
+        <p:txBody>
+          <a:bodyPr/>
+          <a:lstStyle/>
+          <a:p>
+            <a:fld id="{A4F910E6-8D00-4BAF-8C48-9688E0B449D3}" type="datetime1">
+              <a:rPr lang="zh-TW" altLang="en-US" smtClean="0"/>
+              <a:pPr/>
+              <a:t>2020/10/6</a:t>
+            </a:fld>
+            <a:endParaRPr lang="zh-TW" altLang="en-US"/>
+          </a:p>
+        </p:txBody>
+      </p:sp>
+      <p:sp>
+        <p:nvSpPr>
+          <p:cNvPr id="6" name="投影片編號版面配置區 5"/>
+          <p:cNvSpPr>
+            <a:spLocks noGrp="1"/>
+          </p:cNvSpPr>
+          <p:nvPr>
+            <p:ph type="sldNum" sz="quarter" idx="12"/>
+          </p:nvPr>
+        </p:nvSpPr>
+        <p:spPr>
+          <a:xfrm>
+            <a:off x="6553200" y="6356350"/>
+            <a:ext cx="2133600" cy="404246"/>
+          </a:xfrm>
+        </p:spPr>
+        <p:txBody>
+          <a:bodyPr/>
+          <a:lstStyle/>
+          <a:p>
+            <a:fld id="{E4D7E63D-91F2-4366-A2C4-1B00C9E2590E}" type="slidenum">
+              <a:rPr lang="zh-TW" altLang="en-US" smtClean="0"/>
+              <a:pPr/>
+              <a:t>2</a:t>
+            </a:fld>
+            <a:endParaRPr lang="zh-TW" altLang="en-US"/>
+          </a:p>
+        </p:txBody>
+      </p:sp>
+    </p:spTree>
+  </p:cSld>
+  <p:clrMapOvr>
+    <a:masterClrMapping/>
+  </p:clrMapOvr>
+</p:sld>
+</file>
+
+<file path=ppt/slides/slide20.xml><?xml version="1.0" encoding="utf-8"?>
+<p:sld xmlns:a="http://schemas.openxmlformats.org/drawingml/2006/main" xmlns:r="http://schemas.openxmlformats.org/officeDocument/2006/relationships" xmlns:p="http://schemas.openxmlformats.org/presentationml/2006/main">
+  <p:cSld>
+    <p:spTree>
+      <p:nvGrpSpPr>
+        <p:cNvPr id="1" name=""/>
+        <p:cNvGrpSpPr/>
+        <p:nvPr/>
+      </p:nvGrpSpPr>
+      <p:grpSpPr>
+        <a:xfrm>
+          <a:off x="0" y="0"/>
+          <a:ext cx="0" cy="0"/>
+          <a:chOff x="0" y="0"/>
+          <a:chExt cx="0" cy="0"/>
+        </a:xfrm>
+      </p:grpSpPr>
+      <p:sp>
+        <p:nvSpPr>
+          <p:cNvPr id="2" name="標題 1"/>
+          <p:cNvSpPr>
+            <a:spLocks noGrp="1"/>
+          </p:cNvSpPr>
+          <p:nvPr>
+            <p:ph type="ctrTitle"/>
+          </p:nvPr>
+        </p:nvSpPr>
+        <p:spPr>
+          <a:xfrm>
+            <a:off x="0" y="1"/>
+            <a:ext cx="9144000" cy="764704"/>
+          </a:xfrm>
+          <a:gradFill flip="none" rotWithShape="1">
+            <a:gsLst>
+              <a:gs pos="0">
+                <a:srgbClr val="C00000">
+                  <a:shade val="30000"/>
+                  <a:satMod val="115000"/>
+                </a:srgbClr>
+              </a:gs>
+              <a:gs pos="50000">
+                <a:srgbClr val="C00000">
+                  <a:shade val="67500"/>
+                  <a:satMod val="115000"/>
+                </a:srgbClr>
+              </a:gs>
+              <a:gs pos="100000">
+                <a:srgbClr val="C00000">
+                  <a:shade val="100000"/>
+                  <a:satMod val="115000"/>
+                </a:srgbClr>
+              </a:gs>
+            </a:gsLst>
+            <a:path path="circle">
+              <a:fillToRect t="100000" r="100000"/>
+            </a:path>
+            <a:tileRect l="-100000" b="-100000"/>
+          </a:gradFill>
+        </p:spPr>
+        <p:txBody>
+          <a:bodyPr>
+            <a:normAutofit/>
+          </a:bodyPr>
+          <a:lstStyle/>
+          <a:p>
+            <a:pPr algn="l"/>
+            <a:r>
+              <a:rPr lang="en-US" altLang="zh-TW" sz="4400" b="1" dirty="0">
+                <a:solidFill>
+                  <a:srgbClr val="FFFF00"/>
+                </a:solidFill>
+              </a:rPr>
+              <a:t>7.7 Non-Nullable Type</a:t>
+            </a:r>
+            <a:endParaRPr lang="zh-TW" altLang="en-US" b="1" dirty="0">
+              <a:solidFill>
+                <a:srgbClr val="FFFF00"/>
+              </a:solidFill>
+            </a:endParaRPr>
+          </a:p>
+        </p:txBody>
+      </p:sp>
+      <p:sp>
+        <p:nvSpPr>
+          <p:cNvPr id="3" name="副標題 2"/>
+          <p:cNvSpPr>
+            <a:spLocks noGrp="1"/>
+          </p:cNvSpPr>
+          <p:nvPr>
+            <p:ph type="subTitle" idx="1"/>
+          </p:nvPr>
+        </p:nvSpPr>
+        <p:spPr>
+          <a:xfrm>
+            <a:off x="467544" y="1340768"/>
+            <a:ext cx="8352928" cy="2592288"/>
+          </a:xfrm>
+          <a:ln>
+            <a:solidFill>
+              <a:srgbClr val="C00000"/>
+            </a:solidFill>
+          </a:ln>
+        </p:spPr>
+        <p:txBody>
+          <a:bodyPr>
+            <a:noAutofit/>
+          </a:bodyPr>
+          <a:lstStyle/>
+          <a:p>
+            <a:pPr marL="342900" indent="-342900" algn="l">
+              <a:buClr>
+                <a:srgbClr val="0070C0"/>
+              </a:buClr>
+              <a:buSzPct val="80000"/>
+              <a:buFont typeface="Wingdings" pitchFamily="2" charset="2"/>
+              <a:buChar char="u"/>
+            </a:pPr>
+            <a:r>
+              <a:rPr lang="en-US" altLang="zh-TW" sz="1800" b="1" dirty="0">
+                <a:solidFill>
+                  <a:schemeClr val="tx1"/>
+                </a:solidFill>
+              </a:rPr>
+              <a:t>Non-Nullable Type</a:t>
+            </a:r>
+          </a:p>
+          <a:p>
+            <a:pPr marL="342900" indent="-342900" algn="l">
+              <a:buClr>
+                <a:srgbClr val="0070C0"/>
+              </a:buClr>
+              <a:buSzPct val="80000"/>
+              <a:buFont typeface="Wingdings" pitchFamily="2" charset="2"/>
+              <a:buChar char="u"/>
+            </a:pPr>
+            <a:r>
+              <a:rPr lang="en-US" sz="1800" b="1" i="0" dirty="0">
+                <a:solidFill>
+                  <a:srgbClr val="000000"/>
+                </a:solidFill>
+                <a:effectLst/>
+              </a:rPr>
+              <a:t>By default, each of the core scalar types can be set to null. </a:t>
+            </a:r>
+          </a:p>
+          <a:p>
+            <a:pPr marL="342900" indent="-342900" algn="l">
+              <a:buClr>
+                <a:srgbClr val="0070C0"/>
+              </a:buClr>
+              <a:buSzPct val="80000"/>
+              <a:buFont typeface="Wingdings" pitchFamily="2" charset="2"/>
+              <a:buChar char="u"/>
+            </a:pPr>
+            <a:r>
+              <a:rPr lang="en-US" sz="1800" b="1" i="0" dirty="0">
+                <a:solidFill>
+                  <a:srgbClr val="000000"/>
+                </a:solidFill>
+                <a:effectLst/>
+              </a:rPr>
+              <a:t>In other words, these types can either return a value of the specified type or they can have no value. </a:t>
+            </a:r>
+          </a:p>
+          <a:p>
+            <a:pPr marL="342900" indent="-342900" algn="l">
+              <a:buClr>
+                <a:srgbClr val="0070C0"/>
+              </a:buClr>
+              <a:buSzPct val="80000"/>
+              <a:buFont typeface="Wingdings" pitchFamily="2" charset="2"/>
+              <a:buChar char="u"/>
+            </a:pPr>
+            <a:r>
+              <a:rPr lang="en-US" sz="1800" b="1" i="0" dirty="0">
+                <a:solidFill>
+                  <a:srgbClr val="000000"/>
+                </a:solidFill>
+                <a:effectLst/>
+              </a:rPr>
+              <a:t>To override this default and specify that a field must be defined, an exclamation mark (!) can be appended to a type. </a:t>
+            </a:r>
+          </a:p>
+          <a:p>
+            <a:pPr marL="342900" indent="-342900" algn="l">
+              <a:buClr>
+                <a:srgbClr val="0070C0"/>
+              </a:buClr>
+              <a:buSzPct val="80000"/>
+              <a:buFont typeface="Wingdings" pitchFamily="2" charset="2"/>
+              <a:buChar char="u"/>
+            </a:pPr>
+            <a:r>
+              <a:rPr lang="en-US" sz="1800" b="1" i="0" dirty="0">
+                <a:solidFill>
+                  <a:srgbClr val="000000"/>
+                </a:solidFill>
+                <a:effectLst/>
+              </a:rPr>
+              <a:t>This ensures the presence of value in results returned by the query.</a:t>
+            </a:r>
+          </a:p>
+          <a:p>
+            <a:pPr marL="342900" indent="-342900" algn="l">
+              <a:buClr>
+                <a:srgbClr val="0070C0"/>
+              </a:buClr>
+              <a:buSzPct val="80000"/>
+              <a:buFont typeface="Wingdings" pitchFamily="2" charset="2"/>
+              <a:buChar char="u"/>
+            </a:pPr>
+            <a:r>
+              <a:rPr lang="en-US" sz="1800" b="1" i="0" dirty="0">
+                <a:solidFill>
+                  <a:srgbClr val="000000"/>
+                </a:solidFill>
+                <a:effectLst/>
+              </a:rPr>
+              <a:t>The following syntax can be used to define a non-nullable field</a:t>
+            </a:r>
+          </a:p>
+        </p:txBody>
+      </p:sp>
+      <p:sp>
+        <p:nvSpPr>
+          <p:cNvPr id="4" name="標題 1"/>
+          <p:cNvSpPr txBox="1">
+            <a:spLocks/>
+          </p:cNvSpPr>
+          <p:nvPr/>
+        </p:nvSpPr>
+        <p:spPr>
+          <a:xfrm>
+            <a:off x="0" y="764704"/>
+            <a:ext cx="9144000" cy="398616"/>
+          </a:xfrm>
+          <a:prstGeom prst="rect">
+            <a:avLst/>
+          </a:prstGeom>
+          <a:gradFill flip="none" rotWithShape="1">
+            <a:gsLst>
+              <a:gs pos="0">
+                <a:srgbClr val="00B0F0">
+                  <a:shade val="30000"/>
+                  <a:satMod val="115000"/>
+                </a:srgbClr>
+              </a:gs>
+              <a:gs pos="50000">
+                <a:srgbClr val="00B0F0">
+                  <a:shade val="67500"/>
+                  <a:satMod val="115000"/>
+                </a:srgbClr>
+              </a:gs>
+              <a:gs pos="100000">
+                <a:srgbClr val="00B0F0">
+                  <a:shade val="100000"/>
+                  <a:satMod val="115000"/>
+                </a:srgbClr>
+              </a:gs>
+            </a:gsLst>
+            <a:path path="circle">
+              <a:fillToRect t="100000" r="100000"/>
+            </a:path>
+            <a:tileRect l="-100000" b="-100000"/>
+          </a:gradFill>
+        </p:spPr>
+        <p:txBody>
+          <a:bodyPr vert="horz" lIns="91440" tIns="45720" rIns="91440" bIns="45720" rtlCol="0" anchor="ctr">
+            <a:normAutofit/>
+          </a:bodyPr>
+          <a:lstStyle/>
+          <a:p>
+            <a:r>
+              <a:rPr lang="en-US" sz="1600" dirty="0">
+                <a:hlinkClick r:id="rId2"/>
+              </a:rPr>
+              <a:t>https://www.tutorialspoint.com/graphql/graphql_type_system.htm</a:t>
+            </a:r>
+            <a:endParaRPr lang="en-US" altLang="zh-TW" sz="1600" b="1" i="1" dirty="0"/>
+          </a:p>
+        </p:txBody>
+      </p:sp>
+      <p:sp>
+        <p:nvSpPr>
+          <p:cNvPr id="5" name="日期版面配置區 4"/>
+          <p:cNvSpPr>
+            <a:spLocks noGrp="1"/>
+          </p:cNvSpPr>
+          <p:nvPr>
+            <p:ph type="dt" sz="half" idx="10"/>
+          </p:nvPr>
+        </p:nvSpPr>
+        <p:spPr>
+          <a:xfrm>
+            <a:off x="457200" y="6356350"/>
+            <a:ext cx="2133600" cy="404246"/>
+          </a:xfrm>
+        </p:spPr>
+        <p:txBody>
+          <a:bodyPr/>
+          <a:lstStyle/>
+          <a:p>
+            <a:fld id="{A4F910E6-8D00-4BAF-8C48-9688E0B449D3}" type="datetime1">
+              <a:rPr lang="zh-TW" altLang="en-US" smtClean="0"/>
+              <a:pPr/>
+              <a:t>2020/10/6</a:t>
+            </a:fld>
+            <a:endParaRPr lang="zh-TW" altLang="en-US"/>
+          </a:p>
+        </p:txBody>
+      </p:sp>
+      <p:sp>
+        <p:nvSpPr>
+          <p:cNvPr id="6" name="投影片編號版面配置區 5"/>
+          <p:cNvSpPr>
+            <a:spLocks noGrp="1"/>
+          </p:cNvSpPr>
+          <p:nvPr>
+            <p:ph type="sldNum" sz="quarter" idx="12"/>
+          </p:nvPr>
+        </p:nvSpPr>
+        <p:spPr>
+          <a:xfrm>
+            <a:off x="6553200" y="6356350"/>
+            <a:ext cx="2133600" cy="404246"/>
+          </a:xfrm>
+        </p:spPr>
+        <p:txBody>
+          <a:bodyPr/>
+          <a:lstStyle/>
+          <a:p>
+            <a:fld id="{E4D7E63D-91F2-4366-A2C4-1B00C9E2590E}" type="slidenum">
+              <a:rPr lang="zh-TW" altLang="en-US" smtClean="0"/>
+              <a:pPr/>
+              <a:t>20</a:t>
+            </a:fld>
+            <a:endParaRPr lang="zh-TW" altLang="en-US"/>
+          </a:p>
+        </p:txBody>
+      </p:sp>
+      <p:pic>
+        <p:nvPicPr>
+          <p:cNvPr id="9" name="Picture 8">
+            <a:extLst>
+              <a:ext uri="{FF2B5EF4-FFF2-40B4-BE49-F238E27FC236}">
+                <a16:creationId xmlns:a16="http://schemas.microsoft.com/office/drawing/2014/main" id="{11F878A2-8679-4B5F-9308-B985A1070DD2}"/>
+              </a:ext>
+            </a:extLst>
+          </p:cNvPr>
+          <p:cNvPicPr>
+            <a:picLocks noChangeAspect="1"/>
+          </p:cNvPicPr>
+          <p:nvPr/>
+        </p:nvPicPr>
+        <p:blipFill>
+          <a:blip r:embed="rId3"/>
+          <a:stretch>
+            <a:fillRect/>
+          </a:stretch>
+        </p:blipFill>
+        <p:spPr>
+          <a:xfrm>
+            <a:off x="1979712" y="4120660"/>
+            <a:ext cx="1419225" cy="295275"/>
+          </a:xfrm>
+          <a:prstGeom prst="rect">
+            <a:avLst/>
+          </a:prstGeom>
+          <a:ln>
+            <a:solidFill>
+              <a:srgbClr val="C00000"/>
+            </a:solidFill>
+          </a:ln>
+        </p:spPr>
+      </p:pic>
+      <p:sp>
+        <p:nvSpPr>
+          <p:cNvPr id="11" name="副標題 2">
+            <a:extLst>
+              <a:ext uri="{FF2B5EF4-FFF2-40B4-BE49-F238E27FC236}">
+                <a16:creationId xmlns:a16="http://schemas.microsoft.com/office/drawing/2014/main" id="{AEBD76CC-B0B9-414E-BBAF-72C28D41A62E}"/>
+              </a:ext>
+            </a:extLst>
+          </p:cNvPr>
+          <p:cNvSpPr txBox="1">
+            <a:spLocks/>
+          </p:cNvSpPr>
+          <p:nvPr/>
+        </p:nvSpPr>
+        <p:spPr>
+          <a:xfrm>
+            <a:off x="479129" y="4483064"/>
+            <a:ext cx="8352928" cy="302938"/>
+          </a:xfrm>
+          <a:prstGeom prst="rect">
+            <a:avLst/>
+          </a:prstGeom>
+          <a:ln>
+            <a:solidFill>
+              <a:srgbClr val="C00000"/>
+            </a:solidFill>
+          </a:ln>
+        </p:spPr>
+        <p:txBody>
+          <a:bodyPr vert="horz" lIns="91440" tIns="45720" rIns="91440" bIns="45720" rtlCol="0">
+            <a:noAutofit/>
+          </a:bodyPr>
+          <a:lstStyle>
+            <a:lvl1pPr marL="0" indent="0" algn="ctr" defTabSz="914400" rtl="0" eaLnBrk="1" latinLnBrk="0" hangingPunct="1">
+              <a:spcBef>
+                <a:spcPct val="20000"/>
+              </a:spcBef>
+              <a:buFont typeface="Arial" pitchFamily="34" charset="0"/>
+              <a:buNone/>
+              <a:defRPr sz="3200" kern="1200">
+                <a:solidFill>
+                  <a:schemeClr val="tx1">
+                    <a:tint val="75000"/>
+                  </a:schemeClr>
+                </a:solidFill>
+                <a:latin typeface="+mn-lt"/>
+                <a:ea typeface="+mn-ea"/>
+                <a:cs typeface="+mn-cs"/>
+              </a:defRPr>
+            </a:lvl1pPr>
+            <a:lvl2pPr marL="457200" indent="0" algn="ctr" defTabSz="914400" rtl="0" eaLnBrk="1" latinLnBrk="0" hangingPunct="1">
+              <a:spcBef>
+                <a:spcPct val="20000"/>
+              </a:spcBef>
+              <a:buFont typeface="Arial" pitchFamily="34" charset="0"/>
+              <a:buNone/>
+              <a:defRPr sz="2800" kern="1200">
+                <a:solidFill>
+                  <a:schemeClr val="tx1">
+                    <a:tint val="75000"/>
+                  </a:schemeClr>
+                </a:solidFill>
+                <a:latin typeface="+mn-lt"/>
+                <a:ea typeface="+mn-ea"/>
+                <a:cs typeface="+mn-cs"/>
+              </a:defRPr>
+            </a:lvl2pPr>
+            <a:lvl3pPr marL="914400" indent="0" algn="ctr" defTabSz="914400" rtl="0" eaLnBrk="1" latinLnBrk="0" hangingPunct="1">
+              <a:spcBef>
+                <a:spcPct val="20000"/>
+              </a:spcBef>
+              <a:buFont typeface="Arial" pitchFamily="34" charset="0"/>
+              <a:buNone/>
+              <a:defRPr sz="2400" kern="1200">
+                <a:solidFill>
+                  <a:schemeClr val="tx1">
+                    <a:tint val="75000"/>
+                  </a:schemeClr>
+                </a:solidFill>
+                <a:latin typeface="+mn-lt"/>
+                <a:ea typeface="+mn-ea"/>
+                <a:cs typeface="+mn-cs"/>
+              </a:defRPr>
+            </a:lvl3pPr>
+            <a:lvl4pPr marL="1371600" indent="0" algn="ctr" defTabSz="914400" rtl="0" eaLnBrk="1" latinLnBrk="0" hangingPunct="1">
+              <a:spcBef>
+                <a:spcPct val="20000"/>
+              </a:spcBef>
+              <a:buFont typeface="Arial" pitchFamily="34" charset="0"/>
+              <a:buNone/>
+              <a:defRPr sz="2000" kern="1200">
+                <a:solidFill>
+                  <a:schemeClr val="tx1">
+                    <a:tint val="75000"/>
+                  </a:schemeClr>
+                </a:solidFill>
+                <a:latin typeface="+mn-lt"/>
+                <a:ea typeface="+mn-ea"/>
+                <a:cs typeface="+mn-cs"/>
+              </a:defRPr>
+            </a:lvl4pPr>
+            <a:lvl5pPr marL="1828800" indent="0" algn="ctr" defTabSz="914400" rtl="0" eaLnBrk="1" latinLnBrk="0" hangingPunct="1">
+              <a:spcBef>
+                <a:spcPct val="20000"/>
+              </a:spcBef>
+              <a:buFont typeface="Arial" pitchFamily="34" charset="0"/>
+              <a:buNone/>
+              <a:defRPr sz="2000" kern="1200">
+                <a:solidFill>
+                  <a:schemeClr val="tx1">
+                    <a:tint val="75000"/>
+                  </a:schemeClr>
+                </a:solidFill>
+                <a:latin typeface="+mn-lt"/>
+                <a:ea typeface="+mn-ea"/>
+                <a:cs typeface="+mn-cs"/>
+              </a:defRPr>
+            </a:lvl5pPr>
+            <a:lvl6pPr marL="2286000" indent="0" algn="ctr" defTabSz="914400" rtl="0" eaLnBrk="1" latinLnBrk="0" hangingPunct="1">
+              <a:spcBef>
+                <a:spcPct val="20000"/>
+              </a:spcBef>
+              <a:buFont typeface="Arial" pitchFamily="34" charset="0"/>
+              <a:buNone/>
+              <a:defRPr sz="2000" kern="1200">
+                <a:solidFill>
+                  <a:schemeClr val="tx1">
+                    <a:tint val="75000"/>
+                  </a:schemeClr>
+                </a:solidFill>
+                <a:latin typeface="+mn-lt"/>
+                <a:ea typeface="+mn-ea"/>
+                <a:cs typeface="+mn-cs"/>
+              </a:defRPr>
+            </a:lvl6pPr>
+            <a:lvl7pPr marL="2743200" indent="0" algn="ctr" defTabSz="914400" rtl="0" eaLnBrk="1" latinLnBrk="0" hangingPunct="1">
+              <a:spcBef>
+                <a:spcPct val="20000"/>
+              </a:spcBef>
+              <a:buFont typeface="Arial" pitchFamily="34" charset="0"/>
+              <a:buNone/>
+              <a:defRPr sz="2000" kern="1200">
+                <a:solidFill>
+                  <a:schemeClr val="tx1">
+                    <a:tint val="75000"/>
+                  </a:schemeClr>
+                </a:solidFill>
+                <a:latin typeface="+mn-lt"/>
+                <a:ea typeface="+mn-ea"/>
+                <a:cs typeface="+mn-cs"/>
+              </a:defRPr>
+            </a:lvl7pPr>
+            <a:lvl8pPr marL="3200400" indent="0" algn="ctr" defTabSz="914400" rtl="0" eaLnBrk="1" latinLnBrk="0" hangingPunct="1">
+              <a:spcBef>
+                <a:spcPct val="20000"/>
+              </a:spcBef>
+              <a:buFont typeface="Arial" pitchFamily="34" charset="0"/>
+              <a:buNone/>
+              <a:defRPr sz="2000" kern="1200">
+                <a:solidFill>
+                  <a:schemeClr val="tx1">
+                    <a:tint val="75000"/>
+                  </a:schemeClr>
+                </a:solidFill>
+                <a:latin typeface="+mn-lt"/>
+                <a:ea typeface="+mn-ea"/>
+                <a:cs typeface="+mn-cs"/>
+              </a:defRPr>
+            </a:lvl8pPr>
+            <a:lvl9pPr marL="3657600" indent="0" algn="ctr" defTabSz="914400" rtl="0" eaLnBrk="1" latinLnBrk="0" hangingPunct="1">
+              <a:spcBef>
+                <a:spcPct val="20000"/>
+              </a:spcBef>
+              <a:buFont typeface="Arial" pitchFamily="34" charset="0"/>
+              <a:buNone/>
+              <a:defRPr sz="2000" kern="1200">
+                <a:solidFill>
+                  <a:schemeClr val="tx1">
+                    <a:tint val="75000"/>
+                  </a:schemeClr>
+                </a:solidFill>
+                <a:latin typeface="+mn-lt"/>
+                <a:ea typeface="+mn-ea"/>
+                <a:cs typeface="+mn-cs"/>
+              </a:defRPr>
+            </a:lvl9pPr>
+          </a:lstStyle>
+          <a:p>
+            <a:pPr marL="342900" indent="-342900" algn="l">
+              <a:buClr>
+                <a:srgbClr val="0070C0"/>
+              </a:buClr>
+              <a:buSzPct val="80000"/>
+              <a:buFont typeface="Wingdings" pitchFamily="2" charset="2"/>
+              <a:buChar char="u"/>
+            </a:pPr>
+            <a:r>
+              <a:rPr lang="en-US" sz="1800" b="1" i="0" dirty="0">
+                <a:solidFill>
+                  <a:srgbClr val="000000"/>
+                </a:solidFill>
+                <a:effectLst/>
+              </a:rPr>
+              <a:t>In the below example, </a:t>
+            </a:r>
+            <a:r>
+              <a:rPr lang="en-US" sz="1800" b="1" i="1" dirty="0" err="1">
+                <a:solidFill>
+                  <a:srgbClr val="000000"/>
+                </a:solidFill>
+                <a:effectLst/>
+              </a:rPr>
+              <a:t>stud_id</a:t>
+            </a:r>
+            <a:r>
+              <a:rPr lang="en-US" sz="1800" b="1" i="0" dirty="0">
+                <a:solidFill>
+                  <a:srgbClr val="000000"/>
+                </a:solidFill>
+                <a:effectLst/>
+              </a:rPr>
+              <a:t> is declared as a mandatory field.</a:t>
+            </a:r>
+            <a:endParaRPr lang="en-US" altLang="zh-TW" sz="1800" b="1" dirty="0">
+              <a:solidFill>
+                <a:schemeClr val="tx1"/>
+              </a:solidFill>
+            </a:endParaRPr>
+          </a:p>
+        </p:txBody>
+      </p:sp>
+      <p:pic>
+        <p:nvPicPr>
+          <p:cNvPr id="12" name="Picture 11">
+            <a:extLst>
+              <a:ext uri="{FF2B5EF4-FFF2-40B4-BE49-F238E27FC236}">
+                <a16:creationId xmlns:a16="http://schemas.microsoft.com/office/drawing/2014/main" id="{D2B0A4D6-8097-42CA-B261-27E98F478999}"/>
+              </a:ext>
+            </a:extLst>
+          </p:cNvPr>
+          <p:cNvPicPr>
+            <a:picLocks noChangeAspect="1"/>
+          </p:cNvPicPr>
+          <p:nvPr/>
+        </p:nvPicPr>
+        <p:blipFill>
+          <a:blip r:embed="rId4"/>
+          <a:stretch>
+            <a:fillRect/>
+          </a:stretch>
+        </p:blipFill>
+        <p:spPr>
+          <a:xfrm>
+            <a:off x="1979712" y="4986142"/>
+            <a:ext cx="1543050" cy="1409700"/>
+          </a:xfrm>
+          <a:prstGeom prst="rect">
+            <a:avLst/>
+          </a:prstGeom>
+          <a:ln>
+            <a:solidFill>
+              <a:srgbClr val="C00000"/>
+            </a:solidFill>
+          </a:ln>
+        </p:spPr>
+      </p:pic>
+    </p:spTree>
+    <p:extLst>
+      <p:ext uri="{BB962C8B-B14F-4D97-AF65-F5344CB8AC3E}">
+        <p14:creationId xmlns:p14="http://schemas.microsoft.com/office/powerpoint/2010/main" val="4090108545"/>
+      </p:ext>
+    </p:extLst>
+  </p:cSld>
+  <p:clrMapOvr>
+    <a:masterClrMapping/>
+  </p:clrMapOvr>
+</p:sld>
+</file>
+
+<file path=ppt/slides/slide21.xml><?xml version="1.0" encoding="utf-8"?>
+<p:sld xmlns:a="http://schemas.openxmlformats.org/drawingml/2006/main" xmlns:r="http://schemas.openxmlformats.org/officeDocument/2006/relationships" xmlns:p="http://schemas.openxmlformats.org/presentationml/2006/main">
+  <p:cSld>
+    <p:spTree>
+      <p:nvGrpSpPr>
+        <p:cNvPr id="1" name=""/>
+        <p:cNvGrpSpPr/>
+        <p:nvPr/>
+      </p:nvGrpSpPr>
+      <p:grpSpPr>
+        <a:xfrm>
+          <a:off x="0" y="0"/>
+          <a:ext cx="0" cy="0"/>
+          <a:chOff x="0" y="0"/>
+          <a:chExt cx="0" cy="0"/>
+        </a:xfrm>
+      </p:grpSpPr>
+      <p:sp>
+        <p:nvSpPr>
+          <p:cNvPr id="2" name="標題 1"/>
+          <p:cNvSpPr>
+            <a:spLocks noGrp="1"/>
+          </p:cNvSpPr>
+          <p:nvPr>
+            <p:ph type="ctrTitle"/>
+          </p:nvPr>
+        </p:nvSpPr>
+        <p:spPr>
+          <a:xfrm>
+            <a:off x="0" y="2130425"/>
+            <a:ext cx="9144000" cy="1470025"/>
+          </a:xfrm>
+          <a:gradFill flip="none" rotWithShape="1">
+            <a:gsLst>
+              <a:gs pos="0">
+                <a:srgbClr val="00B0F0">
+                  <a:shade val="30000"/>
+                  <a:satMod val="115000"/>
+                </a:srgbClr>
+              </a:gs>
+              <a:gs pos="50000">
+                <a:srgbClr val="00B0F0">
+                  <a:shade val="67500"/>
+                  <a:satMod val="115000"/>
+                </a:srgbClr>
+              </a:gs>
+              <a:gs pos="100000">
+                <a:srgbClr val="00B0F0">
+                  <a:shade val="100000"/>
+                  <a:satMod val="115000"/>
+                </a:srgbClr>
+              </a:gs>
+            </a:gsLst>
+            <a:path path="circle">
+              <a:fillToRect t="100000" r="100000"/>
+            </a:path>
+            <a:tileRect l="-100000" b="-100000"/>
+          </a:gradFill>
+        </p:spPr>
+        <p:txBody>
           <a:bodyPr>
             <a:normAutofit/>
           </a:bodyPr>
@@ -4083,7 +7608,7 @@
             <a:fld id="{4E46BE27-E923-4EC2-B046-3272AE2A3E5C}" type="datetime1">
               <a:rPr lang="zh-TW" altLang="en-US" smtClean="0"/>
               <a:pPr/>
-              <a:t>2020/3/23</a:t>
+              <a:t>2020/10/6</a:t>
             </a:fld>
             <a:endParaRPr lang="zh-TW" altLang="en-US"/>
           </a:p>
@@ -4100,6 +7625,286 @@
           </p:nvPr>
         </p:nvSpPr>
         <p:spPr/>
+        <p:txBody>
+          <a:bodyPr/>
+          <a:lstStyle/>
+          <a:p>
+            <a:fld id="{E4D7E63D-91F2-4366-A2C4-1B00C9E2590E}" type="slidenum">
+              <a:rPr lang="zh-TW" altLang="en-US" smtClean="0"/>
+              <a:pPr/>
+              <a:t>21</a:t>
+            </a:fld>
+            <a:endParaRPr lang="zh-TW" altLang="en-US"/>
+          </a:p>
+        </p:txBody>
+      </p:sp>
+    </p:spTree>
+  </p:cSld>
+  <p:clrMapOvr>
+    <a:masterClrMapping/>
+  </p:clrMapOvr>
+</p:sld>
+</file>
+
+<file path=ppt/slides/slide3.xml><?xml version="1.0" encoding="utf-8"?>
+<p:sld xmlns:a="http://schemas.openxmlformats.org/drawingml/2006/main" xmlns:r="http://schemas.openxmlformats.org/officeDocument/2006/relationships" xmlns:p="http://schemas.openxmlformats.org/presentationml/2006/main">
+  <p:cSld>
+    <p:spTree>
+      <p:nvGrpSpPr>
+        <p:cNvPr id="1" name=""/>
+        <p:cNvGrpSpPr/>
+        <p:nvPr/>
+      </p:nvGrpSpPr>
+      <p:grpSpPr>
+        <a:xfrm>
+          <a:off x="0" y="0"/>
+          <a:ext cx="0" cy="0"/>
+          <a:chOff x="0" y="0"/>
+          <a:chExt cx="0" cy="0"/>
+        </a:xfrm>
+      </p:grpSpPr>
+      <p:sp>
+        <p:nvSpPr>
+          <p:cNvPr id="2" name="標題 1"/>
+          <p:cNvSpPr>
+            <a:spLocks noGrp="1"/>
+          </p:cNvSpPr>
+          <p:nvPr>
+            <p:ph type="ctrTitle"/>
+          </p:nvPr>
+        </p:nvSpPr>
+        <p:spPr>
+          <a:xfrm>
+            <a:off x="0" y="1"/>
+            <a:ext cx="9144000" cy="764704"/>
+          </a:xfrm>
+          <a:gradFill flip="none" rotWithShape="1">
+            <a:gsLst>
+              <a:gs pos="0">
+                <a:srgbClr val="C00000">
+                  <a:shade val="30000"/>
+                  <a:satMod val="115000"/>
+                </a:srgbClr>
+              </a:gs>
+              <a:gs pos="50000">
+                <a:srgbClr val="C00000">
+                  <a:shade val="67500"/>
+                  <a:satMod val="115000"/>
+                </a:srgbClr>
+              </a:gs>
+              <a:gs pos="100000">
+                <a:srgbClr val="C00000">
+                  <a:shade val="100000"/>
+                  <a:satMod val="115000"/>
+                </a:srgbClr>
+              </a:gs>
+            </a:gsLst>
+            <a:path path="circle">
+              <a:fillToRect t="100000" r="100000"/>
+            </a:path>
+            <a:tileRect l="-100000" b="-100000"/>
+          </a:gradFill>
+        </p:spPr>
+        <p:txBody>
+          <a:bodyPr>
+            <a:normAutofit/>
+          </a:bodyPr>
+          <a:lstStyle/>
+          <a:p>
+            <a:pPr algn="l"/>
+            <a:r>
+              <a:rPr lang="en-US" altLang="zh-TW" b="1" dirty="0">
+                <a:solidFill>
+                  <a:srgbClr val="FFFF00"/>
+                </a:solidFill>
+              </a:rPr>
+              <a:t>7 Type System</a:t>
+            </a:r>
+            <a:endParaRPr lang="zh-TW" altLang="en-US" b="1" dirty="0">
+              <a:solidFill>
+                <a:srgbClr val="FFFF00"/>
+              </a:solidFill>
+            </a:endParaRPr>
+          </a:p>
+        </p:txBody>
+      </p:sp>
+      <p:sp>
+        <p:nvSpPr>
+          <p:cNvPr id="3" name="副標題 2"/>
+          <p:cNvSpPr>
+            <a:spLocks noGrp="1"/>
+          </p:cNvSpPr>
+          <p:nvPr>
+            <p:ph type="subTitle" idx="1"/>
+          </p:nvPr>
+        </p:nvSpPr>
+        <p:spPr>
+          <a:xfrm>
+            <a:off x="467544" y="1340768"/>
+            <a:ext cx="8352928" cy="648072"/>
+          </a:xfrm>
+          <a:ln>
+            <a:solidFill>
+              <a:srgbClr val="C00000"/>
+            </a:solidFill>
+          </a:ln>
+        </p:spPr>
+        <p:txBody>
+          <a:bodyPr>
+            <a:noAutofit/>
+          </a:bodyPr>
+          <a:lstStyle/>
+          <a:p>
+            <a:pPr marL="342900" indent="-342900" algn="l">
+              <a:buClr>
+                <a:srgbClr val="0070C0"/>
+              </a:buClr>
+              <a:buSzPct val="80000"/>
+              <a:buFont typeface="Wingdings" pitchFamily="2" charset="2"/>
+              <a:buChar char="u"/>
+            </a:pPr>
+            <a:r>
+              <a:rPr lang="en-US" altLang="zh-TW" sz="1800" b="1" dirty="0">
+                <a:solidFill>
+                  <a:schemeClr val="tx1"/>
+                </a:solidFill>
+                <a:latin typeface="+mj-lt"/>
+              </a:rPr>
+              <a:t>GraphQL is a strong typed language. </a:t>
+            </a:r>
+          </a:p>
+          <a:p>
+            <a:pPr marL="342900" indent="-342900" algn="l">
+              <a:buClr>
+                <a:srgbClr val="0070C0"/>
+              </a:buClr>
+              <a:buSzPct val="80000"/>
+              <a:buFont typeface="Wingdings" pitchFamily="2" charset="2"/>
+              <a:buChar char="u"/>
+            </a:pPr>
+            <a:r>
+              <a:rPr lang="en-US" sz="1800" b="1" i="0" dirty="0">
+                <a:solidFill>
+                  <a:srgbClr val="000000"/>
+                </a:solidFill>
+                <a:effectLst/>
+                <a:latin typeface="+mj-lt"/>
+              </a:rPr>
+              <a:t>The commonly used GraphQL data types are as follows:</a:t>
+            </a:r>
+            <a:endParaRPr lang="en-US" altLang="zh-TW" sz="1800" b="1" dirty="0">
+              <a:solidFill>
+                <a:schemeClr val="tx1"/>
+              </a:solidFill>
+              <a:latin typeface="+mj-lt"/>
+            </a:endParaRPr>
+          </a:p>
+        </p:txBody>
+      </p:sp>
+      <p:sp>
+        <p:nvSpPr>
+          <p:cNvPr id="4" name="標題 1"/>
+          <p:cNvSpPr txBox="1">
+            <a:spLocks/>
+          </p:cNvSpPr>
+          <p:nvPr/>
+        </p:nvSpPr>
+        <p:spPr>
+          <a:xfrm>
+            <a:off x="0" y="764704"/>
+            <a:ext cx="9144000" cy="398616"/>
+          </a:xfrm>
+          <a:prstGeom prst="rect">
+            <a:avLst/>
+          </a:prstGeom>
+          <a:gradFill flip="none" rotWithShape="1">
+            <a:gsLst>
+              <a:gs pos="0">
+                <a:srgbClr val="00B0F0">
+                  <a:shade val="30000"/>
+                  <a:satMod val="115000"/>
+                </a:srgbClr>
+              </a:gs>
+              <a:gs pos="50000">
+                <a:srgbClr val="00B0F0">
+                  <a:shade val="67500"/>
+                  <a:satMod val="115000"/>
+                </a:srgbClr>
+              </a:gs>
+              <a:gs pos="100000">
+                <a:srgbClr val="00B0F0">
+                  <a:shade val="100000"/>
+                  <a:satMod val="115000"/>
+                </a:srgbClr>
+              </a:gs>
+            </a:gsLst>
+            <a:path path="circle">
+              <a:fillToRect t="100000" r="100000"/>
+            </a:path>
+            <a:tileRect l="-100000" b="-100000"/>
+          </a:gradFill>
+        </p:spPr>
+        <p:txBody>
+          <a:bodyPr vert="horz" lIns="91440" tIns="45720" rIns="91440" bIns="45720" rtlCol="0" anchor="ctr">
+            <a:normAutofit/>
+          </a:bodyPr>
+          <a:lstStyle/>
+          <a:p>
+            <a:r>
+              <a:rPr lang="en-US" sz="1600" dirty="0">
+                <a:hlinkClick r:id="rId2"/>
+              </a:rPr>
+              <a:t>https://www.tutorialspoint.com/graphql/graphql_type_system.htm</a:t>
+            </a:r>
+            <a:endParaRPr lang="en-US" altLang="zh-TW" sz="1600" b="1" i="1" dirty="0"/>
+          </a:p>
+        </p:txBody>
+      </p:sp>
+      <p:sp>
+        <p:nvSpPr>
+          <p:cNvPr id="5" name="日期版面配置區 4"/>
+          <p:cNvSpPr>
+            <a:spLocks noGrp="1"/>
+          </p:cNvSpPr>
+          <p:nvPr>
+            <p:ph type="dt" sz="half" idx="10"/>
+          </p:nvPr>
+        </p:nvSpPr>
+        <p:spPr>
+          <a:xfrm>
+            <a:off x="457200" y="6356350"/>
+            <a:ext cx="2133600" cy="404246"/>
+          </a:xfrm>
+        </p:spPr>
+        <p:txBody>
+          <a:bodyPr/>
+          <a:lstStyle/>
+          <a:p>
+            <a:fld id="{A4F910E6-8D00-4BAF-8C48-9688E0B449D3}" type="datetime1">
+              <a:rPr lang="zh-TW" altLang="en-US" smtClean="0"/>
+              <a:pPr/>
+              <a:t>2020/10/6</a:t>
+            </a:fld>
+            <a:endParaRPr lang="zh-TW" altLang="en-US"/>
+          </a:p>
+        </p:txBody>
+      </p:sp>
+      <p:sp>
+        <p:nvSpPr>
+          <p:cNvPr id="6" name="投影片編號版面配置區 5"/>
+          <p:cNvSpPr>
+            <a:spLocks noGrp="1"/>
+          </p:cNvSpPr>
+          <p:nvPr>
+            <p:ph type="sldNum" sz="quarter" idx="12"/>
+          </p:nvPr>
+        </p:nvSpPr>
+        <p:spPr>
+          <a:xfrm>
+            <a:off x="6553200" y="6356350"/>
+            <a:ext cx="2133600" cy="404246"/>
+          </a:xfrm>
+        </p:spPr>
         <p:txBody>
           <a:bodyPr/>
           <a:lstStyle/>
@@ -4113,7 +7918,2499 @@
           </a:p>
         </p:txBody>
       </p:sp>
+      <p:graphicFrame>
+        <p:nvGraphicFramePr>
+          <p:cNvPr id="7" name="Table 7">
+            <a:extLst>
+              <a:ext uri="{FF2B5EF4-FFF2-40B4-BE49-F238E27FC236}">
+                <a16:creationId xmlns:a16="http://schemas.microsoft.com/office/drawing/2014/main" id="{69010C88-DBC1-4EE4-BE9C-26EB50DAA8B6}"/>
+              </a:ext>
+            </a:extLst>
+          </p:cNvPr>
+          <p:cNvGraphicFramePr>
+            <a:graphicFrameLocks noGrp="1"/>
+          </p:cNvGraphicFramePr>
+          <p:nvPr>
+            <p:extLst>
+              <p:ext uri="{D42A27DB-BD31-4B8C-83A1-F6EECF244321}">
+                <p14:modId xmlns:p14="http://schemas.microsoft.com/office/powerpoint/2010/main" val="1859048518"/>
+              </p:ext>
+            </p:extLst>
+          </p:nvPr>
+        </p:nvGraphicFramePr>
+        <p:xfrm>
+          <a:off x="457200" y="2069475"/>
+          <a:ext cx="8329544" cy="4206240"/>
+        </p:xfrm>
+        <a:graphic>
+          <a:graphicData uri="http://schemas.openxmlformats.org/drawingml/2006/table">
+            <a:tbl>
+              <a:tblPr firstRow="1" bandRow="1">
+                <a:tableStyleId>{5C22544A-7EE6-4342-B048-85BDC9FD1C3A}</a:tableStyleId>
+              </a:tblPr>
+              <a:tblGrid>
+                <a:gridCol w="477838">
+                  <a:extLst>
+                    <a:ext uri="{9D8B030D-6E8A-4147-A177-3AD203B41FA5}">
+                      <a16:colId xmlns:a16="http://schemas.microsoft.com/office/drawing/2014/main" val="2021871147"/>
+                    </a:ext>
+                  </a:extLst>
+                </a:gridCol>
+                <a:gridCol w="7851706">
+                  <a:extLst>
+                    <a:ext uri="{9D8B030D-6E8A-4147-A177-3AD203B41FA5}">
+                      <a16:colId xmlns:a16="http://schemas.microsoft.com/office/drawing/2014/main" val="3105828417"/>
+                    </a:ext>
+                  </a:extLst>
+                </a:gridCol>
+              </a:tblGrid>
+              <a:tr h="370840">
+                <a:tc>
+                  <a:txBody>
+                    <a:bodyPr/>
+                    <a:lstStyle/>
+                    <a:p>
+                      <a:pPr algn="ctr" fontAlgn="t"/>
+                      <a:r>
+                        <a:rPr lang="en-US" dirty="0">
+                          <a:effectLst/>
+                        </a:rPr>
+                        <a:t>No</a:t>
+                      </a:r>
+                    </a:p>
+                  </a:txBody>
+                  <a:tcPr marL="76200" marR="76200" marT="76200" marB="76200"/>
+                </a:tc>
+                <a:tc>
+                  <a:txBody>
+                    <a:bodyPr/>
+                    <a:lstStyle/>
+                    <a:p>
+                      <a:pPr algn="ctr" fontAlgn="t"/>
+                      <a:r>
+                        <a:rPr lang="en-US" dirty="0">
+                          <a:effectLst/>
+                        </a:rPr>
+                        <a:t>Types &amp; Description</a:t>
+                      </a:r>
+                    </a:p>
+                  </a:txBody>
+                  <a:tcPr marL="76200" marR="76200" marT="76200" marB="76200"/>
+                </a:tc>
+                <a:extLst>
+                  <a:ext uri="{0D108BD9-81ED-4DB2-BD59-A6C34878D82A}">
+                    <a16:rowId xmlns:a16="http://schemas.microsoft.com/office/drawing/2014/main" val="3883682781"/>
+                  </a:ext>
+                </a:extLst>
+              </a:tr>
+              <a:tr h="370840">
+                <a:tc>
+                  <a:txBody>
+                    <a:bodyPr/>
+                    <a:lstStyle/>
+                    <a:p>
+                      <a:pPr fontAlgn="t"/>
+                      <a:r>
+                        <a:rPr lang="en-US">
+                          <a:effectLst/>
+                        </a:rPr>
+                        <a:t>1</a:t>
+                      </a:r>
+                    </a:p>
+                  </a:txBody>
+                  <a:tcPr marL="76200" marR="76200" marT="76200" marB="76200"/>
+                </a:tc>
+                <a:tc>
+                  <a:txBody>
+                    <a:bodyPr/>
+                    <a:lstStyle/>
+                    <a:p>
+                      <a:pPr algn="just" fontAlgn="t"/>
+                      <a:r>
+                        <a:rPr lang="en-US" b="1">
+                          <a:solidFill>
+                            <a:srgbClr val="000000"/>
+                          </a:solidFill>
+                          <a:effectLst/>
+                        </a:rPr>
+                        <a:t>Scalar</a:t>
+                      </a:r>
+                      <a:endParaRPr lang="en-US">
+                        <a:solidFill>
+                          <a:srgbClr val="000000"/>
+                        </a:solidFill>
+                        <a:effectLst/>
+                      </a:endParaRPr>
+                    </a:p>
+                    <a:p>
+                      <a:pPr algn="just" fontAlgn="t"/>
+                      <a:r>
+                        <a:rPr lang="en-US">
+                          <a:solidFill>
+                            <a:srgbClr val="000000"/>
+                          </a:solidFill>
+                          <a:effectLst/>
+                        </a:rPr>
+                        <a:t>Stores a single value</a:t>
+                      </a:r>
+                    </a:p>
+                  </a:txBody>
+                  <a:tcPr marL="76200" marR="76200" marT="76200" marB="76200"/>
+                </a:tc>
+                <a:extLst>
+                  <a:ext uri="{0D108BD9-81ED-4DB2-BD59-A6C34878D82A}">
+                    <a16:rowId xmlns:a16="http://schemas.microsoft.com/office/drawing/2014/main" val="393931636"/>
+                  </a:ext>
+                </a:extLst>
+              </a:tr>
+              <a:tr h="370840">
+                <a:tc>
+                  <a:txBody>
+                    <a:bodyPr/>
+                    <a:lstStyle/>
+                    <a:p>
+                      <a:pPr fontAlgn="t"/>
+                      <a:r>
+                        <a:rPr lang="en-US">
+                          <a:effectLst/>
+                        </a:rPr>
+                        <a:t>2</a:t>
+                      </a:r>
+                    </a:p>
+                  </a:txBody>
+                  <a:tcPr marL="76200" marR="76200" marT="76200" marB="76200"/>
+                </a:tc>
+                <a:tc>
+                  <a:txBody>
+                    <a:bodyPr/>
+                    <a:lstStyle/>
+                    <a:p>
+                      <a:pPr algn="just" fontAlgn="t"/>
+                      <a:r>
+                        <a:rPr lang="en-US" b="1">
+                          <a:solidFill>
+                            <a:srgbClr val="000000"/>
+                          </a:solidFill>
+                          <a:effectLst/>
+                        </a:rPr>
+                        <a:t>Object</a:t>
+                      </a:r>
+                      <a:endParaRPr lang="en-US">
+                        <a:solidFill>
+                          <a:srgbClr val="000000"/>
+                        </a:solidFill>
+                        <a:effectLst/>
+                      </a:endParaRPr>
+                    </a:p>
+                    <a:p>
+                      <a:pPr algn="just" fontAlgn="t"/>
+                      <a:r>
+                        <a:rPr lang="en-US">
+                          <a:solidFill>
+                            <a:srgbClr val="000000"/>
+                          </a:solidFill>
+                          <a:effectLst/>
+                        </a:rPr>
+                        <a:t>Shows what kind of object can be fetched</a:t>
+                      </a:r>
+                    </a:p>
+                  </a:txBody>
+                  <a:tcPr marL="76200" marR="76200" marT="76200" marB="76200"/>
+                </a:tc>
+                <a:extLst>
+                  <a:ext uri="{0D108BD9-81ED-4DB2-BD59-A6C34878D82A}">
+                    <a16:rowId xmlns:a16="http://schemas.microsoft.com/office/drawing/2014/main" val="1546558584"/>
+                  </a:ext>
+                </a:extLst>
+              </a:tr>
+              <a:tr h="370840">
+                <a:tc>
+                  <a:txBody>
+                    <a:bodyPr/>
+                    <a:lstStyle/>
+                    <a:p>
+                      <a:pPr fontAlgn="t"/>
+                      <a:r>
+                        <a:rPr lang="en-US">
+                          <a:effectLst/>
+                        </a:rPr>
+                        <a:t>3</a:t>
+                      </a:r>
+                    </a:p>
+                  </a:txBody>
+                  <a:tcPr marL="76200" marR="76200" marT="76200" marB="76200"/>
+                </a:tc>
+                <a:tc>
+                  <a:txBody>
+                    <a:bodyPr/>
+                    <a:lstStyle/>
+                    <a:p>
+                      <a:pPr algn="just" fontAlgn="t"/>
+                      <a:r>
+                        <a:rPr lang="en-US" b="1">
+                          <a:solidFill>
+                            <a:srgbClr val="000000"/>
+                          </a:solidFill>
+                          <a:effectLst/>
+                        </a:rPr>
+                        <a:t>Query</a:t>
+                      </a:r>
+                      <a:endParaRPr lang="en-US">
+                        <a:solidFill>
+                          <a:srgbClr val="000000"/>
+                        </a:solidFill>
+                        <a:effectLst/>
+                      </a:endParaRPr>
+                    </a:p>
+                    <a:p>
+                      <a:pPr algn="just" fontAlgn="t"/>
+                      <a:r>
+                        <a:rPr lang="en-US">
+                          <a:solidFill>
+                            <a:srgbClr val="000000"/>
+                          </a:solidFill>
+                          <a:effectLst/>
+                        </a:rPr>
+                        <a:t>Entry point type to other specific types</a:t>
+                      </a:r>
+                    </a:p>
+                  </a:txBody>
+                  <a:tcPr marL="76200" marR="76200" marT="76200" marB="76200"/>
+                </a:tc>
+                <a:extLst>
+                  <a:ext uri="{0D108BD9-81ED-4DB2-BD59-A6C34878D82A}">
+                    <a16:rowId xmlns:a16="http://schemas.microsoft.com/office/drawing/2014/main" val="4032174202"/>
+                  </a:ext>
+                </a:extLst>
+              </a:tr>
+              <a:tr h="370840">
+                <a:tc>
+                  <a:txBody>
+                    <a:bodyPr/>
+                    <a:lstStyle/>
+                    <a:p>
+                      <a:pPr fontAlgn="t"/>
+                      <a:r>
+                        <a:rPr lang="en-US">
+                          <a:effectLst/>
+                        </a:rPr>
+                        <a:t>4</a:t>
+                      </a:r>
+                    </a:p>
+                  </a:txBody>
+                  <a:tcPr marL="76200" marR="76200" marT="76200" marB="76200"/>
+                </a:tc>
+                <a:tc>
+                  <a:txBody>
+                    <a:bodyPr/>
+                    <a:lstStyle/>
+                    <a:p>
+                      <a:pPr algn="just" fontAlgn="t"/>
+                      <a:r>
+                        <a:rPr lang="en-US" b="1">
+                          <a:solidFill>
+                            <a:srgbClr val="000000"/>
+                          </a:solidFill>
+                          <a:effectLst/>
+                        </a:rPr>
+                        <a:t>Mutation</a:t>
+                      </a:r>
+                      <a:endParaRPr lang="en-US">
+                        <a:solidFill>
+                          <a:srgbClr val="000000"/>
+                        </a:solidFill>
+                        <a:effectLst/>
+                      </a:endParaRPr>
+                    </a:p>
+                    <a:p>
+                      <a:pPr algn="just" fontAlgn="t"/>
+                      <a:r>
+                        <a:rPr lang="en-US">
+                          <a:solidFill>
+                            <a:srgbClr val="000000"/>
+                          </a:solidFill>
+                          <a:effectLst/>
+                        </a:rPr>
+                        <a:t>Entry point for data manipulation</a:t>
+                      </a:r>
+                    </a:p>
+                  </a:txBody>
+                  <a:tcPr marL="76200" marR="76200" marT="76200" marB="76200"/>
+                </a:tc>
+                <a:extLst>
+                  <a:ext uri="{0D108BD9-81ED-4DB2-BD59-A6C34878D82A}">
+                    <a16:rowId xmlns:a16="http://schemas.microsoft.com/office/drawing/2014/main" val="122239494"/>
+                  </a:ext>
+                </a:extLst>
+              </a:tr>
+              <a:tr h="370840">
+                <a:tc>
+                  <a:txBody>
+                    <a:bodyPr/>
+                    <a:lstStyle/>
+                    <a:p>
+                      <a:pPr fontAlgn="t"/>
+                      <a:r>
+                        <a:rPr lang="en-US">
+                          <a:effectLst/>
+                        </a:rPr>
+                        <a:t>5</a:t>
+                      </a:r>
+                    </a:p>
+                  </a:txBody>
+                  <a:tcPr marL="76200" marR="76200" marT="76200" marB="76200"/>
+                </a:tc>
+                <a:tc>
+                  <a:txBody>
+                    <a:bodyPr/>
+                    <a:lstStyle/>
+                    <a:p>
+                      <a:pPr algn="just" fontAlgn="t"/>
+                      <a:r>
+                        <a:rPr lang="en-US" b="1" dirty="0">
+                          <a:solidFill>
+                            <a:srgbClr val="000000"/>
+                          </a:solidFill>
+                          <a:effectLst/>
+                        </a:rPr>
+                        <a:t>Enum</a:t>
+                      </a:r>
+                      <a:endParaRPr lang="en-US" dirty="0">
+                        <a:solidFill>
+                          <a:srgbClr val="000000"/>
+                        </a:solidFill>
+                        <a:effectLst/>
+                      </a:endParaRPr>
+                    </a:p>
+                    <a:p>
+                      <a:pPr algn="just" fontAlgn="t"/>
+                      <a:r>
+                        <a:rPr lang="en-US" dirty="0">
+                          <a:solidFill>
+                            <a:srgbClr val="000000"/>
+                          </a:solidFill>
+                          <a:effectLst/>
+                        </a:rPr>
+                        <a:t>Useful in a situation where you need the user to pick from a prescribed list of options</a:t>
+                      </a:r>
+                    </a:p>
+                  </a:txBody>
+                  <a:tcPr marL="76200" marR="76200" marT="76200" marB="76200"/>
+                </a:tc>
+                <a:extLst>
+                  <a:ext uri="{0D108BD9-81ED-4DB2-BD59-A6C34878D82A}">
+                    <a16:rowId xmlns:a16="http://schemas.microsoft.com/office/drawing/2014/main" val="347037795"/>
+                  </a:ext>
+                </a:extLst>
+              </a:tr>
+            </a:tbl>
+          </a:graphicData>
+        </a:graphic>
+      </p:graphicFrame>
     </p:spTree>
+    <p:extLst>
+      <p:ext uri="{BB962C8B-B14F-4D97-AF65-F5344CB8AC3E}">
+        <p14:creationId xmlns:p14="http://schemas.microsoft.com/office/powerpoint/2010/main" val="9695257"/>
+      </p:ext>
+    </p:extLst>
+  </p:cSld>
+  <p:clrMapOvr>
+    <a:masterClrMapping/>
+  </p:clrMapOvr>
+</p:sld>
+</file>
+
+<file path=ppt/slides/slide4.xml><?xml version="1.0" encoding="utf-8"?>
+<p:sld xmlns:a="http://schemas.openxmlformats.org/drawingml/2006/main" xmlns:r="http://schemas.openxmlformats.org/officeDocument/2006/relationships" xmlns:p="http://schemas.openxmlformats.org/presentationml/2006/main">
+  <p:cSld>
+    <p:spTree>
+      <p:nvGrpSpPr>
+        <p:cNvPr id="1" name=""/>
+        <p:cNvGrpSpPr/>
+        <p:nvPr/>
+      </p:nvGrpSpPr>
+      <p:grpSpPr>
+        <a:xfrm>
+          <a:off x="0" y="0"/>
+          <a:ext cx="0" cy="0"/>
+          <a:chOff x="0" y="0"/>
+          <a:chExt cx="0" cy="0"/>
+        </a:xfrm>
+      </p:grpSpPr>
+      <p:sp>
+        <p:nvSpPr>
+          <p:cNvPr id="2" name="標題 1"/>
+          <p:cNvSpPr>
+            <a:spLocks noGrp="1"/>
+          </p:cNvSpPr>
+          <p:nvPr>
+            <p:ph type="ctrTitle"/>
+          </p:nvPr>
+        </p:nvSpPr>
+        <p:spPr>
+          <a:xfrm>
+            <a:off x="0" y="2130425"/>
+            <a:ext cx="9144000" cy="1470025"/>
+          </a:xfrm>
+          <a:solidFill>
+            <a:srgbClr val="00B0F0"/>
+          </a:solidFill>
+        </p:spPr>
+        <p:txBody>
+          <a:bodyPr>
+            <a:normAutofit/>
+          </a:bodyPr>
+          <a:lstStyle/>
+          <a:p>
+            <a:r>
+              <a:rPr lang="en-US" altLang="zh-TW" sz="4800" b="1" dirty="0">
+                <a:solidFill>
+                  <a:srgbClr val="FFFF00"/>
+                </a:solidFill>
+              </a:rPr>
+              <a:t>7.1 Scalar Type</a:t>
+            </a:r>
+            <a:endParaRPr lang="zh-TW" altLang="en-US" sz="4800" b="1" dirty="0">
+              <a:solidFill>
+                <a:srgbClr val="FFFF00"/>
+              </a:solidFill>
+            </a:endParaRPr>
+          </a:p>
+        </p:txBody>
+      </p:sp>
+      <p:sp>
+        <p:nvSpPr>
+          <p:cNvPr id="5" name="日期版面配置區 4"/>
+          <p:cNvSpPr>
+            <a:spLocks noGrp="1"/>
+          </p:cNvSpPr>
+          <p:nvPr>
+            <p:ph type="dt" sz="half" idx="10"/>
+          </p:nvPr>
+        </p:nvSpPr>
+        <p:spPr/>
+        <p:txBody>
+          <a:bodyPr/>
+          <a:lstStyle/>
+          <a:p>
+            <a:fld id="{C389EDC9-19E3-47AC-9C57-C6A24DEA81AD}" type="datetime1">
+              <a:rPr lang="zh-TW" altLang="en-US" smtClean="0"/>
+              <a:pPr/>
+              <a:t>2020/10/6</a:t>
+            </a:fld>
+            <a:endParaRPr lang="zh-TW" altLang="en-US"/>
+          </a:p>
+        </p:txBody>
+      </p:sp>
+      <p:sp>
+        <p:nvSpPr>
+          <p:cNvPr id="6" name="投影片編號版面配置區 5"/>
+          <p:cNvSpPr>
+            <a:spLocks noGrp="1"/>
+          </p:cNvSpPr>
+          <p:nvPr>
+            <p:ph type="sldNum" sz="quarter" idx="12"/>
+          </p:nvPr>
+        </p:nvSpPr>
+        <p:spPr/>
+        <p:txBody>
+          <a:bodyPr/>
+          <a:lstStyle/>
+          <a:p>
+            <a:fld id="{E4D7E63D-91F2-4366-A2C4-1B00C9E2590E}" type="slidenum">
+              <a:rPr lang="zh-TW" altLang="en-US" smtClean="0"/>
+              <a:pPr/>
+              <a:t>4</a:t>
+            </a:fld>
+            <a:endParaRPr lang="zh-TW" altLang="en-US"/>
+          </a:p>
+        </p:txBody>
+      </p:sp>
+      <p:pic>
+        <p:nvPicPr>
+          <p:cNvPr id="4" name="Picture 3">
+            <a:extLst>
+              <a:ext uri="{FF2B5EF4-FFF2-40B4-BE49-F238E27FC236}">
+                <a16:creationId xmlns:a16="http://schemas.microsoft.com/office/drawing/2014/main" id="{1DAA86DC-1C5B-4F2C-B64A-CA9753905B48}"/>
+              </a:ext>
+            </a:extLst>
+          </p:cNvPr>
+          <p:cNvPicPr>
+            <a:picLocks noChangeAspect="1"/>
+          </p:cNvPicPr>
+          <p:nvPr/>
+        </p:nvPicPr>
+        <p:blipFill>
+          <a:blip r:embed="rId2"/>
+          <a:stretch>
+            <a:fillRect/>
+          </a:stretch>
+        </p:blipFill>
+        <p:spPr>
+          <a:xfrm>
+            <a:off x="4211961" y="3766415"/>
+            <a:ext cx="648072" cy="718771"/>
+          </a:xfrm>
+          <a:prstGeom prst="rect">
+            <a:avLst/>
+          </a:prstGeom>
+        </p:spPr>
+      </p:pic>
+    </p:spTree>
+    <p:extLst>
+      <p:ext uri="{BB962C8B-B14F-4D97-AF65-F5344CB8AC3E}">
+        <p14:creationId xmlns:p14="http://schemas.microsoft.com/office/powerpoint/2010/main" val="1152248825"/>
+      </p:ext>
+    </p:extLst>
+  </p:cSld>
+  <p:clrMapOvr>
+    <a:masterClrMapping/>
+  </p:clrMapOvr>
+</p:sld>
+</file>
+
+<file path=ppt/slides/slide5.xml><?xml version="1.0" encoding="utf-8"?>
+<p:sld xmlns:a="http://schemas.openxmlformats.org/drawingml/2006/main" xmlns:r="http://schemas.openxmlformats.org/officeDocument/2006/relationships" xmlns:p="http://schemas.openxmlformats.org/presentationml/2006/main">
+  <p:cSld>
+    <p:spTree>
+      <p:nvGrpSpPr>
+        <p:cNvPr id="1" name=""/>
+        <p:cNvGrpSpPr/>
+        <p:nvPr/>
+      </p:nvGrpSpPr>
+      <p:grpSpPr>
+        <a:xfrm>
+          <a:off x="0" y="0"/>
+          <a:ext cx="0" cy="0"/>
+          <a:chOff x="0" y="0"/>
+          <a:chExt cx="0" cy="0"/>
+        </a:xfrm>
+      </p:grpSpPr>
+      <p:sp>
+        <p:nvSpPr>
+          <p:cNvPr id="2" name="標題 1"/>
+          <p:cNvSpPr>
+            <a:spLocks noGrp="1"/>
+          </p:cNvSpPr>
+          <p:nvPr>
+            <p:ph type="ctrTitle"/>
+          </p:nvPr>
+        </p:nvSpPr>
+        <p:spPr>
+          <a:xfrm>
+            <a:off x="0" y="1"/>
+            <a:ext cx="9144000" cy="764704"/>
+          </a:xfrm>
+          <a:gradFill flip="none" rotWithShape="1">
+            <a:gsLst>
+              <a:gs pos="0">
+                <a:srgbClr val="C00000">
+                  <a:shade val="30000"/>
+                  <a:satMod val="115000"/>
+                </a:srgbClr>
+              </a:gs>
+              <a:gs pos="50000">
+                <a:srgbClr val="C00000">
+                  <a:shade val="67500"/>
+                  <a:satMod val="115000"/>
+                </a:srgbClr>
+              </a:gs>
+              <a:gs pos="100000">
+                <a:srgbClr val="C00000">
+                  <a:shade val="100000"/>
+                  <a:satMod val="115000"/>
+                </a:srgbClr>
+              </a:gs>
+            </a:gsLst>
+            <a:path path="circle">
+              <a:fillToRect t="100000" r="100000"/>
+            </a:path>
+            <a:tileRect l="-100000" b="-100000"/>
+          </a:gradFill>
+        </p:spPr>
+        <p:txBody>
+          <a:bodyPr>
+            <a:normAutofit/>
+          </a:bodyPr>
+          <a:lstStyle/>
+          <a:p>
+            <a:pPr algn="l"/>
+            <a:r>
+              <a:rPr lang="en-US" altLang="zh-TW" b="1" dirty="0">
+                <a:solidFill>
+                  <a:srgbClr val="FFFF00"/>
+                </a:solidFill>
+              </a:rPr>
+              <a:t>7.1 Scalar Type</a:t>
+            </a:r>
+            <a:endParaRPr lang="zh-TW" altLang="en-US" b="1" dirty="0">
+              <a:solidFill>
+                <a:srgbClr val="FFFF00"/>
+              </a:solidFill>
+            </a:endParaRPr>
+          </a:p>
+        </p:txBody>
+      </p:sp>
+      <p:sp>
+        <p:nvSpPr>
+          <p:cNvPr id="3" name="副標題 2"/>
+          <p:cNvSpPr>
+            <a:spLocks noGrp="1"/>
+          </p:cNvSpPr>
+          <p:nvPr>
+            <p:ph type="subTitle" idx="1"/>
+          </p:nvPr>
+        </p:nvSpPr>
+        <p:spPr>
+          <a:xfrm>
+            <a:off x="467544" y="1340768"/>
+            <a:ext cx="8352928" cy="3312368"/>
+          </a:xfrm>
+          <a:ln>
+            <a:solidFill>
+              <a:srgbClr val="C00000"/>
+            </a:solidFill>
+          </a:ln>
+        </p:spPr>
+        <p:txBody>
+          <a:bodyPr>
+            <a:noAutofit/>
+          </a:bodyPr>
+          <a:lstStyle/>
+          <a:p>
+            <a:pPr marL="342900" indent="-342900" algn="l">
+              <a:buClr>
+                <a:srgbClr val="0070C0"/>
+              </a:buClr>
+              <a:buSzPct val="80000"/>
+              <a:buFont typeface="Wingdings" pitchFamily="2" charset="2"/>
+              <a:buChar char="u"/>
+            </a:pPr>
+            <a:r>
+              <a:rPr lang="en-US" altLang="zh-TW" sz="1800" b="1" dirty="0">
+                <a:solidFill>
+                  <a:schemeClr val="tx1"/>
+                </a:solidFill>
+              </a:rPr>
+              <a:t>GraphQL is a strong typed language. </a:t>
+            </a:r>
+          </a:p>
+          <a:p>
+            <a:pPr marL="342900" indent="-342900" algn="l">
+              <a:buClr>
+                <a:srgbClr val="0070C0"/>
+              </a:buClr>
+              <a:buSzPct val="80000"/>
+              <a:buFont typeface="Wingdings" pitchFamily="2" charset="2"/>
+              <a:buChar char="u"/>
+            </a:pPr>
+            <a:r>
+              <a:rPr lang="en-US" sz="1800" b="1" i="0" dirty="0">
+                <a:solidFill>
+                  <a:srgbClr val="000000"/>
+                </a:solidFill>
+                <a:effectLst/>
+              </a:rPr>
+              <a:t>Scalar types are primitive data types that can store only a single value. The default scalar types that GraphQL offers are:</a:t>
+            </a:r>
+          </a:p>
+          <a:p>
+            <a:pPr marL="342900" indent="-342900" algn="l">
+              <a:buClr>
+                <a:srgbClr val="0070C0"/>
+              </a:buClr>
+              <a:buSzPct val="80000"/>
+              <a:buFont typeface="Wingdings" pitchFamily="2" charset="2"/>
+              <a:buChar char="u"/>
+            </a:pPr>
+            <a:r>
+              <a:rPr lang="en-US" sz="1800" b="1" i="0" dirty="0">
+                <a:solidFill>
+                  <a:srgbClr val="000000"/>
+                </a:solidFill>
+                <a:effectLst/>
+              </a:rPr>
+              <a:t>Int − Signed 32-bit Integer</a:t>
+            </a:r>
+          </a:p>
+          <a:p>
+            <a:pPr marL="342900" indent="-342900" algn="l">
+              <a:buClr>
+                <a:srgbClr val="0070C0"/>
+              </a:buClr>
+              <a:buSzPct val="80000"/>
+              <a:buFont typeface="Wingdings" pitchFamily="2" charset="2"/>
+              <a:buChar char="u"/>
+            </a:pPr>
+            <a:r>
+              <a:rPr lang="en-US" sz="1800" b="1" i="0" dirty="0">
+                <a:solidFill>
+                  <a:srgbClr val="000000"/>
+                </a:solidFill>
+                <a:effectLst/>
+              </a:rPr>
+              <a:t>Float − Signed double precision floating point value</a:t>
+            </a:r>
+          </a:p>
+          <a:p>
+            <a:pPr marL="342900" indent="-342900" algn="l">
+              <a:buClr>
+                <a:srgbClr val="0070C0"/>
+              </a:buClr>
+              <a:buSzPct val="80000"/>
+              <a:buFont typeface="Wingdings" pitchFamily="2" charset="2"/>
+              <a:buChar char="u"/>
+            </a:pPr>
+            <a:r>
+              <a:rPr lang="en-US" sz="1800" b="1" i="0" dirty="0">
+                <a:solidFill>
+                  <a:srgbClr val="000000"/>
+                </a:solidFill>
+                <a:effectLst/>
+              </a:rPr>
+              <a:t>String − UTF - 8-character sequence</a:t>
+            </a:r>
+          </a:p>
+          <a:p>
+            <a:pPr marL="342900" indent="-342900" algn="l">
+              <a:buClr>
+                <a:srgbClr val="0070C0"/>
+              </a:buClr>
+              <a:buSzPct val="80000"/>
+              <a:buFont typeface="Wingdings" pitchFamily="2" charset="2"/>
+              <a:buChar char="u"/>
+            </a:pPr>
+            <a:r>
+              <a:rPr lang="en-US" sz="1800" b="1" i="0" dirty="0">
+                <a:solidFill>
+                  <a:srgbClr val="000000"/>
+                </a:solidFill>
+                <a:effectLst/>
+              </a:rPr>
+              <a:t>Boolean − True or false</a:t>
+            </a:r>
+          </a:p>
+          <a:p>
+            <a:pPr marL="342900" indent="-342900" algn="l">
+              <a:buClr>
+                <a:srgbClr val="0070C0"/>
+              </a:buClr>
+              <a:buSzPct val="80000"/>
+              <a:buFont typeface="Wingdings" pitchFamily="2" charset="2"/>
+              <a:buChar char="u"/>
+            </a:pPr>
+            <a:r>
+              <a:rPr lang="en-US" sz="1800" b="1" i="0" dirty="0">
+                <a:solidFill>
+                  <a:srgbClr val="000000"/>
+                </a:solidFill>
+                <a:effectLst/>
+              </a:rPr>
+              <a:t>ID − A unique identifier, often used as a unique identifier to fetch an object or as the key for a cache.</a:t>
+            </a:r>
+          </a:p>
+          <a:p>
+            <a:pPr marL="342900" indent="-342900" algn="l">
+              <a:buClr>
+                <a:srgbClr val="0070C0"/>
+              </a:buClr>
+              <a:buSzPct val="80000"/>
+              <a:buFont typeface="Wingdings" pitchFamily="2" charset="2"/>
+              <a:buChar char="u"/>
+            </a:pPr>
+            <a:r>
+              <a:rPr lang="en-US" sz="1800" b="1" i="0" dirty="0">
+                <a:solidFill>
+                  <a:srgbClr val="000000"/>
+                </a:solidFill>
+                <a:effectLst/>
+              </a:rPr>
+              <a:t>The syntax for defining a scalar type is as follows </a:t>
+            </a:r>
+          </a:p>
+        </p:txBody>
+      </p:sp>
+      <p:sp>
+        <p:nvSpPr>
+          <p:cNvPr id="4" name="標題 1"/>
+          <p:cNvSpPr txBox="1">
+            <a:spLocks/>
+          </p:cNvSpPr>
+          <p:nvPr/>
+        </p:nvSpPr>
+        <p:spPr>
+          <a:xfrm>
+            <a:off x="0" y="764704"/>
+            <a:ext cx="9144000" cy="398616"/>
+          </a:xfrm>
+          <a:prstGeom prst="rect">
+            <a:avLst/>
+          </a:prstGeom>
+          <a:gradFill flip="none" rotWithShape="1">
+            <a:gsLst>
+              <a:gs pos="0">
+                <a:srgbClr val="00B0F0">
+                  <a:shade val="30000"/>
+                  <a:satMod val="115000"/>
+                </a:srgbClr>
+              </a:gs>
+              <a:gs pos="50000">
+                <a:srgbClr val="00B0F0">
+                  <a:shade val="67500"/>
+                  <a:satMod val="115000"/>
+                </a:srgbClr>
+              </a:gs>
+              <a:gs pos="100000">
+                <a:srgbClr val="00B0F0">
+                  <a:shade val="100000"/>
+                  <a:satMod val="115000"/>
+                </a:srgbClr>
+              </a:gs>
+            </a:gsLst>
+            <a:path path="circle">
+              <a:fillToRect t="100000" r="100000"/>
+            </a:path>
+            <a:tileRect l="-100000" b="-100000"/>
+          </a:gradFill>
+        </p:spPr>
+        <p:txBody>
+          <a:bodyPr vert="horz" lIns="91440" tIns="45720" rIns="91440" bIns="45720" rtlCol="0" anchor="ctr">
+            <a:normAutofit/>
+          </a:bodyPr>
+          <a:lstStyle/>
+          <a:p>
+            <a:r>
+              <a:rPr lang="en-US" sz="1600" dirty="0">
+                <a:hlinkClick r:id="rId2"/>
+              </a:rPr>
+              <a:t>https://www.tutorialspoint.com/graphql/graphql_type_system.htm</a:t>
+            </a:r>
+            <a:endParaRPr lang="en-US" altLang="zh-TW" sz="1600" b="1" i="1" dirty="0"/>
+          </a:p>
+        </p:txBody>
+      </p:sp>
+      <p:sp>
+        <p:nvSpPr>
+          <p:cNvPr id="5" name="日期版面配置區 4"/>
+          <p:cNvSpPr>
+            <a:spLocks noGrp="1"/>
+          </p:cNvSpPr>
+          <p:nvPr>
+            <p:ph type="dt" sz="half" idx="10"/>
+          </p:nvPr>
+        </p:nvSpPr>
+        <p:spPr>
+          <a:xfrm>
+            <a:off x="457200" y="6356350"/>
+            <a:ext cx="2133600" cy="404246"/>
+          </a:xfrm>
+        </p:spPr>
+        <p:txBody>
+          <a:bodyPr/>
+          <a:lstStyle/>
+          <a:p>
+            <a:fld id="{A4F910E6-8D00-4BAF-8C48-9688E0B449D3}" type="datetime1">
+              <a:rPr lang="zh-TW" altLang="en-US" smtClean="0"/>
+              <a:pPr/>
+              <a:t>2020/10/6</a:t>
+            </a:fld>
+            <a:endParaRPr lang="zh-TW" altLang="en-US"/>
+          </a:p>
+        </p:txBody>
+      </p:sp>
+      <p:sp>
+        <p:nvSpPr>
+          <p:cNvPr id="6" name="投影片編號版面配置區 5"/>
+          <p:cNvSpPr>
+            <a:spLocks noGrp="1"/>
+          </p:cNvSpPr>
+          <p:nvPr>
+            <p:ph type="sldNum" sz="quarter" idx="12"/>
+          </p:nvPr>
+        </p:nvSpPr>
+        <p:spPr>
+          <a:xfrm>
+            <a:off x="6553200" y="6356350"/>
+            <a:ext cx="2133600" cy="404246"/>
+          </a:xfrm>
+        </p:spPr>
+        <p:txBody>
+          <a:bodyPr/>
+          <a:lstStyle/>
+          <a:p>
+            <a:fld id="{E4D7E63D-91F2-4366-A2C4-1B00C9E2590E}" type="slidenum">
+              <a:rPr lang="zh-TW" altLang="en-US" smtClean="0"/>
+              <a:pPr/>
+              <a:t>5</a:t>
+            </a:fld>
+            <a:endParaRPr lang="zh-TW" altLang="en-US"/>
+          </a:p>
+        </p:txBody>
+      </p:sp>
+      <p:pic>
+        <p:nvPicPr>
+          <p:cNvPr id="8" name="Picture 7">
+            <a:extLst>
+              <a:ext uri="{FF2B5EF4-FFF2-40B4-BE49-F238E27FC236}">
+                <a16:creationId xmlns:a16="http://schemas.microsoft.com/office/drawing/2014/main" id="{E631DB2F-B105-4D8A-A847-1903F9CD9B32}"/>
+              </a:ext>
+            </a:extLst>
+          </p:cNvPr>
+          <p:cNvPicPr>
+            <a:picLocks noChangeAspect="1"/>
+          </p:cNvPicPr>
+          <p:nvPr/>
+        </p:nvPicPr>
+        <p:blipFill>
+          <a:blip r:embed="rId3"/>
+          <a:stretch>
+            <a:fillRect/>
+          </a:stretch>
+        </p:blipFill>
+        <p:spPr>
+          <a:xfrm>
+            <a:off x="1619672" y="4791456"/>
+            <a:ext cx="1409700" cy="266700"/>
+          </a:xfrm>
+          <a:prstGeom prst="rect">
+            <a:avLst/>
+          </a:prstGeom>
+          <a:ln>
+            <a:solidFill>
+              <a:srgbClr val="C00000"/>
+            </a:solidFill>
+          </a:ln>
+        </p:spPr>
+      </p:pic>
+      <p:sp>
+        <p:nvSpPr>
+          <p:cNvPr id="9" name="副標題 2">
+            <a:extLst>
+              <a:ext uri="{FF2B5EF4-FFF2-40B4-BE49-F238E27FC236}">
+                <a16:creationId xmlns:a16="http://schemas.microsoft.com/office/drawing/2014/main" id="{D8F89E3D-D39B-4FA5-84E2-0F74039035BD}"/>
+              </a:ext>
+            </a:extLst>
+          </p:cNvPr>
+          <p:cNvSpPr txBox="1">
+            <a:spLocks/>
+          </p:cNvSpPr>
+          <p:nvPr/>
+        </p:nvSpPr>
+        <p:spPr>
+          <a:xfrm>
+            <a:off x="449501" y="5267117"/>
+            <a:ext cx="8352928" cy="467045"/>
+          </a:xfrm>
+          <a:prstGeom prst="rect">
+            <a:avLst/>
+          </a:prstGeom>
+          <a:ln>
+            <a:solidFill>
+              <a:srgbClr val="C00000"/>
+            </a:solidFill>
+          </a:ln>
+        </p:spPr>
+        <p:txBody>
+          <a:bodyPr vert="horz" lIns="91440" tIns="45720" rIns="91440" bIns="45720" rtlCol="0">
+            <a:noAutofit/>
+          </a:bodyPr>
+          <a:lstStyle>
+            <a:lvl1pPr marL="0" indent="0" algn="ctr" defTabSz="914400" rtl="0" eaLnBrk="1" latinLnBrk="0" hangingPunct="1">
+              <a:spcBef>
+                <a:spcPct val="20000"/>
+              </a:spcBef>
+              <a:buFont typeface="Arial" pitchFamily="34" charset="0"/>
+              <a:buNone/>
+              <a:defRPr sz="3200" kern="1200">
+                <a:solidFill>
+                  <a:schemeClr val="tx1">
+                    <a:tint val="75000"/>
+                  </a:schemeClr>
+                </a:solidFill>
+                <a:latin typeface="+mn-lt"/>
+                <a:ea typeface="+mn-ea"/>
+                <a:cs typeface="+mn-cs"/>
+              </a:defRPr>
+            </a:lvl1pPr>
+            <a:lvl2pPr marL="457200" indent="0" algn="ctr" defTabSz="914400" rtl="0" eaLnBrk="1" latinLnBrk="0" hangingPunct="1">
+              <a:spcBef>
+                <a:spcPct val="20000"/>
+              </a:spcBef>
+              <a:buFont typeface="Arial" pitchFamily="34" charset="0"/>
+              <a:buNone/>
+              <a:defRPr sz="2800" kern="1200">
+                <a:solidFill>
+                  <a:schemeClr val="tx1">
+                    <a:tint val="75000"/>
+                  </a:schemeClr>
+                </a:solidFill>
+                <a:latin typeface="+mn-lt"/>
+                <a:ea typeface="+mn-ea"/>
+                <a:cs typeface="+mn-cs"/>
+              </a:defRPr>
+            </a:lvl2pPr>
+            <a:lvl3pPr marL="914400" indent="0" algn="ctr" defTabSz="914400" rtl="0" eaLnBrk="1" latinLnBrk="0" hangingPunct="1">
+              <a:spcBef>
+                <a:spcPct val="20000"/>
+              </a:spcBef>
+              <a:buFont typeface="Arial" pitchFamily="34" charset="0"/>
+              <a:buNone/>
+              <a:defRPr sz="2400" kern="1200">
+                <a:solidFill>
+                  <a:schemeClr val="tx1">
+                    <a:tint val="75000"/>
+                  </a:schemeClr>
+                </a:solidFill>
+                <a:latin typeface="+mn-lt"/>
+                <a:ea typeface="+mn-ea"/>
+                <a:cs typeface="+mn-cs"/>
+              </a:defRPr>
+            </a:lvl3pPr>
+            <a:lvl4pPr marL="1371600" indent="0" algn="ctr" defTabSz="914400" rtl="0" eaLnBrk="1" latinLnBrk="0" hangingPunct="1">
+              <a:spcBef>
+                <a:spcPct val="20000"/>
+              </a:spcBef>
+              <a:buFont typeface="Arial" pitchFamily="34" charset="0"/>
+              <a:buNone/>
+              <a:defRPr sz="2000" kern="1200">
+                <a:solidFill>
+                  <a:schemeClr val="tx1">
+                    <a:tint val="75000"/>
+                  </a:schemeClr>
+                </a:solidFill>
+                <a:latin typeface="+mn-lt"/>
+                <a:ea typeface="+mn-ea"/>
+                <a:cs typeface="+mn-cs"/>
+              </a:defRPr>
+            </a:lvl4pPr>
+            <a:lvl5pPr marL="1828800" indent="0" algn="ctr" defTabSz="914400" rtl="0" eaLnBrk="1" latinLnBrk="0" hangingPunct="1">
+              <a:spcBef>
+                <a:spcPct val="20000"/>
+              </a:spcBef>
+              <a:buFont typeface="Arial" pitchFamily="34" charset="0"/>
+              <a:buNone/>
+              <a:defRPr sz="2000" kern="1200">
+                <a:solidFill>
+                  <a:schemeClr val="tx1">
+                    <a:tint val="75000"/>
+                  </a:schemeClr>
+                </a:solidFill>
+                <a:latin typeface="+mn-lt"/>
+                <a:ea typeface="+mn-ea"/>
+                <a:cs typeface="+mn-cs"/>
+              </a:defRPr>
+            </a:lvl5pPr>
+            <a:lvl6pPr marL="2286000" indent="0" algn="ctr" defTabSz="914400" rtl="0" eaLnBrk="1" latinLnBrk="0" hangingPunct="1">
+              <a:spcBef>
+                <a:spcPct val="20000"/>
+              </a:spcBef>
+              <a:buFont typeface="Arial" pitchFamily="34" charset="0"/>
+              <a:buNone/>
+              <a:defRPr sz="2000" kern="1200">
+                <a:solidFill>
+                  <a:schemeClr val="tx1">
+                    <a:tint val="75000"/>
+                  </a:schemeClr>
+                </a:solidFill>
+                <a:latin typeface="+mn-lt"/>
+                <a:ea typeface="+mn-ea"/>
+                <a:cs typeface="+mn-cs"/>
+              </a:defRPr>
+            </a:lvl6pPr>
+            <a:lvl7pPr marL="2743200" indent="0" algn="ctr" defTabSz="914400" rtl="0" eaLnBrk="1" latinLnBrk="0" hangingPunct="1">
+              <a:spcBef>
+                <a:spcPct val="20000"/>
+              </a:spcBef>
+              <a:buFont typeface="Arial" pitchFamily="34" charset="0"/>
+              <a:buNone/>
+              <a:defRPr sz="2000" kern="1200">
+                <a:solidFill>
+                  <a:schemeClr val="tx1">
+                    <a:tint val="75000"/>
+                  </a:schemeClr>
+                </a:solidFill>
+                <a:latin typeface="+mn-lt"/>
+                <a:ea typeface="+mn-ea"/>
+                <a:cs typeface="+mn-cs"/>
+              </a:defRPr>
+            </a:lvl7pPr>
+            <a:lvl8pPr marL="3200400" indent="0" algn="ctr" defTabSz="914400" rtl="0" eaLnBrk="1" latinLnBrk="0" hangingPunct="1">
+              <a:spcBef>
+                <a:spcPct val="20000"/>
+              </a:spcBef>
+              <a:buFont typeface="Arial" pitchFamily="34" charset="0"/>
+              <a:buNone/>
+              <a:defRPr sz="2000" kern="1200">
+                <a:solidFill>
+                  <a:schemeClr val="tx1">
+                    <a:tint val="75000"/>
+                  </a:schemeClr>
+                </a:solidFill>
+                <a:latin typeface="+mn-lt"/>
+                <a:ea typeface="+mn-ea"/>
+                <a:cs typeface="+mn-cs"/>
+              </a:defRPr>
+            </a:lvl8pPr>
+            <a:lvl9pPr marL="3657600" indent="0" algn="ctr" defTabSz="914400" rtl="0" eaLnBrk="1" latinLnBrk="0" hangingPunct="1">
+              <a:spcBef>
+                <a:spcPct val="20000"/>
+              </a:spcBef>
+              <a:buFont typeface="Arial" pitchFamily="34" charset="0"/>
+              <a:buNone/>
+              <a:defRPr sz="2000" kern="1200">
+                <a:solidFill>
+                  <a:schemeClr val="tx1">
+                    <a:tint val="75000"/>
+                  </a:schemeClr>
+                </a:solidFill>
+                <a:latin typeface="+mn-lt"/>
+                <a:ea typeface="+mn-ea"/>
+                <a:cs typeface="+mn-cs"/>
+              </a:defRPr>
+            </a:lvl9pPr>
+          </a:lstStyle>
+          <a:p>
+            <a:pPr marL="342900" indent="-342900" algn="l">
+              <a:buClr>
+                <a:srgbClr val="0070C0"/>
+              </a:buClr>
+              <a:buSzPct val="80000"/>
+              <a:buFont typeface="Wingdings" pitchFamily="2" charset="2"/>
+              <a:buChar char="u"/>
+            </a:pPr>
+            <a:r>
+              <a:rPr lang="en-US" sz="1800" b="1" i="0" dirty="0">
+                <a:solidFill>
+                  <a:srgbClr val="000000"/>
+                </a:solidFill>
+                <a:effectLst/>
+              </a:rPr>
+              <a:t>The snippet given below defines a field named greeting which returns String value</a:t>
+            </a:r>
+            <a:endParaRPr lang="en-US" sz="1800" b="1" dirty="0">
+              <a:solidFill>
+                <a:srgbClr val="000000"/>
+              </a:solidFill>
+            </a:endParaRPr>
+          </a:p>
+        </p:txBody>
+      </p:sp>
+      <p:pic>
+        <p:nvPicPr>
+          <p:cNvPr id="10" name="Picture 9">
+            <a:extLst>
+              <a:ext uri="{FF2B5EF4-FFF2-40B4-BE49-F238E27FC236}">
+                <a16:creationId xmlns:a16="http://schemas.microsoft.com/office/drawing/2014/main" id="{82702664-0EBA-4C5A-BF28-2BF99BAA48A0}"/>
+              </a:ext>
+            </a:extLst>
+          </p:cNvPr>
+          <p:cNvPicPr>
+            <a:picLocks noChangeAspect="1"/>
+          </p:cNvPicPr>
+          <p:nvPr/>
+        </p:nvPicPr>
+        <p:blipFill>
+          <a:blip r:embed="rId4"/>
+          <a:stretch>
+            <a:fillRect/>
+          </a:stretch>
+        </p:blipFill>
+        <p:spPr>
+          <a:xfrm>
+            <a:off x="1616374" y="5872431"/>
+            <a:ext cx="1362075" cy="304800"/>
+          </a:xfrm>
+          <a:prstGeom prst="rect">
+            <a:avLst/>
+          </a:prstGeom>
+          <a:ln>
+            <a:solidFill>
+              <a:srgbClr val="C00000"/>
+            </a:solidFill>
+          </a:ln>
+        </p:spPr>
+      </p:pic>
+    </p:spTree>
+    <p:extLst>
+      <p:ext uri="{BB962C8B-B14F-4D97-AF65-F5344CB8AC3E}">
+        <p14:creationId xmlns:p14="http://schemas.microsoft.com/office/powerpoint/2010/main" val="3066369360"/>
+      </p:ext>
+    </p:extLst>
+  </p:cSld>
+  <p:clrMapOvr>
+    <a:masterClrMapping/>
+  </p:clrMapOvr>
+</p:sld>
+</file>
+
+<file path=ppt/slides/slide6.xml><?xml version="1.0" encoding="utf-8"?>
+<p:sld xmlns:a="http://schemas.openxmlformats.org/drawingml/2006/main" xmlns:r="http://schemas.openxmlformats.org/officeDocument/2006/relationships" xmlns:p="http://schemas.openxmlformats.org/presentationml/2006/main">
+  <p:cSld>
+    <p:spTree>
+      <p:nvGrpSpPr>
+        <p:cNvPr id="1" name=""/>
+        <p:cNvGrpSpPr/>
+        <p:nvPr/>
+      </p:nvGrpSpPr>
+      <p:grpSpPr>
+        <a:xfrm>
+          <a:off x="0" y="0"/>
+          <a:ext cx="0" cy="0"/>
+          <a:chOff x="0" y="0"/>
+          <a:chExt cx="0" cy="0"/>
+        </a:xfrm>
+      </p:grpSpPr>
+      <p:sp>
+        <p:nvSpPr>
+          <p:cNvPr id="2" name="標題 1"/>
+          <p:cNvSpPr>
+            <a:spLocks noGrp="1"/>
+          </p:cNvSpPr>
+          <p:nvPr>
+            <p:ph type="ctrTitle"/>
+          </p:nvPr>
+        </p:nvSpPr>
+        <p:spPr>
+          <a:xfrm>
+            <a:off x="0" y="2130425"/>
+            <a:ext cx="9144000" cy="1470025"/>
+          </a:xfrm>
+          <a:solidFill>
+            <a:srgbClr val="00B0F0"/>
+          </a:solidFill>
+        </p:spPr>
+        <p:txBody>
+          <a:bodyPr>
+            <a:normAutofit/>
+          </a:bodyPr>
+          <a:lstStyle/>
+          <a:p>
+            <a:r>
+              <a:rPr lang="en-US" altLang="zh-TW" sz="4800" b="1" dirty="0">
+                <a:solidFill>
+                  <a:srgbClr val="FFFF00"/>
+                </a:solidFill>
+              </a:rPr>
+              <a:t>7.2 Object Type</a:t>
+            </a:r>
+            <a:endParaRPr lang="zh-TW" altLang="en-US" sz="4800" b="1" dirty="0">
+              <a:solidFill>
+                <a:srgbClr val="FFFF00"/>
+              </a:solidFill>
+            </a:endParaRPr>
+          </a:p>
+        </p:txBody>
+      </p:sp>
+      <p:sp>
+        <p:nvSpPr>
+          <p:cNvPr id="5" name="日期版面配置區 4"/>
+          <p:cNvSpPr>
+            <a:spLocks noGrp="1"/>
+          </p:cNvSpPr>
+          <p:nvPr>
+            <p:ph type="dt" sz="half" idx="10"/>
+          </p:nvPr>
+        </p:nvSpPr>
+        <p:spPr/>
+        <p:txBody>
+          <a:bodyPr/>
+          <a:lstStyle/>
+          <a:p>
+            <a:fld id="{C389EDC9-19E3-47AC-9C57-C6A24DEA81AD}" type="datetime1">
+              <a:rPr lang="zh-TW" altLang="en-US" smtClean="0"/>
+              <a:pPr/>
+              <a:t>2020/10/6</a:t>
+            </a:fld>
+            <a:endParaRPr lang="zh-TW" altLang="en-US"/>
+          </a:p>
+        </p:txBody>
+      </p:sp>
+      <p:sp>
+        <p:nvSpPr>
+          <p:cNvPr id="6" name="投影片編號版面配置區 5"/>
+          <p:cNvSpPr>
+            <a:spLocks noGrp="1"/>
+          </p:cNvSpPr>
+          <p:nvPr>
+            <p:ph type="sldNum" sz="quarter" idx="12"/>
+          </p:nvPr>
+        </p:nvSpPr>
+        <p:spPr/>
+        <p:txBody>
+          <a:bodyPr/>
+          <a:lstStyle/>
+          <a:p>
+            <a:fld id="{E4D7E63D-91F2-4366-A2C4-1B00C9E2590E}" type="slidenum">
+              <a:rPr lang="zh-TW" altLang="en-US" smtClean="0"/>
+              <a:pPr/>
+              <a:t>6</a:t>
+            </a:fld>
+            <a:endParaRPr lang="zh-TW" altLang="en-US"/>
+          </a:p>
+        </p:txBody>
+      </p:sp>
+      <p:pic>
+        <p:nvPicPr>
+          <p:cNvPr id="4" name="Picture 3">
+            <a:extLst>
+              <a:ext uri="{FF2B5EF4-FFF2-40B4-BE49-F238E27FC236}">
+                <a16:creationId xmlns:a16="http://schemas.microsoft.com/office/drawing/2014/main" id="{1DAA86DC-1C5B-4F2C-B64A-CA9753905B48}"/>
+              </a:ext>
+            </a:extLst>
+          </p:cNvPr>
+          <p:cNvPicPr>
+            <a:picLocks noChangeAspect="1"/>
+          </p:cNvPicPr>
+          <p:nvPr/>
+        </p:nvPicPr>
+        <p:blipFill>
+          <a:blip r:embed="rId2"/>
+          <a:stretch>
+            <a:fillRect/>
+          </a:stretch>
+        </p:blipFill>
+        <p:spPr>
+          <a:xfrm>
+            <a:off x="4211961" y="3766415"/>
+            <a:ext cx="648072" cy="718771"/>
+          </a:xfrm>
+          <a:prstGeom prst="rect">
+            <a:avLst/>
+          </a:prstGeom>
+        </p:spPr>
+      </p:pic>
+    </p:spTree>
+    <p:extLst>
+      <p:ext uri="{BB962C8B-B14F-4D97-AF65-F5344CB8AC3E}">
+        <p14:creationId xmlns:p14="http://schemas.microsoft.com/office/powerpoint/2010/main" val="4011835256"/>
+      </p:ext>
+    </p:extLst>
+  </p:cSld>
+  <p:clrMapOvr>
+    <a:masterClrMapping/>
+  </p:clrMapOvr>
+</p:sld>
+</file>
+
+<file path=ppt/slides/slide7.xml><?xml version="1.0" encoding="utf-8"?>
+<p:sld xmlns:a="http://schemas.openxmlformats.org/drawingml/2006/main" xmlns:r="http://schemas.openxmlformats.org/officeDocument/2006/relationships" xmlns:p="http://schemas.openxmlformats.org/presentationml/2006/main">
+  <p:cSld>
+    <p:spTree>
+      <p:nvGrpSpPr>
+        <p:cNvPr id="1" name=""/>
+        <p:cNvGrpSpPr/>
+        <p:nvPr/>
+      </p:nvGrpSpPr>
+      <p:grpSpPr>
+        <a:xfrm>
+          <a:off x="0" y="0"/>
+          <a:ext cx="0" cy="0"/>
+          <a:chOff x="0" y="0"/>
+          <a:chExt cx="0" cy="0"/>
+        </a:xfrm>
+      </p:grpSpPr>
+      <p:sp>
+        <p:nvSpPr>
+          <p:cNvPr id="2" name="標題 1"/>
+          <p:cNvSpPr>
+            <a:spLocks noGrp="1"/>
+          </p:cNvSpPr>
+          <p:nvPr>
+            <p:ph type="ctrTitle"/>
+          </p:nvPr>
+        </p:nvSpPr>
+        <p:spPr>
+          <a:xfrm>
+            <a:off x="0" y="1"/>
+            <a:ext cx="9144000" cy="764704"/>
+          </a:xfrm>
+          <a:gradFill flip="none" rotWithShape="1">
+            <a:gsLst>
+              <a:gs pos="0">
+                <a:srgbClr val="C00000">
+                  <a:shade val="30000"/>
+                  <a:satMod val="115000"/>
+                </a:srgbClr>
+              </a:gs>
+              <a:gs pos="50000">
+                <a:srgbClr val="C00000">
+                  <a:shade val="67500"/>
+                  <a:satMod val="115000"/>
+                </a:srgbClr>
+              </a:gs>
+              <a:gs pos="100000">
+                <a:srgbClr val="C00000">
+                  <a:shade val="100000"/>
+                  <a:satMod val="115000"/>
+                </a:srgbClr>
+              </a:gs>
+            </a:gsLst>
+            <a:path path="circle">
+              <a:fillToRect t="100000" r="100000"/>
+            </a:path>
+            <a:tileRect l="-100000" b="-100000"/>
+          </a:gradFill>
+        </p:spPr>
+        <p:txBody>
+          <a:bodyPr>
+            <a:normAutofit/>
+          </a:bodyPr>
+          <a:lstStyle/>
+          <a:p>
+            <a:pPr algn="l"/>
+            <a:r>
+              <a:rPr lang="en-US" altLang="zh-TW" sz="4400" b="1" dirty="0">
+                <a:solidFill>
+                  <a:srgbClr val="FFFF00"/>
+                </a:solidFill>
+              </a:rPr>
+              <a:t>7.2 Object Type</a:t>
+            </a:r>
+            <a:endParaRPr lang="zh-TW" altLang="en-US" b="1" dirty="0">
+              <a:solidFill>
+                <a:srgbClr val="FFFF00"/>
+              </a:solidFill>
+            </a:endParaRPr>
+          </a:p>
+        </p:txBody>
+      </p:sp>
+      <p:sp>
+        <p:nvSpPr>
+          <p:cNvPr id="3" name="副標題 2"/>
+          <p:cNvSpPr>
+            <a:spLocks noGrp="1"/>
+          </p:cNvSpPr>
+          <p:nvPr>
+            <p:ph type="subTitle" idx="1"/>
+          </p:nvPr>
+        </p:nvSpPr>
+        <p:spPr>
+          <a:xfrm>
+            <a:off x="467544" y="1340768"/>
+            <a:ext cx="8352928" cy="2592288"/>
+          </a:xfrm>
+          <a:ln>
+            <a:solidFill>
+              <a:srgbClr val="C00000"/>
+            </a:solidFill>
+          </a:ln>
+        </p:spPr>
+        <p:txBody>
+          <a:bodyPr>
+            <a:noAutofit/>
+          </a:bodyPr>
+          <a:lstStyle/>
+          <a:p>
+            <a:pPr marL="342900" indent="-342900" algn="l">
+              <a:buClr>
+                <a:srgbClr val="0070C0"/>
+              </a:buClr>
+              <a:buSzPct val="80000"/>
+              <a:buFont typeface="Wingdings" pitchFamily="2" charset="2"/>
+              <a:buChar char="u"/>
+            </a:pPr>
+            <a:r>
+              <a:rPr lang="en-US" altLang="zh-TW" sz="1800" b="1" dirty="0">
+                <a:solidFill>
+                  <a:schemeClr val="tx1"/>
+                </a:solidFill>
+                <a:latin typeface="+mj-lt"/>
+              </a:rPr>
+              <a:t>Object Type</a:t>
+            </a:r>
+          </a:p>
+          <a:p>
+            <a:pPr marL="342900" indent="-342900" algn="l">
+              <a:buClr>
+                <a:srgbClr val="0070C0"/>
+              </a:buClr>
+              <a:buSzPct val="80000"/>
+              <a:buFont typeface="Wingdings" pitchFamily="2" charset="2"/>
+              <a:buChar char="u"/>
+            </a:pPr>
+            <a:r>
+              <a:rPr lang="en-US" sz="1800" b="1" i="0" dirty="0">
+                <a:solidFill>
+                  <a:srgbClr val="000000"/>
+                </a:solidFill>
+                <a:effectLst/>
+                <a:latin typeface="+mj-lt"/>
+              </a:rPr>
+              <a:t>The object type is the most common type used in a schema and represents a group of fields. </a:t>
+            </a:r>
+          </a:p>
+          <a:p>
+            <a:pPr marL="342900" indent="-342900" algn="l">
+              <a:buClr>
+                <a:srgbClr val="0070C0"/>
+              </a:buClr>
+              <a:buSzPct val="80000"/>
+              <a:buFont typeface="Wingdings" pitchFamily="2" charset="2"/>
+              <a:buChar char="u"/>
+            </a:pPr>
+            <a:r>
+              <a:rPr lang="en-US" sz="1800" b="1" i="0" dirty="0">
+                <a:solidFill>
+                  <a:srgbClr val="000000"/>
+                </a:solidFill>
+                <a:effectLst/>
+                <a:latin typeface="+mj-lt"/>
+              </a:rPr>
+              <a:t>Each field inside an object type maps to another type, thereby allowing nested types. </a:t>
+            </a:r>
+          </a:p>
+          <a:p>
+            <a:pPr marL="342900" indent="-342900" algn="l">
+              <a:buClr>
+                <a:srgbClr val="0070C0"/>
+              </a:buClr>
+              <a:buSzPct val="80000"/>
+              <a:buFont typeface="Wingdings" pitchFamily="2" charset="2"/>
+              <a:buChar char="u"/>
+            </a:pPr>
+            <a:r>
+              <a:rPr lang="en-US" sz="1800" b="1" i="0" dirty="0">
+                <a:solidFill>
+                  <a:srgbClr val="000000"/>
+                </a:solidFill>
+                <a:effectLst/>
+                <a:latin typeface="+mj-lt"/>
+              </a:rPr>
+              <a:t>In other words, an object type is composed of multiple scalar types or object types.</a:t>
+            </a:r>
+          </a:p>
+          <a:p>
+            <a:pPr marL="342900" indent="-342900" algn="l">
+              <a:buClr>
+                <a:srgbClr val="0070C0"/>
+              </a:buClr>
+              <a:buSzPct val="80000"/>
+              <a:buFont typeface="Wingdings" pitchFamily="2" charset="2"/>
+              <a:buChar char="u"/>
+            </a:pPr>
+            <a:r>
+              <a:rPr lang="en-US" sz="1800" b="1" i="0" dirty="0">
+                <a:solidFill>
+                  <a:srgbClr val="000000"/>
+                </a:solidFill>
+                <a:effectLst/>
+                <a:latin typeface="+mj-lt"/>
+              </a:rPr>
+              <a:t>The syntax for defining an object type is given below</a:t>
+            </a:r>
+          </a:p>
+        </p:txBody>
+      </p:sp>
+      <p:sp>
+        <p:nvSpPr>
+          <p:cNvPr id="4" name="標題 1"/>
+          <p:cNvSpPr txBox="1">
+            <a:spLocks/>
+          </p:cNvSpPr>
+          <p:nvPr/>
+        </p:nvSpPr>
+        <p:spPr>
+          <a:xfrm>
+            <a:off x="0" y="764704"/>
+            <a:ext cx="9144000" cy="398616"/>
+          </a:xfrm>
+          <a:prstGeom prst="rect">
+            <a:avLst/>
+          </a:prstGeom>
+          <a:gradFill flip="none" rotWithShape="1">
+            <a:gsLst>
+              <a:gs pos="0">
+                <a:srgbClr val="00B0F0">
+                  <a:shade val="30000"/>
+                  <a:satMod val="115000"/>
+                </a:srgbClr>
+              </a:gs>
+              <a:gs pos="50000">
+                <a:srgbClr val="00B0F0">
+                  <a:shade val="67500"/>
+                  <a:satMod val="115000"/>
+                </a:srgbClr>
+              </a:gs>
+              <a:gs pos="100000">
+                <a:srgbClr val="00B0F0">
+                  <a:shade val="100000"/>
+                  <a:satMod val="115000"/>
+                </a:srgbClr>
+              </a:gs>
+            </a:gsLst>
+            <a:path path="circle">
+              <a:fillToRect t="100000" r="100000"/>
+            </a:path>
+            <a:tileRect l="-100000" b="-100000"/>
+          </a:gradFill>
+        </p:spPr>
+        <p:txBody>
+          <a:bodyPr vert="horz" lIns="91440" tIns="45720" rIns="91440" bIns="45720" rtlCol="0" anchor="ctr">
+            <a:normAutofit/>
+          </a:bodyPr>
+          <a:lstStyle/>
+          <a:p>
+            <a:r>
+              <a:rPr lang="en-US" sz="1600" dirty="0">
+                <a:hlinkClick r:id="rId2"/>
+              </a:rPr>
+              <a:t>https://www.tutorialspoint.com/graphql/graphql_type_system.htm</a:t>
+            </a:r>
+            <a:endParaRPr lang="en-US" altLang="zh-TW" sz="1600" b="1" i="1" dirty="0"/>
+          </a:p>
+        </p:txBody>
+      </p:sp>
+      <p:sp>
+        <p:nvSpPr>
+          <p:cNvPr id="5" name="日期版面配置區 4"/>
+          <p:cNvSpPr>
+            <a:spLocks noGrp="1"/>
+          </p:cNvSpPr>
+          <p:nvPr>
+            <p:ph type="dt" sz="half" idx="10"/>
+          </p:nvPr>
+        </p:nvSpPr>
+        <p:spPr>
+          <a:xfrm>
+            <a:off x="457200" y="6356350"/>
+            <a:ext cx="2133600" cy="404246"/>
+          </a:xfrm>
+        </p:spPr>
+        <p:txBody>
+          <a:bodyPr/>
+          <a:lstStyle/>
+          <a:p>
+            <a:fld id="{A4F910E6-8D00-4BAF-8C48-9688E0B449D3}" type="datetime1">
+              <a:rPr lang="zh-TW" altLang="en-US" smtClean="0"/>
+              <a:pPr/>
+              <a:t>2020/10/6</a:t>
+            </a:fld>
+            <a:endParaRPr lang="zh-TW" altLang="en-US"/>
+          </a:p>
+        </p:txBody>
+      </p:sp>
+      <p:sp>
+        <p:nvSpPr>
+          <p:cNvPr id="6" name="投影片編號版面配置區 5"/>
+          <p:cNvSpPr>
+            <a:spLocks noGrp="1"/>
+          </p:cNvSpPr>
+          <p:nvPr>
+            <p:ph type="sldNum" sz="quarter" idx="12"/>
+          </p:nvPr>
+        </p:nvSpPr>
+        <p:spPr>
+          <a:xfrm>
+            <a:off x="6553200" y="6356350"/>
+            <a:ext cx="2133600" cy="404246"/>
+          </a:xfrm>
+        </p:spPr>
+        <p:txBody>
+          <a:bodyPr/>
+          <a:lstStyle/>
+          <a:p>
+            <a:fld id="{E4D7E63D-91F2-4366-A2C4-1B00C9E2590E}" type="slidenum">
+              <a:rPr lang="zh-TW" altLang="en-US" smtClean="0"/>
+              <a:pPr/>
+              <a:t>7</a:t>
+            </a:fld>
+            <a:endParaRPr lang="zh-TW" altLang="en-US"/>
+          </a:p>
+        </p:txBody>
+      </p:sp>
+      <p:pic>
+        <p:nvPicPr>
+          <p:cNvPr id="7" name="Picture 6">
+            <a:extLst>
+              <a:ext uri="{FF2B5EF4-FFF2-40B4-BE49-F238E27FC236}">
+                <a16:creationId xmlns:a16="http://schemas.microsoft.com/office/drawing/2014/main" id="{5F48EE9E-A8F0-4607-B059-35A5CC81E875}"/>
+              </a:ext>
+            </a:extLst>
+          </p:cNvPr>
+          <p:cNvPicPr>
+            <a:picLocks noChangeAspect="1"/>
+          </p:cNvPicPr>
+          <p:nvPr/>
+        </p:nvPicPr>
+        <p:blipFill>
+          <a:blip r:embed="rId3"/>
+          <a:stretch>
+            <a:fillRect/>
+          </a:stretch>
+        </p:blipFill>
+        <p:spPr>
+          <a:xfrm>
+            <a:off x="1331640" y="4168926"/>
+            <a:ext cx="1866900" cy="1457325"/>
+          </a:xfrm>
+          <a:prstGeom prst="rect">
+            <a:avLst/>
+          </a:prstGeom>
+          <a:ln>
+            <a:solidFill>
+              <a:srgbClr val="C00000"/>
+            </a:solidFill>
+          </a:ln>
+        </p:spPr>
+      </p:pic>
+    </p:spTree>
+    <p:extLst>
+      <p:ext uri="{BB962C8B-B14F-4D97-AF65-F5344CB8AC3E}">
+        <p14:creationId xmlns:p14="http://schemas.microsoft.com/office/powerpoint/2010/main" val="709646150"/>
+      </p:ext>
+    </p:extLst>
+  </p:cSld>
+  <p:clrMapOvr>
+    <a:masterClrMapping/>
+  </p:clrMapOvr>
+</p:sld>
+</file>
+
+<file path=ppt/slides/slide8.xml><?xml version="1.0" encoding="utf-8"?>
+<p:sld xmlns:a="http://schemas.openxmlformats.org/drawingml/2006/main" xmlns:r="http://schemas.openxmlformats.org/officeDocument/2006/relationships" xmlns:p="http://schemas.openxmlformats.org/presentationml/2006/main">
+  <p:cSld>
+    <p:spTree>
+      <p:nvGrpSpPr>
+        <p:cNvPr id="1" name=""/>
+        <p:cNvGrpSpPr/>
+        <p:nvPr/>
+      </p:nvGrpSpPr>
+      <p:grpSpPr>
+        <a:xfrm>
+          <a:off x="0" y="0"/>
+          <a:ext cx="0" cy="0"/>
+          <a:chOff x="0" y="0"/>
+          <a:chExt cx="0" cy="0"/>
+        </a:xfrm>
+      </p:grpSpPr>
+      <p:sp>
+        <p:nvSpPr>
+          <p:cNvPr id="2" name="標題 1"/>
+          <p:cNvSpPr>
+            <a:spLocks noGrp="1"/>
+          </p:cNvSpPr>
+          <p:nvPr>
+            <p:ph type="ctrTitle"/>
+          </p:nvPr>
+        </p:nvSpPr>
+        <p:spPr>
+          <a:xfrm>
+            <a:off x="0" y="1"/>
+            <a:ext cx="9144000" cy="764704"/>
+          </a:xfrm>
+          <a:gradFill flip="none" rotWithShape="1">
+            <a:gsLst>
+              <a:gs pos="0">
+                <a:srgbClr val="C00000">
+                  <a:shade val="30000"/>
+                  <a:satMod val="115000"/>
+                </a:srgbClr>
+              </a:gs>
+              <a:gs pos="50000">
+                <a:srgbClr val="C00000">
+                  <a:shade val="67500"/>
+                  <a:satMod val="115000"/>
+                </a:srgbClr>
+              </a:gs>
+              <a:gs pos="100000">
+                <a:srgbClr val="C00000">
+                  <a:shade val="100000"/>
+                  <a:satMod val="115000"/>
+                </a:srgbClr>
+              </a:gs>
+            </a:gsLst>
+            <a:path path="circle">
+              <a:fillToRect t="100000" r="100000"/>
+            </a:path>
+            <a:tileRect l="-100000" b="-100000"/>
+          </a:gradFill>
+        </p:spPr>
+        <p:txBody>
+          <a:bodyPr>
+            <a:normAutofit/>
+          </a:bodyPr>
+          <a:lstStyle/>
+          <a:p>
+            <a:pPr algn="l"/>
+            <a:r>
+              <a:rPr lang="en-US" altLang="zh-TW" sz="4400" b="1" dirty="0">
+                <a:solidFill>
+                  <a:srgbClr val="FFFF00"/>
+                </a:solidFill>
+              </a:rPr>
+              <a:t>7.2 Object Type</a:t>
+            </a:r>
+            <a:endParaRPr lang="zh-TW" altLang="en-US" b="1" dirty="0">
+              <a:solidFill>
+                <a:srgbClr val="FFFF00"/>
+              </a:solidFill>
+            </a:endParaRPr>
+          </a:p>
+        </p:txBody>
+      </p:sp>
+      <p:sp>
+        <p:nvSpPr>
+          <p:cNvPr id="3" name="副標題 2"/>
+          <p:cNvSpPr>
+            <a:spLocks noGrp="1"/>
+          </p:cNvSpPr>
+          <p:nvPr>
+            <p:ph type="subTitle" idx="1"/>
+          </p:nvPr>
+        </p:nvSpPr>
+        <p:spPr>
+          <a:xfrm>
+            <a:off x="467544" y="1340768"/>
+            <a:ext cx="8352928" cy="720080"/>
+          </a:xfrm>
+          <a:ln>
+            <a:solidFill>
+              <a:srgbClr val="C00000"/>
+            </a:solidFill>
+          </a:ln>
+        </p:spPr>
+        <p:txBody>
+          <a:bodyPr>
+            <a:noAutofit/>
+          </a:bodyPr>
+          <a:lstStyle/>
+          <a:p>
+            <a:pPr marL="342900" indent="-342900" algn="l">
+              <a:buClr>
+                <a:srgbClr val="0070C0"/>
+              </a:buClr>
+              <a:buSzPct val="80000"/>
+              <a:buFont typeface="Wingdings" pitchFamily="2" charset="2"/>
+              <a:buChar char="u"/>
+            </a:pPr>
+            <a:r>
+              <a:rPr lang="en-US" altLang="zh-TW" sz="1800" b="1" dirty="0">
+                <a:solidFill>
+                  <a:schemeClr val="tx1"/>
+                </a:solidFill>
+                <a:latin typeface="+mj-lt"/>
+              </a:rPr>
+              <a:t>Object Type</a:t>
+            </a:r>
+          </a:p>
+          <a:p>
+            <a:pPr marL="342900" indent="-342900" algn="l">
+              <a:buClr>
+                <a:srgbClr val="0070C0"/>
+              </a:buClr>
+              <a:buSzPct val="80000"/>
+              <a:buFont typeface="Wingdings" pitchFamily="2" charset="2"/>
+              <a:buChar char="u"/>
+            </a:pPr>
+            <a:r>
+              <a:rPr lang="en-US" sz="1800" b="1" i="0" dirty="0">
+                <a:solidFill>
+                  <a:srgbClr val="000000"/>
+                </a:solidFill>
+                <a:effectLst/>
+              </a:rPr>
+              <a:t>You can consider the following code snippet:</a:t>
+            </a:r>
+            <a:endParaRPr lang="en-US" sz="1800" b="1" dirty="0">
+              <a:solidFill>
+                <a:srgbClr val="000000"/>
+              </a:solidFill>
+            </a:endParaRPr>
+          </a:p>
+        </p:txBody>
+      </p:sp>
+      <p:sp>
+        <p:nvSpPr>
+          <p:cNvPr id="4" name="標題 1"/>
+          <p:cNvSpPr txBox="1">
+            <a:spLocks/>
+          </p:cNvSpPr>
+          <p:nvPr/>
+        </p:nvSpPr>
+        <p:spPr>
+          <a:xfrm>
+            <a:off x="0" y="764704"/>
+            <a:ext cx="9144000" cy="398616"/>
+          </a:xfrm>
+          <a:prstGeom prst="rect">
+            <a:avLst/>
+          </a:prstGeom>
+          <a:gradFill flip="none" rotWithShape="1">
+            <a:gsLst>
+              <a:gs pos="0">
+                <a:srgbClr val="00B0F0">
+                  <a:shade val="30000"/>
+                  <a:satMod val="115000"/>
+                </a:srgbClr>
+              </a:gs>
+              <a:gs pos="50000">
+                <a:srgbClr val="00B0F0">
+                  <a:shade val="67500"/>
+                  <a:satMod val="115000"/>
+                </a:srgbClr>
+              </a:gs>
+              <a:gs pos="100000">
+                <a:srgbClr val="00B0F0">
+                  <a:shade val="100000"/>
+                  <a:satMod val="115000"/>
+                </a:srgbClr>
+              </a:gs>
+            </a:gsLst>
+            <a:path path="circle">
+              <a:fillToRect t="100000" r="100000"/>
+            </a:path>
+            <a:tileRect l="-100000" b="-100000"/>
+          </a:gradFill>
+        </p:spPr>
+        <p:txBody>
+          <a:bodyPr vert="horz" lIns="91440" tIns="45720" rIns="91440" bIns="45720" rtlCol="0" anchor="ctr">
+            <a:normAutofit/>
+          </a:bodyPr>
+          <a:lstStyle/>
+          <a:p>
+            <a:r>
+              <a:rPr lang="en-US" sz="1600" dirty="0">
+                <a:hlinkClick r:id="rId2"/>
+              </a:rPr>
+              <a:t>https://www.tutorialspoint.com/graphql/graphql_type_system.htm</a:t>
+            </a:r>
+            <a:endParaRPr lang="en-US" altLang="zh-TW" sz="1600" b="1" i="1" dirty="0"/>
+          </a:p>
+        </p:txBody>
+      </p:sp>
+      <p:sp>
+        <p:nvSpPr>
+          <p:cNvPr id="5" name="日期版面配置區 4"/>
+          <p:cNvSpPr>
+            <a:spLocks noGrp="1"/>
+          </p:cNvSpPr>
+          <p:nvPr>
+            <p:ph type="dt" sz="half" idx="10"/>
+          </p:nvPr>
+        </p:nvSpPr>
+        <p:spPr>
+          <a:xfrm>
+            <a:off x="457200" y="6356350"/>
+            <a:ext cx="2133600" cy="404246"/>
+          </a:xfrm>
+        </p:spPr>
+        <p:txBody>
+          <a:bodyPr/>
+          <a:lstStyle/>
+          <a:p>
+            <a:fld id="{A4F910E6-8D00-4BAF-8C48-9688E0B449D3}" type="datetime1">
+              <a:rPr lang="zh-TW" altLang="en-US" smtClean="0"/>
+              <a:pPr/>
+              <a:t>2020/10/6</a:t>
+            </a:fld>
+            <a:endParaRPr lang="zh-TW" altLang="en-US"/>
+          </a:p>
+        </p:txBody>
+      </p:sp>
+      <p:sp>
+        <p:nvSpPr>
+          <p:cNvPr id="6" name="投影片編號版面配置區 5"/>
+          <p:cNvSpPr>
+            <a:spLocks noGrp="1"/>
+          </p:cNvSpPr>
+          <p:nvPr>
+            <p:ph type="sldNum" sz="quarter" idx="12"/>
+          </p:nvPr>
+        </p:nvSpPr>
+        <p:spPr>
+          <a:xfrm>
+            <a:off x="6553200" y="6356350"/>
+            <a:ext cx="2133600" cy="404246"/>
+          </a:xfrm>
+        </p:spPr>
+        <p:txBody>
+          <a:bodyPr/>
+          <a:lstStyle/>
+          <a:p>
+            <a:fld id="{E4D7E63D-91F2-4366-A2C4-1B00C9E2590E}" type="slidenum">
+              <a:rPr lang="zh-TW" altLang="en-US" smtClean="0"/>
+              <a:pPr/>
+              <a:t>8</a:t>
+            </a:fld>
+            <a:endParaRPr lang="zh-TW" altLang="en-US"/>
+          </a:p>
+        </p:txBody>
+      </p:sp>
+      <p:pic>
+        <p:nvPicPr>
+          <p:cNvPr id="8" name="Picture 7">
+            <a:extLst>
+              <a:ext uri="{FF2B5EF4-FFF2-40B4-BE49-F238E27FC236}">
+                <a16:creationId xmlns:a16="http://schemas.microsoft.com/office/drawing/2014/main" id="{8E204072-466C-43EF-A8EB-3AC1FC838185}"/>
+              </a:ext>
+            </a:extLst>
+          </p:cNvPr>
+          <p:cNvPicPr>
+            <a:picLocks noChangeAspect="1"/>
+          </p:cNvPicPr>
+          <p:nvPr/>
+        </p:nvPicPr>
+        <p:blipFill>
+          <a:blip r:embed="rId3"/>
+          <a:stretch>
+            <a:fillRect/>
+          </a:stretch>
+        </p:blipFill>
+        <p:spPr>
+          <a:xfrm>
+            <a:off x="1115616" y="2238296"/>
+            <a:ext cx="2114550" cy="1657350"/>
+          </a:xfrm>
+          <a:prstGeom prst="rect">
+            <a:avLst/>
+          </a:prstGeom>
+          <a:ln>
+            <a:solidFill>
+              <a:srgbClr val="C00000"/>
+            </a:solidFill>
+          </a:ln>
+        </p:spPr>
+      </p:pic>
+      <p:pic>
+        <p:nvPicPr>
+          <p:cNvPr id="10" name="Picture 9">
+            <a:extLst>
+              <a:ext uri="{FF2B5EF4-FFF2-40B4-BE49-F238E27FC236}">
+                <a16:creationId xmlns:a16="http://schemas.microsoft.com/office/drawing/2014/main" id="{BE3421A4-80A5-45C1-8B5F-B9E132572302}"/>
+              </a:ext>
+            </a:extLst>
+          </p:cNvPr>
+          <p:cNvPicPr>
+            <a:picLocks noChangeAspect="1"/>
+          </p:cNvPicPr>
+          <p:nvPr/>
+        </p:nvPicPr>
+        <p:blipFill>
+          <a:blip r:embed="rId4"/>
+          <a:stretch>
+            <a:fillRect/>
+          </a:stretch>
+        </p:blipFill>
+        <p:spPr>
+          <a:xfrm>
+            <a:off x="3508901" y="2279043"/>
+            <a:ext cx="2381250" cy="1266825"/>
+          </a:xfrm>
+          <a:prstGeom prst="rect">
+            <a:avLst/>
+          </a:prstGeom>
+          <a:ln>
+            <a:solidFill>
+              <a:srgbClr val="C00000"/>
+            </a:solidFill>
+          </a:ln>
+        </p:spPr>
+      </p:pic>
+      <p:sp>
+        <p:nvSpPr>
+          <p:cNvPr id="12" name="副標題 2">
+            <a:extLst>
+              <a:ext uri="{FF2B5EF4-FFF2-40B4-BE49-F238E27FC236}">
+                <a16:creationId xmlns:a16="http://schemas.microsoft.com/office/drawing/2014/main" id="{B500683E-DDCE-4A27-B91E-39B0B3645C91}"/>
+              </a:ext>
+            </a:extLst>
+          </p:cNvPr>
+          <p:cNvSpPr txBox="1">
+            <a:spLocks/>
+          </p:cNvSpPr>
+          <p:nvPr/>
+        </p:nvSpPr>
+        <p:spPr>
+          <a:xfrm>
+            <a:off x="523062" y="4221088"/>
+            <a:ext cx="8352928" cy="1008112"/>
+          </a:xfrm>
+          <a:prstGeom prst="rect">
+            <a:avLst/>
+          </a:prstGeom>
+          <a:ln>
+            <a:solidFill>
+              <a:srgbClr val="C00000"/>
+            </a:solidFill>
+          </a:ln>
+        </p:spPr>
+        <p:txBody>
+          <a:bodyPr vert="horz" lIns="91440" tIns="45720" rIns="91440" bIns="45720" rtlCol="0">
+            <a:noAutofit/>
+          </a:bodyPr>
+          <a:lstStyle>
+            <a:lvl1pPr marL="0" indent="0" algn="ctr" defTabSz="914400" rtl="0" eaLnBrk="1" latinLnBrk="0" hangingPunct="1">
+              <a:spcBef>
+                <a:spcPct val="20000"/>
+              </a:spcBef>
+              <a:buFont typeface="Arial" pitchFamily="34" charset="0"/>
+              <a:buNone/>
+              <a:defRPr sz="3200" kern="1200">
+                <a:solidFill>
+                  <a:schemeClr val="tx1">
+                    <a:tint val="75000"/>
+                  </a:schemeClr>
+                </a:solidFill>
+                <a:latin typeface="+mn-lt"/>
+                <a:ea typeface="+mn-ea"/>
+                <a:cs typeface="+mn-cs"/>
+              </a:defRPr>
+            </a:lvl1pPr>
+            <a:lvl2pPr marL="457200" indent="0" algn="ctr" defTabSz="914400" rtl="0" eaLnBrk="1" latinLnBrk="0" hangingPunct="1">
+              <a:spcBef>
+                <a:spcPct val="20000"/>
+              </a:spcBef>
+              <a:buFont typeface="Arial" pitchFamily="34" charset="0"/>
+              <a:buNone/>
+              <a:defRPr sz="2800" kern="1200">
+                <a:solidFill>
+                  <a:schemeClr val="tx1">
+                    <a:tint val="75000"/>
+                  </a:schemeClr>
+                </a:solidFill>
+                <a:latin typeface="+mn-lt"/>
+                <a:ea typeface="+mn-ea"/>
+                <a:cs typeface="+mn-cs"/>
+              </a:defRPr>
+            </a:lvl2pPr>
+            <a:lvl3pPr marL="914400" indent="0" algn="ctr" defTabSz="914400" rtl="0" eaLnBrk="1" latinLnBrk="0" hangingPunct="1">
+              <a:spcBef>
+                <a:spcPct val="20000"/>
+              </a:spcBef>
+              <a:buFont typeface="Arial" pitchFamily="34" charset="0"/>
+              <a:buNone/>
+              <a:defRPr sz="2400" kern="1200">
+                <a:solidFill>
+                  <a:schemeClr val="tx1">
+                    <a:tint val="75000"/>
+                  </a:schemeClr>
+                </a:solidFill>
+                <a:latin typeface="+mn-lt"/>
+                <a:ea typeface="+mn-ea"/>
+                <a:cs typeface="+mn-cs"/>
+              </a:defRPr>
+            </a:lvl3pPr>
+            <a:lvl4pPr marL="1371600" indent="0" algn="ctr" defTabSz="914400" rtl="0" eaLnBrk="1" latinLnBrk="0" hangingPunct="1">
+              <a:spcBef>
+                <a:spcPct val="20000"/>
+              </a:spcBef>
+              <a:buFont typeface="Arial" pitchFamily="34" charset="0"/>
+              <a:buNone/>
+              <a:defRPr sz="2000" kern="1200">
+                <a:solidFill>
+                  <a:schemeClr val="tx1">
+                    <a:tint val="75000"/>
+                  </a:schemeClr>
+                </a:solidFill>
+                <a:latin typeface="+mn-lt"/>
+                <a:ea typeface="+mn-ea"/>
+                <a:cs typeface="+mn-cs"/>
+              </a:defRPr>
+            </a:lvl4pPr>
+            <a:lvl5pPr marL="1828800" indent="0" algn="ctr" defTabSz="914400" rtl="0" eaLnBrk="1" latinLnBrk="0" hangingPunct="1">
+              <a:spcBef>
+                <a:spcPct val="20000"/>
+              </a:spcBef>
+              <a:buFont typeface="Arial" pitchFamily="34" charset="0"/>
+              <a:buNone/>
+              <a:defRPr sz="2000" kern="1200">
+                <a:solidFill>
+                  <a:schemeClr val="tx1">
+                    <a:tint val="75000"/>
+                  </a:schemeClr>
+                </a:solidFill>
+                <a:latin typeface="+mn-lt"/>
+                <a:ea typeface="+mn-ea"/>
+                <a:cs typeface="+mn-cs"/>
+              </a:defRPr>
+            </a:lvl5pPr>
+            <a:lvl6pPr marL="2286000" indent="0" algn="ctr" defTabSz="914400" rtl="0" eaLnBrk="1" latinLnBrk="0" hangingPunct="1">
+              <a:spcBef>
+                <a:spcPct val="20000"/>
+              </a:spcBef>
+              <a:buFont typeface="Arial" pitchFamily="34" charset="0"/>
+              <a:buNone/>
+              <a:defRPr sz="2000" kern="1200">
+                <a:solidFill>
+                  <a:schemeClr val="tx1">
+                    <a:tint val="75000"/>
+                  </a:schemeClr>
+                </a:solidFill>
+                <a:latin typeface="+mn-lt"/>
+                <a:ea typeface="+mn-ea"/>
+                <a:cs typeface="+mn-cs"/>
+              </a:defRPr>
+            </a:lvl6pPr>
+            <a:lvl7pPr marL="2743200" indent="0" algn="ctr" defTabSz="914400" rtl="0" eaLnBrk="1" latinLnBrk="0" hangingPunct="1">
+              <a:spcBef>
+                <a:spcPct val="20000"/>
+              </a:spcBef>
+              <a:buFont typeface="Arial" pitchFamily="34" charset="0"/>
+              <a:buNone/>
+              <a:defRPr sz="2000" kern="1200">
+                <a:solidFill>
+                  <a:schemeClr val="tx1">
+                    <a:tint val="75000"/>
+                  </a:schemeClr>
+                </a:solidFill>
+                <a:latin typeface="+mn-lt"/>
+                <a:ea typeface="+mn-ea"/>
+                <a:cs typeface="+mn-cs"/>
+              </a:defRPr>
+            </a:lvl7pPr>
+            <a:lvl8pPr marL="3200400" indent="0" algn="ctr" defTabSz="914400" rtl="0" eaLnBrk="1" latinLnBrk="0" hangingPunct="1">
+              <a:spcBef>
+                <a:spcPct val="20000"/>
+              </a:spcBef>
+              <a:buFont typeface="Arial" pitchFamily="34" charset="0"/>
+              <a:buNone/>
+              <a:defRPr sz="2000" kern="1200">
+                <a:solidFill>
+                  <a:schemeClr val="tx1">
+                    <a:tint val="75000"/>
+                  </a:schemeClr>
+                </a:solidFill>
+                <a:latin typeface="+mn-lt"/>
+                <a:ea typeface="+mn-ea"/>
+                <a:cs typeface="+mn-cs"/>
+              </a:defRPr>
+            </a:lvl8pPr>
+            <a:lvl9pPr marL="3657600" indent="0" algn="ctr" defTabSz="914400" rtl="0" eaLnBrk="1" latinLnBrk="0" hangingPunct="1">
+              <a:spcBef>
+                <a:spcPct val="20000"/>
+              </a:spcBef>
+              <a:buFont typeface="Arial" pitchFamily="34" charset="0"/>
+              <a:buNone/>
+              <a:defRPr sz="2000" kern="1200">
+                <a:solidFill>
+                  <a:schemeClr val="tx1">
+                    <a:tint val="75000"/>
+                  </a:schemeClr>
+                </a:solidFill>
+                <a:latin typeface="+mn-lt"/>
+                <a:ea typeface="+mn-ea"/>
+                <a:cs typeface="+mn-cs"/>
+              </a:defRPr>
+            </a:lvl9pPr>
+          </a:lstStyle>
+          <a:p>
+            <a:pPr marL="342900" indent="-342900" algn="l">
+              <a:buClr>
+                <a:srgbClr val="0070C0"/>
+              </a:buClr>
+              <a:buSzPct val="80000"/>
+              <a:buFont typeface="Wingdings" pitchFamily="2" charset="2"/>
+              <a:buChar char="u"/>
+            </a:pPr>
+            <a:r>
+              <a:rPr lang="en-US" sz="1800" b="1" i="0" dirty="0">
+                <a:solidFill>
+                  <a:srgbClr val="000000"/>
+                </a:solidFill>
+                <a:effectLst/>
+              </a:rPr>
+              <a:t>The example given above defines an object data-type Student.</a:t>
+            </a:r>
+          </a:p>
+          <a:p>
+            <a:pPr marL="342900" indent="-342900" algn="l">
+              <a:buClr>
+                <a:srgbClr val="0070C0"/>
+              </a:buClr>
+              <a:buSzPct val="80000"/>
+              <a:buFont typeface="Wingdings" pitchFamily="2" charset="2"/>
+              <a:buChar char="u"/>
+            </a:pPr>
+            <a:r>
+              <a:rPr lang="en-US" sz="1800" b="1" i="0" dirty="0">
+                <a:solidFill>
+                  <a:srgbClr val="000000"/>
+                </a:solidFill>
+                <a:effectLst/>
+              </a:rPr>
+              <a:t>The </a:t>
+            </a:r>
+            <a:r>
+              <a:rPr lang="en-US" sz="1800" b="1" i="1" dirty="0" err="1">
+                <a:solidFill>
+                  <a:srgbClr val="000000"/>
+                </a:solidFill>
+                <a:effectLst/>
+              </a:rPr>
+              <a:t>stud_details</a:t>
+            </a:r>
+            <a:r>
+              <a:rPr lang="en-US" sz="1800" b="1" i="0" dirty="0">
+                <a:solidFill>
+                  <a:srgbClr val="000000"/>
+                </a:solidFill>
+                <a:effectLst/>
+              </a:rPr>
+              <a:t> field in the root Query schema will return a list of Student objects.</a:t>
+            </a:r>
+            <a:endParaRPr lang="en-US" sz="1800" b="1" dirty="0">
+              <a:solidFill>
+                <a:srgbClr val="000000"/>
+              </a:solidFill>
+            </a:endParaRPr>
+          </a:p>
+        </p:txBody>
+      </p:sp>
+    </p:spTree>
+    <p:extLst>
+      <p:ext uri="{BB962C8B-B14F-4D97-AF65-F5344CB8AC3E}">
+        <p14:creationId xmlns:p14="http://schemas.microsoft.com/office/powerpoint/2010/main" val="1819648401"/>
+      </p:ext>
+    </p:extLst>
+  </p:cSld>
+  <p:clrMapOvr>
+    <a:masterClrMapping/>
+  </p:clrMapOvr>
+</p:sld>
+</file>
+
+<file path=ppt/slides/slide9.xml><?xml version="1.0" encoding="utf-8"?>
+<p:sld xmlns:a="http://schemas.openxmlformats.org/drawingml/2006/main" xmlns:r="http://schemas.openxmlformats.org/officeDocument/2006/relationships" xmlns:p="http://schemas.openxmlformats.org/presentationml/2006/main">
+  <p:cSld>
+    <p:spTree>
+      <p:nvGrpSpPr>
+        <p:cNvPr id="1" name=""/>
+        <p:cNvGrpSpPr/>
+        <p:nvPr/>
+      </p:nvGrpSpPr>
+      <p:grpSpPr>
+        <a:xfrm>
+          <a:off x="0" y="0"/>
+          <a:ext cx="0" cy="0"/>
+          <a:chOff x="0" y="0"/>
+          <a:chExt cx="0" cy="0"/>
+        </a:xfrm>
+      </p:grpSpPr>
+      <p:sp>
+        <p:nvSpPr>
+          <p:cNvPr id="2" name="標題 1"/>
+          <p:cNvSpPr>
+            <a:spLocks noGrp="1"/>
+          </p:cNvSpPr>
+          <p:nvPr>
+            <p:ph type="ctrTitle"/>
+          </p:nvPr>
+        </p:nvSpPr>
+        <p:spPr>
+          <a:xfrm>
+            <a:off x="0" y="2130425"/>
+            <a:ext cx="9144000" cy="1470025"/>
+          </a:xfrm>
+          <a:solidFill>
+            <a:srgbClr val="00B0F0"/>
+          </a:solidFill>
+        </p:spPr>
+        <p:txBody>
+          <a:bodyPr>
+            <a:normAutofit/>
+          </a:bodyPr>
+          <a:lstStyle/>
+          <a:p>
+            <a:r>
+              <a:rPr lang="en-US" altLang="zh-TW" sz="4800" b="1" dirty="0">
+                <a:solidFill>
+                  <a:srgbClr val="FFFF00"/>
+                </a:solidFill>
+              </a:rPr>
+              <a:t>7.3 Query Type</a:t>
+            </a:r>
+            <a:endParaRPr lang="zh-TW" altLang="en-US" sz="4800" b="1" dirty="0">
+              <a:solidFill>
+                <a:srgbClr val="FFFF00"/>
+              </a:solidFill>
+            </a:endParaRPr>
+          </a:p>
+        </p:txBody>
+      </p:sp>
+      <p:sp>
+        <p:nvSpPr>
+          <p:cNvPr id="5" name="日期版面配置區 4"/>
+          <p:cNvSpPr>
+            <a:spLocks noGrp="1"/>
+          </p:cNvSpPr>
+          <p:nvPr>
+            <p:ph type="dt" sz="half" idx="10"/>
+          </p:nvPr>
+        </p:nvSpPr>
+        <p:spPr/>
+        <p:txBody>
+          <a:bodyPr/>
+          <a:lstStyle/>
+          <a:p>
+            <a:fld id="{C389EDC9-19E3-47AC-9C57-C6A24DEA81AD}" type="datetime1">
+              <a:rPr lang="zh-TW" altLang="en-US" smtClean="0"/>
+              <a:pPr/>
+              <a:t>2020/10/6</a:t>
+            </a:fld>
+            <a:endParaRPr lang="zh-TW" altLang="en-US"/>
+          </a:p>
+        </p:txBody>
+      </p:sp>
+      <p:sp>
+        <p:nvSpPr>
+          <p:cNvPr id="6" name="投影片編號版面配置區 5"/>
+          <p:cNvSpPr>
+            <a:spLocks noGrp="1"/>
+          </p:cNvSpPr>
+          <p:nvPr>
+            <p:ph type="sldNum" sz="quarter" idx="12"/>
+          </p:nvPr>
+        </p:nvSpPr>
+        <p:spPr/>
+        <p:txBody>
+          <a:bodyPr/>
+          <a:lstStyle/>
+          <a:p>
+            <a:fld id="{E4D7E63D-91F2-4366-A2C4-1B00C9E2590E}" type="slidenum">
+              <a:rPr lang="zh-TW" altLang="en-US" smtClean="0"/>
+              <a:pPr/>
+              <a:t>9</a:t>
+            </a:fld>
+            <a:endParaRPr lang="zh-TW" altLang="en-US"/>
+          </a:p>
+        </p:txBody>
+      </p:sp>
+      <p:pic>
+        <p:nvPicPr>
+          <p:cNvPr id="4" name="Picture 3">
+            <a:extLst>
+              <a:ext uri="{FF2B5EF4-FFF2-40B4-BE49-F238E27FC236}">
+                <a16:creationId xmlns:a16="http://schemas.microsoft.com/office/drawing/2014/main" id="{1DAA86DC-1C5B-4F2C-B64A-CA9753905B48}"/>
+              </a:ext>
+            </a:extLst>
+          </p:cNvPr>
+          <p:cNvPicPr>
+            <a:picLocks noChangeAspect="1"/>
+          </p:cNvPicPr>
+          <p:nvPr/>
+        </p:nvPicPr>
+        <p:blipFill>
+          <a:blip r:embed="rId2"/>
+          <a:stretch>
+            <a:fillRect/>
+          </a:stretch>
+        </p:blipFill>
+        <p:spPr>
+          <a:xfrm>
+            <a:off x="4211961" y="3766415"/>
+            <a:ext cx="648072" cy="718771"/>
+          </a:xfrm>
+          <a:prstGeom prst="rect">
+            <a:avLst/>
+          </a:prstGeom>
+        </p:spPr>
+      </p:pic>
+    </p:spTree>
+    <p:extLst>
+      <p:ext uri="{BB962C8B-B14F-4D97-AF65-F5344CB8AC3E}">
+        <p14:creationId xmlns:p14="http://schemas.microsoft.com/office/powerpoint/2010/main" val="1794698128"/>
+      </p:ext>
+    </p:extLst>
   </p:cSld>
   <p:clrMapOvr>
     <a:masterClrMapping/>
